--- a/eece3170/f16/lectures/eece.3170f16_lec19_pic_intro.pptx
+++ b/eece3170/f16/lectures/eece.3170f16_lec19_pic_intro.pptx
@@ -5,10 +5,10 @@
     <p:sldMasterId id="2147483792" r:id="rId1"/>
   </p:sldMasterIdLst>
   <p:notesMasterIdLst>
-    <p:notesMasterId r:id="rId21"/>
+    <p:notesMasterId r:id="rId20"/>
   </p:notesMasterIdLst>
   <p:handoutMasterIdLst>
-    <p:handoutMasterId r:id="rId22"/>
+    <p:handoutMasterId r:id="rId21"/>
   </p:handoutMasterIdLst>
   <p:sldIdLst>
     <p:sldId id="256" r:id="rId2"/>
@@ -25,11 +25,10 @@
     <p:sldId id="336" r:id="rId13"/>
     <p:sldId id="337" r:id="rId14"/>
     <p:sldId id="354" r:id="rId15"/>
-    <p:sldId id="340" r:id="rId16"/>
-    <p:sldId id="341" r:id="rId17"/>
-    <p:sldId id="342" r:id="rId18"/>
-    <p:sldId id="343" r:id="rId19"/>
-    <p:sldId id="324" r:id="rId20"/>
+    <p:sldId id="341" r:id="rId16"/>
+    <p:sldId id="342" r:id="rId17"/>
+    <p:sldId id="343" r:id="rId18"/>
+    <p:sldId id="324" r:id="rId19"/>
   </p:sldIdLst>
   <p:sldSz cx="9144000" cy="6858000" type="screen4x3"/>
   <p:notesSz cx="9144000" cy="6858000"/>
@@ -549,7 +548,7 @@
             <a:tailEnd/>
           </a:ln>
           <a:extLst>
-            <a:ext uri="{909E8E84-426E-40dd-AFC4-6F175D3DCCD1}">
+            <a:ext uri="{909E8E84-426E-40DD-AFC4-6F175D3DCCD1}">
               <a14:hiddenFill xmlns:a14="http://schemas.microsoft.com/office/drawing/2010/main">
                 <a:solidFill>
                   <a:srgbClr val="FFFFFF"/>
@@ -557,7 +556,7 @@
               </a14:hiddenFill>
             </a:ext>
             <a:ext uri="{FAA26D3D-D897-4be2-8F04-BA451C77F1D7}">
-              <ma14:placeholderFlag xmlns:ma14="http://schemas.microsoft.com/office/mac/drawingml/2011/main" val="1"/>
+              <ma14:placeholderFlag xmlns:ma14="http://schemas.microsoft.com/office/mac/drawingml/2011/main" xmlns="" val="1"/>
             </a:ext>
           </a:extLst>
         </p:spPr>
@@ -896,14 +895,14 @@
           <a:noFill/>
           <a:ln/>
           <a:extLst>
-            <a:ext uri="{909E8E84-426E-40dd-AFC4-6F175D3DCCD1}">
+            <a:ext uri="{909E8E84-426E-40DD-AFC4-6F175D3DCCD1}">
               <a14:hiddenFill xmlns:a14="http://schemas.microsoft.com/office/drawing/2010/main">
                 <a:solidFill>
                   <a:srgbClr val="FFFFFF"/>
                 </a:solidFill>
               </a14:hiddenFill>
             </a:ext>
-            <a:ext uri="{91240B29-F687-4f45-9708-019B960494DF}">
+            <a:ext uri="{91240B29-F687-4F45-9708-019B960494DF}">
               <a14:hiddenLine xmlns:a14="http://schemas.microsoft.com/office/drawing/2010/main" w="9525">
                 <a:solidFill>
                   <a:srgbClr val="000000"/>
@@ -1071,14 +1070,14 @@
           <a:noFill/>
           <a:ln/>
           <a:extLst>
-            <a:ext uri="{909E8E84-426E-40dd-AFC4-6F175D3DCCD1}">
+            <a:ext uri="{909E8E84-426E-40DD-AFC4-6F175D3DCCD1}">
               <a14:hiddenFill xmlns:a14="http://schemas.microsoft.com/office/drawing/2010/main">
                 <a:solidFill>
                   <a:srgbClr val="FFFFFF"/>
                 </a:solidFill>
               </a14:hiddenFill>
             </a:ext>
-            <a:ext uri="{91240B29-F687-4f45-9708-019B960494DF}">
+            <a:ext uri="{91240B29-F687-4F45-9708-019B960494DF}">
               <a14:hiddenLine xmlns:a14="http://schemas.microsoft.com/office/drawing/2010/main" w="9525">
                 <a:solidFill>
                   <a:srgbClr val="000000"/>
@@ -1089,7 +1088,7 @@
               </a14:hiddenLine>
             </a:ext>
             <a:ext uri="{FAA26D3D-D897-4be2-8F04-BA451C77F1D7}">
-              <ma14:placeholderFlag xmlns:ma14="http://schemas.microsoft.com/office/mac/drawingml/2011/main" val="1"/>
+              <ma14:placeholderFlag xmlns:ma14="http://schemas.microsoft.com/office/mac/drawingml/2011/main" xmlns="" val="1"/>
             </a:ext>
           </a:extLst>
         </p:spPr>
@@ -1129,7 +1128,7 @@
       </p:grpSpPr>
       <p:sp>
         <p:nvSpPr>
-          <p:cNvPr id="34818" name="Rectangle 11"/>
+          <p:cNvPr id="35842" name="Rectangle 11"/>
           <p:cNvSpPr>
             <a:spLocks noGrp="1" noChangeArrowheads="1"/>
           </p:cNvSpPr>
@@ -1141,14 +1140,14 @@
           <a:noFill/>
           <a:ln/>
           <a:extLst>
-            <a:ext uri="{909E8E84-426E-40dd-AFC4-6F175D3DCCD1}">
+            <a:ext uri="{909E8E84-426E-40DD-AFC4-6F175D3DCCD1}">
               <a14:hiddenFill xmlns:a14="http://schemas.microsoft.com/office/drawing/2010/main">
                 <a:solidFill>
                   <a:srgbClr val="FFFFFF"/>
                 </a:solidFill>
               </a14:hiddenFill>
             </a:ext>
-            <a:ext uri="{91240B29-F687-4f45-9708-019B960494DF}">
+            <a:ext uri="{91240B29-F687-4F45-9708-019B960494DF}">
               <a14:hiddenLine xmlns:a14="http://schemas.microsoft.com/office/drawing/2010/main" w="9525">
                 <a:solidFill>
                   <a:srgbClr val="000000"/>
@@ -1279,10 +1278,10 @@
             </a:lvl9pPr>
           </a:lstStyle>
           <a:p>
-            <a:fld id="{C32A4743-6A85-BA44-9C68-3321059A67F2}" type="datetime1">
+            <a:fld id="{9B38B2EA-173B-5041-97F7-262733F2EBB5}" type="datetime1">
               <a:rPr lang="en-US"/>
               <a:pPr/>
-              <a:t>10/20/16</a:t>
+              <a:t>10/24/2016</a:t>
             </a:fld>
             <a:endParaRPr lang="en-US"/>
           </a:p>
@@ -1290,7 +1289,7 @@
       </p:sp>
       <p:sp>
         <p:nvSpPr>
-          <p:cNvPr id="34819" name="Rectangle 12"/>
+          <p:cNvPr id="35843" name="Rectangle 12"/>
           <p:cNvSpPr>
             <a:spLocks noGrp="1" noChangeArrowheads="1"/>
           </p:cNvSpPr>
@@ -1302,14 +1301,14 @@
           <a:noFill/>
           <a:ln/>
           <a:extLst>
-            <a:ext uri="{909E8E84-426E-40dd-AFC4-6F175D3DCCD1}">
+            <a:ext uri="{909E8E84-426E-40DD-AFC4-6F175D3DCCD1}">
               <a14:hiddenFill xmlns:a14="http://schemas.microsoft.com/office/drawing/2010/main">
                 <a:solidFill>
                   <a:srgbClr val="FFFFFF"/>
                 </a:solidFill>
               </a14:hiddenFill>
             </a:ext>
-            <a:ext uri="{91240B29-F687-4f45-9708-019B960494DF}">
+            <a:ext uri="{91240B29-F687-4F45-9708-019B960494DF}">
               <a14:hiddenLine xmlns:a14="http://schemas.microsoft.com/office/drawing/2010/main" w="9525">
                 <a:solidFill>
                   <a:srgbClr val="000000"/>
@@ -1449,7 +1448,7 @@
       </p:sp>
       <p:sp>
         <p:nvSpPr>
-          <p:cNvPr id="34820" name="Rectangle 13"/>
+          <p:cNvPr id="35844" name="Rectangle 13"/>
           <p:cNvSpPr>
             <a:spLocks noGrp="1" noChangeArrowheads="1"/>
           </p:cNvSpPr>
@@ -1461,14 +1460,14 @@
           <a:noFill/>
           <a:ln/>
           <a:extLst>
-            <a:ext uri="{909E8E84-426E-40dd-AFC4-6F175D3DCCD1}">
+            <a:ext uri="{909E8E84-426E-40DD-AFC4-6F175D3DCCD1}">
               <a14:hiddenFill xmlns:a14="http://schemas.microsoft.com/office/drawing/2010/main">
                 <a:solidFill>
                   <a:srgbClr val="FFFFFF"/>
                 </a:solidFill>
               </a14:hiddenFill>
             </a:ext>
-            <a:ext uri="{91240B29-F687-4f45-9708-019B960494DF}">
+            <a:ext uri="{91240B29-F687-4F45-9708-019B960494DF}">
               <a14:hiddenLine xmlns:a14="http://schemas.microsoft.com/office/drawing/2010/main" w="9525">
                 <a:solidFill>
                   <a:srgbClr val="000000"/>
@@ -1599,10 +1598,10 @@
             </a:lvl9pPr>
           </a:lstStyle>
           <a:p>
-            <a:fld id="{05C56BE2-3B88-D94B-B944-288E168702E4}" type="slidenum">
+            <a:fld id="{FE56AE3E-1027-744A-B4DC-997FB7B627DA}" type="slidenum">
               <a:rPr lang="en-US"/>
               <a:pPr/>
-              <a:t>16</a:t>
+              <a:t>17</a:t>
             </a:fld>
             <a:endParaRPr lang="en-US"/>
           </a:p>
@@ -1610,7 +1609,7 @@
       </p:sp>
       <p:sp>
         <p:nvSpPr>
-          <p:cNvPr id="34821" name="Rectangle 2"/>
+          <p:cNvPr id="35845" name="Rectangle 2"/>
           <p:cNvSpPr>
             <a:spLocks noGrp="1" noRot="1" noChangeAspect="1" noChangeArrowheads="1" noTextEdit="1"/>
           </p:cNvSpPr>
@@ -1627,7 +1626,7 @@
       </p:sp>
       <p:sp>
         <p:nvSpPr>
-          <p:cNvPr id="34822" name="Rectangle 3"/>
+          <p:cNvPr id="35846" name="Rectangle 3"/>
           <p:cNvSpPr>
             <a:spLocks noGrp="1" noChangeArrowheads="1"/>
           </p:cNvSpPr>
@@ -1646,563 +1645,7 @@
           </a:ln>
           <a:extLst>
             <a:ext uri="{FAA26D3D-D897-4be2-8F04-BA451C77F1D7}">
-              <ma14:placeholderFlag xmlns:ma14="http://schemas.microsoft.com/office/mac/drawingml/2011/main" val="1"/>
-            </a:ext>
-          </a:extLst>
-        </p:spPr>
-        <p:txBody>
-          <a:bodyPr lIns="89931" tIns="44966" rIns="89931" bIns="44966"/>
-          <a:lstStyle/>
-          <a:p>
-            <a:endParaRPr lang="en-US"/>
-          </a:p>
-        </p:txBody>
-      </p:sp>
-    </p:spTree>
-  </p:cSld>
-  <p:clrMapOvr>
-    <a:masterClrMapping/>
-  </p:clrMapOvr>
-</p:notes>
-</file>
-
-<file path=ppt/notesSlides/notesSlide11.xml><?xml version="1.0" encoding="utf-8"?>
-<p:notes xmlns:a="http://schemas.openxmlformats.org/drawingml/2006/main" xmlns:r="http://schemas.openxmlformats.org/officeDocument/2006/relationships" xmlns:p="http://schemas.openxmlformats.org/presentationml/2006/main">
-  <p:cSld>
-    <p:spTree>
-      <p:nvGrpSpPr>
-        <p:cNvPr id="1" name=""/>
-        <p:cNvGrpSpPr/>
-        <p:nvPr/>
-      </p:nvGrpSpPr>
-      <p:grpSpPr>
-        <a:xfrm>
-          <a:off x="0" y="0"/>
-          <a:ext cx="0" cy="0"/>
-          <a:chOff x="0" y="0"/>
-          <a:chExt cx="0" cy="0"/>
-        </a:xfrm>
-      </p:grpSpPr>
-      <p:sp>
-        <p:nvSpPr>
-          <p:cNvPr id="35842" name="Rectangle 11"/>
-          <p:cNvSpPr>
-            <a:spLocks noGrp="1" noChangeArrowheads="1"/>
-          </p:cNvSpPr>
-          <p:nvPr>
-            <p:ph type="dt" sz="quarter" idx="1"/>
-          </p:nvPr>
-        </p:nvSpPr>
-        <p:spPr>
-          <a:noFill/>
-          <a:ln/>
-          <a:extLst>
-            <a:ext uri="{909E8E84-426E-40dd-AFC4-6F175D3DCCD1}">
-              <a14:hiddenFill xmlns:a14="http://schemas.microsoft.com/office/drawing/2010/main">
-                <a:solidFill>
-                  <a:srgbClr val="FFFFFF"/>
-                </a:solidFill>
-              </a14:hiddenFill>
-            </a:ext>
-            <a:ext uri="{91240B29-F687-4f45-9708-019B960494DF}">
-              <a14:hiddenLine xmlns:a14="http://schemas.microsoft.com/office/drawing/2010/main" w="9525">
-                <a:solidFill>
-                  <a:srgbClr val="000000"/>
-                </a:solidFill>
-                <a:miter lim="800000"/>
-                <a:headEnd/>
-                <a:tailEnd/>
-              </a14:hiddenLine>
-            </a:ext>
-          </a:extLst>
-        </p:spPr>
-        <p:txBody>
-          <a:bodyPr/>
-          <a:lstStyle>
-            <a:lvl1pPr>
-              <a:defRPr sz="1200">
-                <a:solidFill>
-                  <a:schemeClr val="tx1"/>
-                </a:solidFill>
-                <a:latin typeface="Arial" charset="0"/>
-                <a:ea typeface="ＭＳ Ｐゴシック" charset="0"/>
-                <a:cs typeface="Arial" charset="0"/>
-              </a:defRPr>
-            </a:lvl1pPr>
-            <a:lvl2pPr marL="742950" indent="-285750">
-              <a:defRPr sz="1200">
-                <a:solidFill>
-                  <a:schemeClr val="tx1"/>
-                </a:solidFill>
-                <a:latin typeface="Arial" charset="0"/>
-                <a:ea typeface="Arial" charset="0"/>
-                <a:cs typeface="Arial" charset="0"/>
-              </a:defRPr>
-            </a:lvl2pPr>
-            <a:lvl3pPr marL="1143000" indent="-228600">
-              <a:defRPr sz="1200">
-                <a:solidFill>
-                  <a:schemeClr val="tx1"/>
-                </a:solidFill>
-                <a:latin typeface="Arial" charset="0"/>
-                <a:ea typeface="Arial" charset="0"/>
-                <a:cs typeface="Arial" charset="0"/>
-              </a:defRPr>
-            </a:lvl3pPr>
-            <a:lvl4pPr marL="1600200" indent="-228600">
-              <a:defRPr sz="1200">
-                <a:solidFill>
-                  <a:schemeClr val="tx1"/>
-                </a:solidFill>
-                <a:latin typeface="Arial" charset="0"/>
-                <a:ea typeface="Arial" charset="0"/>
-                <a:cs typeface="Arial" charset="0"/>
-              </a:defRPr>
-            </a:lvl4pPr>
-            <a:lvl5pPr marL="2057400" indent="-228600">
-              <a:defRPr sz="1200">
-                <a:solidFill>
-                  <a:schemeClr val="tx1"/>
-                </a:solidFill>
-                <a:latin typeface="Arial" charset="0"/>
-                <a:ea typeface="Arial" charset="0"/>
-                <a:cs typeface="Arial" charset="0"/>
-              </a:defRPr>
-            </a:lvl5pPr>
-            <a:lvl6pPr marL="2514600" indent="-228600" eaLnBrk="0" fontAlgn="base" hangingPunct="0">
-              <a:spcBef>
-                <a:spcPct val="30000"/>
-              </a:spcBef>
-              <a:spcAft>
-                <a:spcPct val="0"/>
-              </a:spcAft>
-              <a:defRPr sz="1200">
-                <a:solidFill>
-                  <a:schemeClr val="tx1"/>
-                </a:solidFill>
-                <a:latin typeface="Arial" charset="0"/>
-                <a:ea typeface="Arial" charset="0"/>
-                <a:cs typeface="Arial" charset="0"/>
-              </a:defRPr>
-            </a:lvl6pPr>
-            <a:lvl7pPr marL="2971800" indent="-228600" eaLnBrk="0" fontAlgn="base" hangingPunct="0">
-              <a:spcBef>
-                <a:spcPct val="30000"/>
-              </a:spcBef>
-              <a:spcAft>
-                <a:spcPct val="0"/>
-              </a:spcAft>
-              <a:defRPr sz="1200">
-                <a:solidFill>
-                  <a:schemeClr val="tx1"/>
-                </a:solidFill>
-                <a:latin typeface="Arial" charset="0"/>
-                <a:ea typeface="Arial" charset="0"/>
-                <a:cs typeface="Arial" charset="0"/>
-              </a:defRPr>
-            </a:lvl7pPr>
-            <a:lvl8pPr marL="3429000" indent="-228600" eaLnBrk="0" fontAlgn="base" hangingPunct="0">
-              <a:spcBef>
-                <a:spcPct val="30000"/>
-              </a:spcBef>
-              <a:spcAft>
-                <a:spcPct val="0"/>
-              </a:spcAft>
-              <a:defRPr sz="1200">
-                <a:solidFill>
-                  <a:schemeClr val="tx1"/>
-                </a:solidFill>
-                <a:latin typeface="Arial" charset="0"/>
-                <a:ea typeface="Arial" charset="0"/>
-                <a:cs typeface="Arial" charset="0"/>
-              </a:defRPr>
-            </a:lvl8pPr>
-            <a:lvl9pPr marL="3886200" indent="-228600" eaLnBrk="0" fontAlgn="base" hangingPunct="0">
-              <a:spcBef>
-                <a:spcPct val="30000"/>
-              </a:spcBef>
-              <a:spcAft>
-                <a:spcPct val="0"/>
-              </a:spcAft>
-              <a:defRPr sz="1200">
-                <a:solidFill>
-                  <a:schemeClr val="tx1"/>
-                </a:solidFill>
-                <a:latin typeface="Arial" charset="0"/>
-                <a:ea typeface="Arial" charset="0"/>
-                <a:cs typeface="Arial" charset="0"/>
-              </a:defRPr>
-            </a:lvl9pPr>
-          </a:lstStyle>
-          <a:p>
-            <a:fld id="{9B38B2EA-173B-5041-97F7-262733F2EBB5}" type="datetime1">
-              <a:rPr lang="en-US"/>
-              <a:pPr/>
-              <a:t>10/20/16</a:t>
-            </a:fld>
-            <a:endParaRPr lang="en-US"/>
-          </a:p>
-        </p:txBody>
-      </p:sp>
-      <p:sp>
-        <p:nvSpPr>
-          <p:cNvPr id="35843" name="Rectangle 12"/>
-          <p:cNvSpPr>
-            <a:spLocks noGrp="1" noChangeArrowheads="1"/>
-          </p:cNvSpPr>
-          <p:nvPr>
-            <p:ph type="ftr" sz="quarter" idx="4"/>
-          </p:nvPr>
-        </p:nvSpPr>
-        <p:spPr>
-          <a:noFill/>
-          <a:ln/>
-          <a:extLst>
-            <a:ext uri="{909E8E84-426E-40dd-AFC4-6F175D3DCCD1}">
-              <a14:hiddenFill xmlns:a14="http://schemas.microsoft.com/office/drawing/2010/main">
-                <a:solidFill>
-                  <a:srgbClr val="FFFFFF"/>
-                </a:solidFill>
-              </a14:hiddenFill>
-            </a:ext>
-            <a:ext uri="{91240B29-F687-4f45-9708-019B960494DF}">
-              <a14:hiddenLine xmlns:a14="http://schemas.microsoft.com/office/drawing/2010/main" w="9525">
-                <a:solidFill>
-                  <a:srgbClr val="000000"/>
-                </a:solidFill>
-                <a:miter lim="800000"/>
-                <a:headEnd/>
-                <a:tailEnd/>
-              </a14:hiddenLine>
-            </a:ext>
-          </a:extLst>
-        </p:spPr>
-        <p:txBody>
-          <a:bodyPr/>
-          <a:lstStyle>
-            <a:lvl1pPr>
-              <a:defRPr sz="1200">
-                <a:solidFill>
-                  <a:schemeClr val="tx1"/>
-                </a:solidFill>
-                <a:latin typeface="Arial" charset="0"/>
-                <a:ea typeface="ＭＳ Ｐゴシック" charset="0"/>
-                <a:cs typeface="Arial" charset="0"/>
-              </a:defRPr>
-            </a:lvl1pPr>
-            <a:lvl2pPr marL="742950" indent="-285750">
-              <a:defRPr sz="1200">
-                <a:solidFill>
-                  <a:schemeClr val="tx1"/>
-                </a:solidFill>
-                <a:latin typeface="Arial" charset="0"/>
-                <a:ea typeface="Arial" charset="0"/>
-                <a:cs typeface="Arial" charset="0"/>
-              </a:defRPr>
-            </a:lvl2pPr>
-            <a:lvl3pPr marL="1143000" indent="-228600">
-              <a:defRPr sz="1200">
-                <a:solidFill>
-                  <a:schemeClr val="tx1"/>
-                </a:solidFill>
-                <a:latin typeface="Arial" charset="0"/>
-                <a:ea typeface="Arial" charset="0"/>
-                <a:cs typeface="Arial" charset="0"/>
-              </a:defRPr>
-            </a:lvl3pPr>
-            <a:lvl4pPr marL="1600200" indent="-228600">
-              <a:defRPr sz="1200">
-                <a:solidFill>
-                  <a:schemeClr val="tx1"/>
-                </a:solidFill>
-                <a:latin typeface="Arial" charset="0"/>
-                <a:ea typeface="Arial" charset="0"/>
-                <a:cs typeface="Arial" charset="0"/>
-              </a:defRPr>
-            </a:lvl4pPr>
-            <a:lvl5pPr marL="2057400" indent="-228600">
-              <a:defRPr sz="1200">
-                <a:solidFill>
-                  <a:schemeClr val="tx1"/>
-                </a:solidFill>
-                <a:latin typeface="Arial" charset="0"/>
-                <a:ea typeface="Arial" charset="0"/>
-                <a:cs typeface="Arial" charset="0"/>
-              </a:defRPr>
-            </a:lvl5pPr>
-            <a:lvl6pPr marL="2514600" indent="-228600" eaLnBrk="0" fontAlgn="base" hangingPunct="0">
-              <a:spcBef>
-                <a:spcPct val="30000"/>
-              </a:spcBef>
-              <a:spcAft>
-                <a:spcPct val="0"/>
-              </a:spcAft>
-              <a:defRPr sz="1200">
-                <a:solidFill>
-                  <a:schemeClr val="tx1"/>
-                </a:solidFill>
-                <a:latin typeface="Arial" charset="0"/>
-                <a:ea typeface="Arial" charset="0"/>
-                <a:cs typeface="Arial" charset="0"/>
-              </a:defRPr>
-            </a:lvl6pPr>
-            <a:lvl7pPr marL="2971800" indent="-228600" eaLnBrk="0" fontAlgn="base" hangingPunct="0">
-              <a:spcBef>
-                <a:spcPct val="30000"/>
-              </a:spcBef>
-              <a:spcAft>
-                <a:spcPct val="0"/>
-              </a:spcAft>
-              <a:defRPr sz="1200">
-                <a:solidFill>
-                  <a:schemeClr val="tx1"/>
-                </a:solidFill>
-                <a:latin typeface="Arial" charset="0"/>
-                <a:ea typeface="Arial" charset="0"/>
-                <a:cs typeface="Arial" charset="0"/>
-              </a:defRPr>
-            </a:lvl7pPr>
-            <a:lvl8pPr marL="3429000" indent="-228600" eaLnBrk="0" fontAlgn="base" hangingPunct="0">
-              <a:spcBef>
-                <a:spcPct val="30000"/>
-              </a:spcBef>
-              <a:spcAft>
-                <a:spcPct val="0"/>
-              </a:spcAft>
-              <a:defRPr sz="1200">
-                <a:solidFill>
-                  <a:schemeClr val="tx1"/>
-                </a:solidFill>
-                <a:latin typeface="Arial" charset="0"/>
-                <a:ea typeface="Arial" charset="0"/>
-                <a:cs typeface="Arial" charset="0"/>
-              </a:defRPr>
-            </a:lvl8pPr>
-            <a:lvl9pPr marL="3886200" indent="-228600" eaLnBrk="0" fontAlgn="base" hangingPunct="0">
-              <a:spcBef>
-                <a:spcPct val="30000"/>
-              </a:spcBef>
-              <a:spcAft>
-                <a:spcPct val="0"/>
-              </a:spcAft>
-              <a:defRPr sz="1200">
-                <a:solidFill>
-                  <a:schemeClr val="tx1"/>
-                </a:solidFill>
-                <a:latin typeface="Arial" charset="0"/>
-                <a:ea typeface="Arial" charset="0"/>
-                <a:cs typeface="Arial" charset="0"/>
-              </a:defRPr>
-            </a:lvl9pPr>
-          </a:lstStyle>
-          <a:p>
-            <a:r>
-              <a:rPr lang="en-US"/>
-              <a:t>Chapter 9</a:t>
-            </a:r>
-          </a:p>
-        </p:txBody>
-      </p:sp>
-      <p:sp>
-        <p:nvSpPr>
-          <p:cNvPr id="35844" name="Rectangle 13"/>
-          <p:cNvSpPr>
-            <a:spLocks noGrp="1" noChangeArrowheads="1"/>
-          </p:cNvSpPr>
-          <p:nvPr>
-            <p:ph type="sldNum" sz="quarter" idx="5"/>
-          </p:nvPr>
-        </p:nvSpPr>
-        <p:spPr>
-          <a:noFill/>
-          <a:ln/>
-          <a:extLst>
-            <a:ext uri="{909E8E84-426E-40dd-AFC4-6F175D3DCCD1}">
-              <a14:hiddenFill xmlns:a14="http://schemas.microsoft.com/office/drawing/2010/main">
-                <a:solidFill>
-                  <a:srgbClr val="FFFFFF"/>
-                </a:solidFill>
-              </a14:hiddenFill>
-            </a:ext>
-            <a:ext uri="{91240B29-F687-4f45-9708-019B960494DF}">
-              <a14:hiddenLine xmlns:a14="http://schemas.microsoft.com/office/drawing/2010/main" w="9525">
-                <a:solidFill>
-                  <a:srgbClr val="000000"/>
-                </a:solidFill>
-                <a:miter lim="800000"/>
-                <a:headEnd/>
-                <a:tailEnd/>
-              </a14:hiddenLine>
-            </a:ext>
-          </a:extLst>
-        </p:spPr>
-        <p:txBody>
-          <a:bodyPr/>
-          <a:lstStyle>
-            <a:lvl1pPr>
-              <a:defRPr sz="1200">
-                <a:solidFill>
-                  <a:schemeClr val="tx1"/>
-                </a:solidFill>
-                <a:latin typeface="Arial" charset="0"/>
-                <a:ea typeface="ＭＳ Ｐゴシック" charset="0"/>
-                <a:cs typeface="Arial" charset="0"/>
-              </a:defRPr>
-            </a:lvl1pPr>
-            <a:lvl2pPr marL="742950" indent="-285750">
-              <a:defRPr sz="1200">
-                <a:solidFill>
-                  <a:schemeClr val="tx1"/>
-                </a:solidFill>
-                <a:latin typeface="Arial" charset="0"/>
-                <a:ea typeface="Arial" charset="0"/>
-                <a:cs typeface="Arial" charset="0"/>
-              </a:defRPr>
-            </a:lvl2pPr>
-            <a:lvl3pPr marL="1143000" indent="-228600">
-              <a:defRPr sz="1200">
-                <a:solidFill>
-                  <a:schemeClr val="tx1"/>
-                </a:solidFill>
-                <a:latin typeface="Arial" charset="0"/>
-                <a:ea typeface="Arial" charset="0"/>
-                <a:cs typeface="Arial" charset="0"/>
-              </a:defRPr>
-            </a:lvl3pPr>
-            <a:lvl4pPr marL="1600200" indent="-228600">
-              <a:defRPr sz="1200">
-                <a:solidFill>
-                  <a:schemeClr val="tx1"/>
-                </a:solidFill>
-                <a:latin typeface="Arial" charset="0"/>
-                <a:ea typeface="Arial" charset="0"/>
-                <a:cs typeface="Arial" charset="0"/>
-              </a:defRPr>
-            </a:lvl4pPr>
-            <a:lvl5pPr marL="2057400" indent="-228600">
-              <a:defRPr sz="1200">
-                <a:solidFill>
-                  <a:schemeClr val="tx1"/>
-                </a:solidFill>
-                <a:latin typeface="Arial" charset="0"/>
-                <a:ea typeface="Arial" charset="0"/>
-                <a:cs typeface="Arial" charset="0"/>
-              </a:defRPr>
-            </a:lvl5pPr>
-            <a:lvl6pPr marL="2514600" indent="-228600" eaLnBrk="0" fontAlgn="base" hangingPunct="0">
-              <a:spcBef>
-                <a:spcPct val="30000"/>
-              </a:spcBef>
-              <a:spcAft>
-                <a:spcPct val="0"/>
-              </a:spcAft>
-              <a:defRPr sz="1200">
-                <a:solidFill>
-                  <a:schemeClr val="tx1"/>
-                </a:solidFill>
-                <a:latin typeface="Arial" charset="0"/>
-                <a:ea typeface="Arial" charset="0"/>
-                <a:cs typeface="Arial" charset="0"/>
-              </a:defRPr>
-            </a:lvl6pPr>
-            <a:lvl7pPr marL="2971800" indent="-228600" eaLnBrk="0" fontAlgn="base" hangingPunct="0">
-              <a:spcBef>
-                <a:spcPct val="30000"/>
-              </a:spcBef>
-              <a:spcAft>
-                <a:spcPct val="0"/>
-              </a:spcAft>
-              <a:defRPr sz="1200">
-                <a:solidFill>
-                  <a:schemeClr val="tx1"/>
-                </a:solidFill>
-                <a:latin typeface="Arial" charset="0"/>
-                <a:ea typeface="Arial" charset="0"/>
-                <a:cs typeface="Arial" charset="0"/>
-              </a:defRPr>
-            </a:lvl7pPr>
-            <a:lvl8pPr marL="3429000" indent="-228600" eaLnBrk="0" fontAlgn="base" hangingPunct="0">
-              <a:spcBef>
-                <a:spcPct val="30000"/>
-              </a:spcBef>
-              <a:spcAft>
-                <a:spcPct val="0"/>
-              </a:spcAft>
-              <a:defRPr sz="1200">
-                <a:solidFill>
-                  <a:schemeClr val="tx1"/>
-                </a:solidFill>
-                <a:latin typeface="Arial" charset="0"/>
-                <a:ea typeface="Arial" charset="0"/>
-                <a:cs typeface="Arial" charset="0"/>
-              </a:defRPr>
-            </a:lvl8pPr>
-            <a:lvl9pPr marL="3886200" indent="-228600" eaLnBrk="0" fontAlgn="base" hangingPunct="0">
-              <a:spcBef>
-                <a:spcPct val="30000"/>
-              </a:spcBef>
-              <a:spcAft>
-                <a:spcPct val="0"/>
-              </a:spcAft>
-              <a:defRPr sz="1200">
-                <a:solidFill>
-                  <a:schemeClr val="tx1"/>
-                </a:solidFill>
-                <a:latin typeface="Arial" charset="0"/>
-                <a:ea typeface="Arial" charset="0"/>
-                <a:cs typeface="Arial" charset="0"/>
-              </a:defRPr>
-            </a:lvl9pPr>
-          </a:lstStyle>
-          <a:p>
-            <a:fld id="{FE56AE3E-1027-744A-B4DC-997FB7B627DA}" type="slidenum">
-              <a:rPr lang="en-US"/>
-              <a:pPr/>
-              <a:t>18</a:t>
-            </a:fld>
-            <a:endParaRPr lang="en-US"/>
-          </a:p>
-        </p:txBody>
-      </p:sp>
-      <p:sp>
-        <p:nvSpPr>
-          <p:cNvPr id="35845" name="Rectangle 2"/>
-          <p:cNvSpPr>
-            <a:spLocks noGrp="1" noRot="1" noChangeAspect="1" noChangeArrowheads="1" noTextEdit="1"/>
-          </p:cNvSpPr>
-          <p:nvPr>
-            <p:ph type="sldImg"/>
-          </p:nvPr>
-        </p:nvSpPr>
-        <p:spPr>
-          <a:solidFill>
-            <a:srgbClr val="FFFFFF"/>
-          </a:solidFill>
-          <a:ln/>
-        </p:spPr>
-      </p:sp>
-      <p:sp>
-        <p:nvSpPr>
-          <p:cNvPr id="35846" name="Rectangle 3"/>
-          <p:cNvSpPr>
-            <a:spLocks noGrp="1" noChangeArrowheads="1"/>
-          </p:cNvSpPr>
-          <p:nvPr>
-            <p:ph type="body" idx="1"/>
-          </p:nvPr>
-        </p:nvSpPr>
-        <p:spPr>
-          <a:solidFill>
-            <a:srgbClr val="FFFFFF"/>
-          </a:solidFill>
-          <a:ln>
-            <a:solidFill>
-              <a:srgbClr val="000000"/>
-            </a:solidFill>
-          </a:ln>
-          <a:extLst>
-            <a:ext uri="{FAA26D3D-D897-4be2-8F04-BA451C77F1D7}">
-              <ma14:placeholderFlag xmlns:ma14="http://schemas.microsoft.com/office/mac/drawingml/2011/main" val="1"/>
+              <ma14:placeholderFlag xmlns:ma14="http://schemas.microsoft.com/office/mac/drawingml/2011/main" xmlns="" val="1"/>
             </a:ext>
           </a:extLst>
         </p:spPr>
@@ -2253,14 +1696,14 @@
           <a:noFill/>
           <a:ln/>
           <a:extLst>
-            <a:ext uri="{909E8E84-426E-40dd-AFC4-6F175D3DCCD1}">
+            <a:ext uri="{909E8E84-426E-40DD-AFC4-6F175D3DCCD1}">
               <a14:hiddenFill xmlns:a14="http://schemas.microsoft.com/office/drawing/2010/main">
                 <a:solidFill>
                   <a:srgbClr val="FFFFFF"/>
                 </a:solidFill>
               </a14:hiddenFill>
             </a:ext>
-            <a:ext uri="{91240B29-F687-4f45-9708-019B960494DF}">
+            <a:ext uri="{91240B29-F687-4F45-9708-019B960494DF}">
               <a14:hiddenLine xmlns:a14="http://schemas.microsoft.com/office/drawing/2010/main" w="9525">
                 <a:solidFill>
                   <a:srgbClr val="000000"/>
@@ -2394,7 +1837,7 @@
             <a:fld id="{A425ED44-1EF7-614F-B02A-28553181F42E}" type="datetime1">
               <a:rPr lang="en-US"/>
               <a:pPr/>
-              <a:t>10/20/16</a:t>
+              <a:t>10/24/2016</a:t>
             </a:fld>
             <a:endParaRPr lang="en-US"/>
           </a:p>
@@ -2414,14 +1857,14 @@
           <a:noFill/>
           <a:ln/>
           <a:extLst>
-            <a:ext uri="{909E8E84-426E-40dd-AFC4-6F175D3DCCD1}">
+            <a:ext uri="{909E8E84-426E-40DD-AFC4-6F175D3DCCD1}">
               <a14:hiddenFill xmlns:a14="http://schemas.microsoft.com/office/drawing/2010/main">
                 <a:solidFill>
                   <a:srgbClr val="FFFFFF"/>
                 </a:solidFill>
               </a14:hiddenFill>
             </a:ext>
-            <a:ext uri="{91240B29-F687-4f45-9708-019B960494DF}">
+            <a:ext uri="{91240B29-F687-4F45-9708-019B960494DF}">
               <a14:hiddenLine xmlns:a14="http://schemas.microsoft.com/office/drawing/2010/main" w="9525">
                 <a:solidFill>
                   <a:srgbClr val="000000"/>
@@ -2573,14 +2016,14 @@
           <a:noFill/>
           <a:ln/>
           <a:extLst>
-            <a:ext uri="{909E8E84-426E-40dd-AFC4-6F175D3DCCD1}">
+            <a:ext uri="{909E8E84-426E-40DD-AFC4-6F175D3DCCD1}">
               <a14:hiddenFill xmlns:a14="http://schemas.microsoft.com/office/drawing/2010/main">
                 <a:solidFill>
                   <a:srgbClr val="FFFFFF"/>
                 </a:solidFill>
               </a14:hiddenFill>
             </a:ext>
-            <a:ext uri="{91240B29-F687-4f45-9708-019B960494DF}">
+            <a:ext uri="{91240B29-F687-4F45-9708-019B960494DF}">
               <a14:hiddenLine xmlns:a14="http://schemas.microsoft.com/office/drawing/2010/main" w="9525">
                 <a:solidFill>
                   <a:srgbClr val="000000"/>
@@ -2748,14 +2191,14 @@
           <a:noFill/>
           <a:ln/>
           <a:extLst>
-            <a:ext uri="{909E8E84-426E-40dd-AFC4-6F175D3DCCD1}">
+            <a:ext uri="{909E8E84-426E-40DD-AFC4-6F175D3DCCD1}">
               <a14:hiddenFill xmlns:a14="http://schemas.microsoft.com/office/drawing/2010/main">
                 <a:solidFill>
                   <a:srgbClr val="FFFFFF"/>
                 </a:solidFill>
               </a14:hiddenFill>
             </a:ext>
-            <a:ext uri="{91240B29-F687-4f45-9708-019B960494DF}">
+            <a:ext uri="{91240B29-F687-4F45-9708-019B960494DF}">
               <a14:hiddenLine xmlns:a14="http://schemas.microsoft.com/office/drawing/2010/main" w="9525">
                 <a:solidFill>
                   <a:srgbClr val="000000"/>
@@ -2766,7 +2209,7 @@
               </a14:hiddenLine>
             </a:ext>
             <a:ext uri="{FAA26D3D-D897-4be2-8F04-BA451C77F1D7}">
-              <ma14:placeholderFlag xmlns:ma14="http://schemas.microsoft.com/office/mac/drawingml/2011/main" val="1"/>
+              <ma14:placeholderFlag xmlns:ma14="http://schemas.microsoft.com/office/mac/drawingml/2011/main" xmlns="" val="1"/>
             </a:ext>
           </a:extLst>
         </p:spPr>
@@ -2817,14 +2260,14 @@
           <a:noFill/>
           <a:ln/>
           <a:extLst>
-            <a:ext uri="{909E8E84-426E-40dd-AFC4-6F175D3DCCD1}">
+            <a:ext uri="{909E8E84-426E-40DD-AFC4-6F175D3DCCD1}">
               <a14:hiddenFill xmlns:a14="http://schemas.microsoft.com/office/drawing/2010/main">
                 <a:solidFill>
                   <a:srgbClr val="FFFFFF"/>
                 </a:solidFill>
               </a14:hiddenFill>
             </a:ext>
-            <a:ext uri="{91240B29-F687-4f45-9708-019B960494DF}">
+            <a:ext uri="{91240B29-F687-4F45-9708-019B960494DF}">
               <a14:hiddenLine xmlns:a14="http://schemas.microsoft.com/office/drawing/2010/main" w="9525">
                 <a:solidFill>
                   <a:srgbClr val="000000"/>
@@ -2958,7 +2401,7 @@
             <a:fld id="{A41A76E4-7E2E-E240-B82B-09C9D3F55ACF}" type="datetime1">
               <a:rPr lang="en-US"/>
               <a:pPr/>
-              <a:t>10/20/16</a:t>
+              <a:t>10/24/2016</a:t>
             </a:fld>
             <a:endParaRPr lang="en-US"/>
           </a:p>
@@ -2978,14 +2421,14 @@
           <a:noFill/>
           <a:ln/>
           <a:extLst>
-            <a:ext uri="{909E8E84-426E-40dd-AFC4-6F175D3DCCD1}">
+            <a:ext uri="{909E8E84-426E-40DD-AFC4-6F175D3DCCD1}">
               <a14:hiddenFill xmlns:a14="http://schemas.microsoft.com/office/drawing/2010/main">
                 <a:solidFill>
                   <a:srgbClr val="FFFFFF"/>
                 </a:solidFill>
               </a14:hiddenFill>
             </a:ext>
-            <a:ext uri="{91240B29-F687-4f45-9708-019B960494DF}">
+            <a:ext uri="{91240B29-F687-4F45-9708-019B960494DF}">
               <a14:hiddenLine xmlns:a14="http://schemas.microsoft.com/office/drawing/2010/main" w="9525">
                 <a:solidFill>
                   <a:srgbClr val="000000"/>
@@ -3137,14 +2580,14 @@
           <a:noFill/>
           <a:ln/>
           <a:extLst>
-            <a:ext uri="{909E8E84-426E-40dd-AFC4-6F175D3DCCD1}">
+            <a:ext uri="{909E8E84-426E-40DD-AFC4-6F175D3DCCD1}">
               <a14:hiddenFill xmlns:a14="http://schemas.microsoft.com/office/drawing/2010/main">
                 <a:solidFill>
                   <a:srgbClr val="FFFFFF"/>
                 </a:solidFill>
               </a14:hiddenFill>
             </a:ext>
-            <a:ext uri="{91240B29-F687-4f45-9708-019B960494DF}">
+            <a:ext uri="{91240B29-F687-4F45-9708-019B960494DF}">
               <a14:hiddenLine xmlns:a14="http://schemas.microsoft.com/office/drawing/2010/main" w="9525">
                 <a:solidFill>
                   <a:srgbClr val="000000"/>
@@ -3312,14 +2755,14 @@
           <a:noFill/>
           <a:ln/>
           <a:extLst>
-            <a:ext uri="{909E8E84-426E-40dd-AFC4-6F175D3DCCD1}">
+            <a:ext uri="{909E8E84-426E-40DD-AFC4-6F175D3DCCD1}">
               <a14:hiddenFill xmlns:a14="http://schemas.microsoft.com/office/drawing/2010/main">
                 <a:solidFill>
                   <a:srgbClr val="FFFFFF"/>
                 </a:solidFill>
               </a14:hiddenFill>
             </a:ext>
-            <a:ext uri="{91240B29-F687-4f45-9708-019B960494DF}">
+            <a:ext uri="{91240B29-F687-4F45-9708-019B960494DF}">
               <a14:hiddenLine xmlns:a14="http://schemas.microsoft.com/office/drawing/2010/main" w="9525">
                 <a:solidFill>
                   <a:srgbClr val="000000"/>
@@ -3330,7 +2773,7 @@
               </a14:hiddenLine>
             </a:ext>
             <a:ext uri="{FAA26D3D-D897-4be2-8F04-BA451C77F1D7}">
-              <ma14:placeholderFlag xmlns:ma14="http://schemas.microsoft.com/office/mac/drawingml/2011/main" val="1"/>
+              <ma14:placeholderFlag xmlns:ma14="http://schemas.microsoft.com/office/mac/drawingml/2011/main" xmlns="" val="1"/>
             </a:ext>
           </a:extLst>
         </p:spPr>
@@ -3381,14 +2824,14 @@
           <a:noFill/>
           <a:ln/>
           <a:extLst>
-            <a:ext uri="{909E8E84-426E-40dd-AFC4-6F175D3DCCD1}">
+            <a:ext uri="{909E8E84-426E-40DD-AFC4-6F175D3DCCD1}">
               <a14:hiddenFill xmlns:a14="http://schemas.microsoft.com/office/drawing/2010/main">
                 <a:solidFill>
                   <a:srgbClr val="FFFFFF"/>
                 </a:solidFill>
               </a14:hiddenFill>
             </a:ext>
-            <a:ext uri="{91240B29-F687-4f45-9708-019B960494DF}">
+            <a:ext uri="{91240B29-F687-4F45-9708-019B960494DF}">
               <a14:hiddenLine xmlns:a14="http://schemas.microsoft.com/office/drawing/2010/main" w="9525">
                 <a:solidFill>
                   <a:srgbClr val="000000"/>
@@ -3522,7 +2965,7 @@
             <a:fld id="{64B69092-3511-B146-9C1E-C7BEF6C3F4B7}" type="datetime1">
               <a:rPr lang="en-US"/>
               <a:pPr/>
-              <a:t>10/20/16</a:t>
+              <a:t>10/24/2016</a:t>
             </a:fld>
             <a:endParaRPr lang="en-US"/>
           </a:p>
@@ -3542,14 +2985,14 @@
           <a:noFill/>
           <a:ln/>
           <a:extLst>
-            <a:ext uri="{909E8E84-426E-40dd-AFC4-6F175D3DCCD1}">
+            <a:ext uri="{909E8E84-426E-40DD-AFC4-6F175D3DCCD1}">
               <a14:hiddenFill xmlns:a14="http://schemas.microsoft.com/office/drawing/2010/main">
                 <a:solidFill>
                   <a:srgbClr val="FFFFFF"/>
                 </a:solidFill>
               </a14:hiddenFill>
             </a:ext>
-            <a:ext uri="{91240B29-F687-4f45-9708-019B960494DF}">
+            <a:ext uri="{91240B29-F687-4F45-9708-019B960494DF}">
               <a14:hiddenLine xmlns:a14="http://schemas.microsoft.com/office/drawing/2010/main" w="9525">
                 <a:solidFill>
                   <a:srgbClr val="000000"/>
@@ -3701,14 +3144,14 @@
           <a:noFill/>
           <a:ln/>
           <a:extLst>
-            <a:ext uri="{909E8E84-426E-40dd-AFC4-6F175D3DCCD1}">
+            <a:ext uri="{909E8E84-426E-40DD-AFC4-6F175D3DCCD1}">
               <a14:hiddenFill xmlns:a14="http://schemas.microsoft.com/office/drawing/2010/main">
                 <a:solidFill>
                   <a:srgbClr val="FFFFFF"/>
                 </a:solidFill>
               </a14:hiddenFill>
             </a:ext>
-            <a:ext uri="{91240B29-F687-4f45-9708-019B960494DF}">
+            <a:ext uri="{91240B29-F687-4F45-9708-019B960494DF}">
               <a14:hiddenLine xmlns:a14="http://schemas.microsoft.com/office/drawing/2010/main" w="9525">
                 <a:solidFill>
                   <a:srgbClr val="000000"/>
@@ -3876,14 +3319,14 @@
           <a:noFill/>
           <a:ln/>
           <a:extLst>
-            <a:ext uri="{909E8E84-426E-40dd-AFC4-6F175D3DCCD1}">
+            <a:ext uri="{909E8E84-426E-40DD-AFC4-6F175D3DCCD1}">
               <a14:hiddenFill xmlns:a14="http://schemas.microsoft.com/office/drawing/2010/main">
                 <a:solidFill>
                   <a:srgbClr val="FFFFFF"/>
                 </a:solidFill>
               </a14:hiddenFill>
             </a:ext>
-            <a:ext uri="{91240B29-F687-4f45-9708-019B960494DF}">
+            <a:ext uri="{91240B29-F687-4F45-9708-019B960494DF}">
               <a14:hiddenLine xmlns:a14="http://schemas.microsoft.com/office/drawing/2010/main" w="9525">
                 <a:solidFill>
                   <a:srgbClr val="000000"/>
@@ -3894,7 +3337,7 @@
               </a14:hiddenLine>
             </a:ext>
             <a:ext uri="{FAA26D3D-D897-4be2-8F04-BA451C77F1D7}">
-              <ma14:placeholderFlag xmlns:ma14="http://schemas.microsoft.com/office/mac/drawingml/2011/main" val="1"/>
+              <ma14:placeholderFlag xmlns:ma14="http://schemas.microsoft.com/office/mac/drawingml/2011/main" xmlns="" val="1"/>
             </a:ext>
           </a:extLst>
         </p:spPr>
@@ -3945,14 +3388,14 @@
           <a:noFill/>
           <a:ln/>
           <a:extLst>
-            <a:ext uri="{909E8E84-426E-40dd-AFC4-6F175D3DCCD1}">
+            <a:ext uri="{909E8E84-426E-40DD-AFC4-6F175D3DCCD1}">
               <a14:hiddenFill xmlns:a14="http://schemas.microsoft.com/office/drawing/2010/main">
                 <a:solidFill>
                   <a:srgbClr val="FFFFFF"/>
                 </a:solidFill>
               </a14:hiddenFill>
             </a:ext>
-            <a:ext uri="{91240B29-F687-4f45-9708-019B960494DF}">
+            <a:ext uri="{91240B29-F687-4F45-9708-019B960494DF}">
               <a14:hiddenLine xmlns:a14="http://schemas.microsoft.com/office/drawing/2010/main" w="9525">
                 <a:solidFill>
                   <a:srgbClr val="000000"/>
@@ -4086,7 +3529,7 @@
             <a:fld id="{5F88B34B-318D-2A4D-B79F-4E19813930DA}" type="datetime1">
               <a:rPr lang="en-US"/>
               <a:pPr/>
-              <a:t>10/20/16</a:t>
+              <a:t>10/24/2016</a:t>
             </a:fld>
             <a:endParaRPr lang="en-US"/>
           </a:p>
@@ -4106,14 +3549,14 @@
           <a:noFill/>
           <a:ln/>
           <a:extLst>
-            <a:ext uri="{909E8E84-426E-40dd-AFC4-6F175D3DCCD1}">
+            <a:ext uri="{909E8E84-426E-40DD-AFC4-6F175D3DCCD1}">
               <a14:hiddenFill xmlns:a14="http://schemas.microsoft.com/office/drawing/2010/main">
                 <a:solidFill>
                   <a:srgbClr val="FFFFFF"/>
                 </a:solidFill>
               </a14:hiddenFill>
             </a:ext>
-            <a:ext uri="{91240B29-F687-4f45-9708-019B960494DF}">
+            <a:ext uri="{91240B29-F687-4F45-9708-019B960494DF}">
               <a14:hiddenLine xmlns:a14="http://schemas.microsoft.com/office/drawing/2010/main" w="9525">
                 <a:solidFill>
                   <a:srgbClr val="000000"/>
@@ -4265,14 +3708,14 @@
           <a:noFill/>
           <a:ln/>
           <a:extLst>
-            <a:ext uri="{909E8E84-426E-40dd-AFC4-6F175D3DCCD1}">
+            <a:ext uri="{909E8E84-426E-40DD-AFC4-6F175D3DCCD1}">
               <a14:hiddenFill xmlns:a14="http://schemas.microsoft.com/office/drawing/2010/main">
                 <a:solidFill>
                   <a:srgbClr val="FFFFFF"/>
                 </a:solidFill>
               </a14:hiddenFill>
             </a:ext>
-            <a:ext uri="{91240B29-F687-4f45-9708-019B960494DF}">
+            <a:ext uri="{91240B29-F687-4F45-9708-019B960494DF}">
               <a14:hiddenLine xmlns:a14="http://schemas.microsoft.com/office/drawing/2010/main" w="9525">
                 <a:solidFill>
                   <a:srgbClr val="000000"/>
@@ -4440,14 +3883,14 @@
           <a:noFill/>
           <a:ln/>
           <a:extLst>
-            <a:ext uri="{909E8E84-426E-40dd-AFC4-6F175D3DCCD1}">
+            <a:ext uri="{909E8E84-426E-40DD-AFC4-6F175D3DCCD1}">
               <a14:hiddenFill xmlns:a14="http://schemas.microsoft.com/office/drawing/2010/main">
                 <a:solidFill>
                   <a:srgbClr val="FFFFFF"/>
                 </a:solidFill>
               </a14:hiddenFill>
             </a:ext>
-            <a:ext uri="{91240B29-F687-4f45-9708-019B960494DF}">
+            <a:ext uri="{91240B29-F687-4F45-9708-019B960494DF}">
               <a14:hiddenLine xmlns:a14="http://schemas.microsoft.com/office/drawing/2010/main" w="9525">
                 <a:solidFill>
                   <a:srgbClr val="000000"/>
@@ -4458,7 +3901,7 @@
               </a14:hiddenLine>
             </a:ext>
             <a:ext uri="{FAA26D3D-D897-4be2-8F04-BA451C77F1D7}">
-              <ma14:placeholderFlag xmlns:ma14="http://schemas.microsoft.com/office/mac/drawingml/2011/main" val="1"/>
+              <ma14:placeholderFlag xmlns:ma14="http://schemas.microsoft.com/office/mac/drawingml/2011/main" xmlns="" val="1"/>
             </a:ext>
           </a:extLst>
         </p:spPr>
@@ -4509,14 +3952,14 @@
           <a:noFill/>
           <a:ln/>
           <a:extLst>
-            <a:ext uri="{909E8E84-426E-40dd-AFC4-6F175D3DCCD1}">
+            <a:ext uri="{909E8E84-426E-40DD-AFC4-6F175D3DCCD1}">
               <a14:hiddenFill xmlns:a14="http://schemas.microsoft.com/office/drawing/2010/main">
                 <a:solidFill>
                   <a:srgbClr val="FFFFFF"/>
                 </a:solidFill>
               </a14:hiddenFill>
             </a:ext>
-            <a:ext uri="{91240B29-F687-4f45-9708-019B960494DF}">
+            <a:ext uri="{91240B29-F687-4F45-9708-019B960494DF}">
               <a14:hiddenLine xmlns:a14="http://schemas.microsoft.com/office/drawing/2010/main" w="9525">
                 <a:solidFill>
                   <a:srgbClr val="000000"/>
@@ -4650,7 +4093,7 @@
             <a:fld id="{CAF13807-57EB-0349-8BBA-4E1704C8733B}" type="datetime1">
               <a:rPr lang="en-US"/>
               <a:pPr/>
-              <a:t>10/20/16</a:t>
+              <a:t>10/24/2016</a:t>
             </a:fld>
             <a:endParaRPr lang="en-US"/>
           </a:p>
@@ -4670,14 +4113,14 @@
           <a:noFill/>
           <a:ln/>
           <a:extLst>
-            <a:ext uri="{909E8E84-426E-40dd-AFC4-6F175D3DCCD1}">
+            <a:ext uri="{909E8E84-426E-40DD-AFC4-6F175D3DCCD1}">
               <a14:hiddenFill xmlns:a14="http://schemas.microsoft.com/office/drawing/2010/main">
                 <a:solidFill>
                   <a:srgbClr val="FFFFFF"/>
                 </a:solidFill>
               </a14:hiddenFill>
             </a:ext>
-            <a:ext uri="{91240B29-F687-4f45-9708-019B960494DF}">
+            <a:ext uri="{91240B29-F687-4F45-9708-019B960494DF}">
               <a14:hiddenLine xmlns:a14="http://schemas.microsoft.com/office/drawing/2010/main" w="9525">
                 <a:solidFill>
                   <a:srgbClr val="000000"/>
@@ -4829,14 +4272,14 @@
           <a:noFill/>
           <a:ln/>
           <a:extLst>
-            <a:ext uri="{909E8E84-426E-40dd-AFC4-6F175D3DCCD1}">
+            <a:ext uri="{909E8E84-426E-40DD-AFC4-6F175D3DCCD1}">
               <a14:hiddenFill xmlns:a14="http://schemas.microsoft.com/office/drawing/2010/main">
                 <a:solidFill>
                   <a:srgbClr val="FFFFFF"/>
                 </a:solidFill>
               </a14:hiddenFill>
             </a:ext>
-            <a:ext uri="{91240B29-F687-4f45-9708-019B960494DF}">
+            <a:ext uri="{91240B29-F687-4F45-9708-019B960494DF}">
               <a14:hiddenLine xmlns:a14="http://schemas.microsoft.com/office/drawing/2010/main" w="9525">
                 <a:solidFill>
                   <a:srgbClr val="000000"/>
@@ -5004,14 +4447,14 @@
           <a:noFill/>
           <a:ln/>
           <a:extLst>
-            <a:ext uri="{909E8E84-426E-40dd-AFC4-6F175D3DCCD1}">
+            <a:ext uri="{909E8E84-426E-40DD-AFC4-6F175D3DCCD1}">
               <a14:hiddenFill xmlns:a14="http://schemas.microsoft.com/office/drawing/2010/main">
                 <a:solidFill>
                   <a:srgbClr val="FFFFFF"/>
                 </a:solidFill>
               </a14:hiddenFill>
             </a:ext>
-            <a:ext uri="{91240B29-F687-4f45-9708-019B960494DF}">
+            <a:ext uri="{91240B29-F687-4F45-9708-019B960494DF}">
               <a14:hiddenLine xmlns:a14="http://schemas.microsoft.com/office/drawing/2010/main" w="9525">
                 <a:solidFill>
                   <a:srgbClr val="000000"/>
@@ -5022,7 +4465,7 @@
               </a14:hiddenLine>
             </a:ext>
             <a:ext uri="{FAA26D3D-D897-4be2-8F04-BA451C77F1D7}">
-              <ma14:placeholderFlag xmlns:ma14="http://schemas.microsoft.com/office/mac/drawingml/2011/main" val="1"/>
+              <ma14:placeholderFlag xmlns:ma14="http://schemas.microsoft.com/office/mac/drawingml/2011/main" xmlns="" val="1"/>
             </a:ext>
           </a:extLst>
         </p:spPr>
@@ -5073,14 +4516,14 @@
           <a:noFill/>
           <a:ln/>
           <a:extLst>
-            <a:ext uri="{909E8E84-426E-40dd-AFC4-6F175D3DCCD1}">
+            <a:ext uri="{909E8E84-426E-40DD-AFC4-6F175D3DCCD1}">
               <a14:hiddenFill xmlns:a14="http://schemas.microsoft.com/office/drawing/2010/main">
                 <a:solidFill>
                   <a:srgbClr val="FFFFFF"/>
                 </a:solidFill>
               </a14:hiddenFill>
             </a:ext>
-            <a:ext uri="{91240B29-F687-4f45-9708-019B960494DF}">
+            <a:ext uri="{91240B29-F687-4F45-9708-019B960494DF}">
               <a14:hiddenLine xmlns:a14="http://schemas.microsoft.com/office/drawing/2010/main" w="9525">
                 <a:solidFill>
                   <a:srgbClr val="000000"/>
@@ -5214,7 +4657,7 @@
             <a:fld id="{FF49E69D-BE65-4948-8846-38A5B58C518F}" type="datetime1">
               <a:rPr lang="en-US"/>
               <a:pPr/>
-              <a:t>10/20/16</a:t>
+              <a:t>10/24/2016</a:t>
             </a:fld>
             <a:endParaRPr lang="en-US"/>
           </a:p>
@@ -5234,14 +4677,14 @@
           <a:noFill/>
           <a:ln/>
           <a:extLst>
-            <a:ext uri="{909E8E84-426E-40dd-AFC4-6F175D3DCCD1}">
+            <a:ext uri="{909E8E84-426E-40DD-AFC4-6F175D3DCCD1}">
               <a14:hiddenFill xmlns:a14="http://schemas.microsoft.com/office/drawing/2010/main">
                 <a:solidFill>
                   <a:srgbClr val="FFFFFF"/>
                 </a:solidFill>
               </a14:hiddenFill>
             </a:ext>
-            <a:ext uri="{91240B29-F687-4f45-9708-019B960494DF}">
+            <a:ext uri="{91240B29-F687-4F45-9708-019B960494DF}">
               <a14:hiddenLine xmlns:a14="http://schemas.microsoft.com/office/drawing/2010/main" w="9525">
                 <a:solidFill>
                   <a:srgbClr val="000000"/>
@@ -5393,14 +4836,14 @@
           <a:noFill/>
           <a:ln/>
           <a:extLst>
-            <a:ext uri="{909E8E84-426E-40dd-AFC4-6F175D3DCCD1}">
+            <a:ext uri="{909E8E84-426E-40DD-AFC4-6F175D3DCCD1}">
               <a14:hiddenFill xmlns:a14="http://schemas.microsoft.com/office/drawing/2010/main">
                 <a:solidFill>
                   <a:srgbClr val="FFFFFF"/>
                 </a:solidFill>
               </a14:hiddenFill>
             </a:ext>
-            <a:ext uri="{91240B29-F687-4f45-9708-019B960494DF}">
+            <a:ext uri="{91240B29-F687-4F45-9708-019B960494DF}">
               <a14:hiddenLine xmlns:a14="http://schemas.microsoft.com/office/drawing/2010/main" w="9525">
                 <a:solidFill>
                   <a:srgbClr val="000000"/>
@@ -5568,14 +5011,14 @@
           <a:noFill/>
           <a:ln/>
           <a:extLst>
-            <a:ext uri="{909E8E84-426E-40dd-AFC4-6F175D3DCCD1}">
+            <a:ext uri="{909E8E84-426E-40DD-AFC4-6F175D3DCCD1}">
               <a14:hiddenFill xmlns:a14="http://schemas.microsoft.com/office/drawing/2010/main">
                 <a:solidFill>
                   <a:srgbClr val="FFFFFF"/>
                 </a:solidFill>
               </a14:hiddenFill>
             </a:ext>
-            <a:ext uri="{91240B29-F687-4f45-9708-019B960494DF}">
+            <a:ext uri="{91240B29-F687-4F45-9708-019B960494DF}">
               <a14:hiddenLine xmlns:a14="http://schemas.microsoft.com/office/drawing/2010/main" w="9525">
                 <a:solidFill>
                   <a:srgbClr val="000000"/>
@@ -5586,7 +5029,7 @@
               </a14:hiddenLine>
             </a:ext>
             <a:ext uri="{FAA26D3D-D897-4be2-8F04-BA451C77F1D7}">
-              <ma14:placeholderFlag xmlns:ma14="http://schemas.microsoft.com/office/mac/drawingml/2011/main" val="1"/>
+              <ma14:placeholderFlag xmlns:ma14="http://schemas.microsoft.com/office/mac/drawingml/2011/main" xmlns="" val="1"/>
             </a:ext>
           </a:extLst>
         </p:spPr>
@@ -5637,14 +5080,14 @@
           <a:noFill/>
           <a:ln/>
           <a:extLst>
-            <a:ext uri="{909E8E84-426E-40dd-AFC4-6F175D3DCCD1}">
+            <a:ext uri="{909E8E84-426E-40DD-AFC4-6F175D3DCCD1}">
               <a14:hiddenFill xmlns:a14="http://schemas.microsoft.com/office/drawing/2010/main">
                 <a:solidFill>
                   <a:srgbClr val="FFFFFF"/>
                 </a:solidFill>
               </a14:hiddenFill>
             </a:ext>
-            <a:ext uri="{91240B29-F687-4f45-9708-019B960494DF}">
+            <a:ext uri="{91240B29-F687-4F45-9708-019B960494DF}">
               <a14:hiddenLine xmlns:a14="http://schemas.microsoft.com/office/drawing/2010/main" w="9525">
                 <a:solidFill>
                   <a:srgbClr val="000000"/>
@@ -5778,7 +5221,7 @@
             <a:fld id="{D097FA69-BA47-BE42-A33F-258FA5B9F73A}" type="datetime1">
               <a:rPr lang="en-US"/>
               <a:pPr/>
-              <a:t>10/20/16</a:t>
+              <a:t>10/24/2016</a:t>
             </a:fld>
             <a:endParaRPr lang="en-US"/>
           </a:p>
@@ -5798,14 +5241,14 @@
           <a:noFill/>
           <a:ln/>
           <a:extLst>
-            <a:ext uri="{909E8E84-426E-40dd-AFC4-6F175D3DCCD1}">
+            <a:ext uri="{909E8E84-426E-40DD-AFC4-6F175D3DCCD1}">
               <a14:hiddenFill xmlns:a14="http://schemas.microsoft.com/office/drawing/2010/main">
                 <a:solidFill>
                   <a:srgbClr val="FFFFFF"/>
                 </a:solidFill>
               </a14:hiddenFill>
             </a:ext>
-            <a:ext uri="{91240B29-F687-4f45-9708-019B960494DF}">
+            <a:ext uri="{91240B29-F687-4F45-9708-019B960494DF}">
               <a14:hiddenLine xmlns:a14="http://schemas.microsoft.com/office/drawing/2010/main" w="9525">
                 <a:solidFill>
                   <a:srgbClr val="000000"/>
@@ -5957,14 +5400,14 @@
           <a:noFill/>
           <a:ln/>
           <a:extLst>
-            <a:ext uri="{909E8E84-426E-40dd-AFC4-6F175D3DCCD1}">
+            <a:ext uri="{909E8E84-426E-40DD-AFC4-6F175D3DCCD1}">
               <a14:hiddenFill xmlns:a14="http://schemas.microsoft.com/office/drawing/2010/main">
                 <a:solidFill>
                   <a:srgbClr val="FFFFFF"/>
                 </a:solidFill>
               </a14:hiddenFill>
             </a:ext>
-            <a:ext uri="{91240B29-F687-4f45-9708-019B960494DF}">
+            <a:ext uri="{91240B29-F687-4F45-9708-019B960494DF}">
               <a14:hiddenLine xmlns:a14="http://schemas.microsoft.com/office/drawing/2010/main" w="9525">
                 <a:solidFill>
                   <a:srgbClr val="000000"/>
@@ -6132,14 +5575,14 @@
           <a:noFill/>
           <a:ln/>
           <a:extLst>
-            <a:ext uri="{909E8E84-426E-40dd-AFC4-6F175D3DCCD1}">
+            <a:ext uri="{909E8E84-426E-40DD-AFC4-6F175D3DCCD1}">
               <a14:hiddenFill xmlns:a14="http://schemas.microsoft.com/office/drawing/2010/main">
                 <a:solidFill>
                   <a:srgbClr val="FFFFFF"/>
                 </a:solidFill>
               </a14:hiddenFill>
             </a:ext>
-            <a:ext uri="{91240B29-F687-4f45-9708-019B960494DF}">
+            <a:ext uri="{91240B29-F687-4F45-9708-019B960494DF}">
               <a14:hiddenLine xmlns:a14="http://schemas.microsoft.com/office/drawing/2010/main" w="9525">
                 <a:solidFill>
                   <a:srgbClr val="000000"/>
@@ -6150,7 +5593,7 @@
               </a14:hiddenLine>
             </a:ext>
             <a:ext uri="{FAA26D3D-D897-4be2-8F04-BA451C77F1D7}">
-              <ma14:placeholderFlag xmlns:ma14="http://schemas.microsoft.com/office/mac/drawingml/2011/main" val="1"/>
+              <ma14:placeholderFlag xmlns:ma14="http://schemas.microsoft.com/office/mac/drawingml/2011/main" xmlns="" val="1"/>
             </a:ext>
           </a:extLst>
         </p:spPr>
@@ -6189,7 +5632,7 @@
       </p:grpSpPr>
       <p:sp>
         <p:nvSpPr>
-          <p:cNvPr id="33794" name="Rectangle 11"/>
+          <p:cNvPr id="34818" name="Rectangle 11"/>
           <p:cNvSpPr>
             <a:spLocks noGrp="1" noChangeArrowheads="1"/>
           </p:cNvSpPr>
@@ -6201,14 +5644,14 @@
           <a:noFill/>
           <a:ln/>
           <a:extLst>
-            <a:ext uri="{909E8E84-426E-40dd-AFC4-6F175D3DCCD1}">
+            <a:ext uri="{909E8E84-426E-40DD-AFC4-6F175D3DCCD1}">
               <a14:hiddenFill xmlns:a14="http://schemas.microsoft.com/office/drawing/2010/main">
                 <a:solidFill>
                   <a:srgbClr val="FFFFFF"/>
                 </a:solidFill>
               </a14:hiddenFill>
             </a:ext>
-            <a:ext uri="{91240B29-F687-4f45-9708-019B960494DF}">
+            <a:ext uri="{91240B29-F687-4F45-9708-019B960494DF}">
               <a14:hiddenLine xmlns:a14="http://schemas.microsoft.com/office/drawing/2010/main" w="9525">
                 <a:solidFill>
                   <a:srgbClr val="000000"/>
@@ -6339,10 +5782,10 @@
             </a:lvl9pPr>
           </a:lstStyle>
           <a:p>
-            <a:fld id="{8C794069-ED77-DE4D-87BA-F08C43BE5BBF}" type="datetime1">
+            <a:fld id="{C32A4743-6A85-BA44-9C68-3321059A67F2}" type="datetime1">
               <a:rPr lang="en-US"/>
               <a:pPr/>
-              <a:t>10/20/16</a:t>
+              <a:t>10/24/2016</a:t>
             </a:fld>
             <a:endParaRPr lang="en-US"/>
           </a:p>
@@ -6350,7 +5793,7 @@
       </p:sp>
       <p:sp>
         <p:nvSpPr>
-          <p:cNvPr id="33795" name="Rectangle 12"/>
+          <p:cNvPr id="34819" name="Rectangle 12"/>
           <p:cNvSpPr>
             <a:spLocks noGrp="1" noChangeArrowheads="1"/>
           </p:cNvSpPr>
@@ -6362,14 +5805,14 @@
           <a:noFill/>
           <a:ln/>
           <a:extLst>
-            <a:ext uri="{909E8E84-426E-40dd-AFC4-6F175D3DCCD1}">
+            <a:ext uri="{909E8E84-426E-40DD-AFC4-6F175D3DCCD1}">
               <a14:hiddenFill xmlns:a14="http://schemas.microsoft.com/office/drawing/2010/main">
                 <a:solidFill>
                   <a:srgbClr val="FFFFFF"/>
                 </a:solidFill>
               </a14:hiddenFill>
             </a:ext>
-            <a:ext uri="{91240B29-F687-4f45-9708-019B960494DF}">
+            <a:ext uri="{91240B29-F687-4F45-9708-019B960494DF}">
               <a14:hiddenLine xmlns:a14="http://schemas.microsoft.com/office/drawing/2010/main" w="9525">
                 <a:solidFill>
                   <a:srgbClr val="000000"/>
@@ -6509,7 +5952,7 @@
       </p:sp>
       <p:sp>
         <p:nvSpPr>
-          <p:cNvPr id="33796" name="Rectangle 13"/>
+          <p:cNvPr id="34820" name="Rectangle 13"/>
           <p:cNvSpPr>
             <a:spLocks noGrp="1" noChangeArrowheads="1"/>
           </p:cNvSpPr>
@@ -6521,14 +5964,14 @@
           <a:noFill/>
           <a:ln/>
           <a:extLst>
-            <a:ext uri="{909E8E84-426E-40dd-AFC4-6F175D3DCCD1}">
+            <a:ext uri="{909E8E84-426E-40DD-AFC4-6F175D3DCCD1}">
               <a14:hiddenFill xmlns:a14="http://schemas.microsoft.com/office/drawing/2010/main">
                 <a:solidFill>
                   <a:srgbClr val="FFFFFF"/>
                 </a:solidFill>
               </a14:hiddenFill>
             </a:ext>
-            <a:ext uri="{91240B29-F687-4f45-9708-019B960494DF}">
+            <a:ext uri="{91240B29-F687-4F45-9708-019B960494DF}">
               <a14:hiddenLine xmlns:a14="http://schemas.microsoft.com/office/drawing/2010/main" w="9525">
                 <a:solidFill>
                   <a:srgbClr val="000000"/>
@@ -6659,7 +6102,7 @@
             </a:lvl9pPr>
           </a:lstStyle>
           <a:p>
-            <a:fld id="{801CC933-1D45-EC44-A47D-724778494840}" type="slidenum">
+            <a:fld id="{05C56BE2-3B88-D94B-B944-288E168702E4}" type="slidenum">
               <a:rPr lang="en-US"/>
               <a:pPr/>
               <a:t>15</a:t>
@@ -6670,7 +6113,7 @@
       </p:sp>
       <p:sp>
         <p:nvSpPr>
-          <p:cNvPr id="33797" name="Rectangle 2"/>
+          <p:cNvPr id="34821" name="Rectangle 2"/>
           <p:cNvSpPr>
             <a:spLocks noGrp="1" noRot="1" noChangeAspect="1" noChangeArrowheads="1" noTextEdit="1"/>
           </p:cNvSpPr>
@@ -6679,12 +6122,15 @@
           </p:nvPr>
         </p:nvSpPr>
         <p:spPr>
+          <a:solidFill>
+            <a:srgbClr val="FFFFFF"/>
+          </a:solidFill>
           <a:ln/>
         </p:spPr>
       </p:sp>
       <p:sp>
         <p:nvSpPr>
-          <p:cNvPr id="33798" name="Rectangle 3"/>
+          <p:cNvPr id="34822" name="Rectangle 3"/>
           <p:cNvSpPr>
             <a:spLocks noGrp="1" noChangeArrowheads="1"/>
           </p:cNvSpPr>
@@ -6693,33 +6139,22 @@
           </p:nvPr>
         </p:nvSpPr>
         <p:spPr>
-          <a:noFill/>
-          <a:ln/>
+          <a:solidFill>
+            <a:srgbClr val="FFFFFF"/>
+          </a:solidFill>
+          <a:ln>
+            <a:solidFill>
+              <a:srgbClr val="000000"/>
+            </a:solidFill>
+          </a:ln>
           <a:extLst>
-            <a:ext uri="{909E8E84-426E-40dd-AFC4-6F175D3DCCD1}">
-              <a14:hiddenFill xmlns:a14="http://schemas.microsoft.com/office/drawing/2010/main">
-                <a:solidFill>
-                  <a:srgbClr val="FFFFFF"/>
-                </a:solidFill>
-              </a14:hiddenFill>
-            </a:ext>
-            <a:ext uri="{91240B29-F687-4f45-9708-019B960494DF}">
-              <a14:hiddenLine xmlns:a14="http://schemas.microsoft.com/office/drawing/2010/main" w="9525">
-                <a:solidFill>
-                  <a:srgbClr val="000000"/>
-                </a:solidFill>
-                <a:miter lim="800000"/>
-                <a:headEnd/>
-                <a:tailEnd/>
-              </a14:hiddenLine>
-            </a:ext>
             <a:ext uri="{FAA26D3D-D897-4be2-8F04-BA451C77F1D7}">
-              <ma14:placeholderFlag xmlns:ma14="http://schemas.microsoft.com/office/mac/drawingml/2011/main" val="1"/>
+              <ma14:placeholderFlag xmlns:ma14="http://schemas.microsoft.com/office/mac/drawingml/2011/main" xmlns="" val="1"/>
             </a:ext>
           </a:extLst>
         </p:spPr>
         <p:txBody>
-          <a:bodyPr/>
+          <a:bodyPr lIns="89931" tIns="44966" rIns="89931" bIns="44966"/>
           <a:lstStyle/>
           <a:p>
             <a:endParaRPr lang="en-US"/>
@@ -6815,7 +6250,7 @@
             <a:tailEnd/>
           </a:ln>
           <a:extLst>
-            <a:ext uri="{909E8E84-426E-40dd-AFC4-6F175D3DCCD1}">
+            <a:ext uri="{909E8E84-426E-40DD-AFC4-6F175D3DCCD1}">
               <a14:hiddenFill xmlns:a14="http://schemas.microsoft.com/office/drawing/2010/main">
                 <a:solidFill>
                   <a:srgbClr val="FFFFFF"/>
@@ -6858,7 +6293,7 @@
             <a:tailEnd/>
           </a:ln>
           <a:extLst>
-            <a:ext uri="{909E8E84-426E-40dd-AFC4-6F175D3DCCD1}">
+            <a:ext uri="{909E8E84-426E-40DD-AFC4-6F175D3DCCD1}">
               <a14:hiddenFill xmlns:a14="http://schemas.microsoft.com/office/drawing/2010/main">
                 <a:noFill/>
               </a14:hiddenFill>
@@ -6958,7 +6393,7 @@
           <a:p>
             <a:fld id="{10474969-AF3A-0340-8BD0-858FC248D408}" type="datetime1">
               <a:rPr lang="en-US" smtClean="0"/>
-              <a:t>10/20/16</a:t>
+              <a:t>10/24/2016</a:t>
             </a:fld>
             <a:endParaRPr lang="en-US"/>
           </a:p>
@@ -7155,7 +6590,7 @@
           <a:p>
             <a:fld id="{12B8EFFE-843D-7844-9087-9256B7C5B123}" type="datetime1">
               <a:rPr lang="en-US" smtClean="0"/>
-              <a:t>10/20/16</a:t>
+              <a:t>10/24/2016</a:t>
             </a:fld>
             <a:endParaRPr lang="en-US"/>
           </a:p>
@@ -7361,7 +6796,7 @@
           <a:p>
             <a:fld id="{95DDD89B-6D56-844C-A8D2-4E8679573396}" type="datetime1">
               <a:rPr lang="en-US" smtClean="0"/>
-              <a:t>10/20/16</a:t>
+              <a:t>10/24/2016</a:t>
             </a:fld>
             <a:endParaRPr lang="en-US"/>
           </a:p>
@@ -7624,7 +7059,7 @@
           <a:p>
             <a:fld id="{1E8D84CF-5666-F247-9EE4-DD18539247AC}" type="datetime1">
               <a:rPr lang="en-US" smtClean="0"/>
-              <a:t>10/20/16</a:t>
+              <a:t>10/24/2016</a:t>
             </a:fld>
             <a:endParaRPr lang="en-US"/>
           </a:p>
@@ -7887,7 +7322,7 @@
           <a:p>
             <a:fld id="{ADF4F725-7ABC-3944-BEEB-FDDA385C0D05}" type="datetime1">
               <a:rPr lang="en-US" smtClean="0"/>
-              <a:t>10/20/16</a:t>
+              <a:t>10/24/2016</a:t>
             </a:fld>
             <a:endParaRPr lang="en-US"/>
           </a:p>
@@ -8148,7 +7583,7 @@
           <a:p>
             <a:fld id="{A1C0DD94-1AF6-344D-8213-60156A98EEE5}" type="datetime1">
               <a:rPr lang="en-US" smtClean="0"/>
-              <a:t>10/20/16</a:t>
+              <a:t>10/24/2016</a:t>
             </a:fld>
             <a:endParaRPr lang="en-US"/>
           </a:p>
@@ -8345,7 +7780,7 @@
           <a:p>
             <a:fld id="{10954299-20A8-2441-82BC-D9F85AAB4C34}" type="datetime1">
               <a:rPr lang="en-US" smtClean="0"/>
-              <a:t>10/20/16</a:t>
+              <a:t>10/24/2016</a:t>
             </a:fld>
             <a:endParaRPr lang="en-US"/>
           </a:p>
@@ -8563,7 +7998,7 @@
           <a:p>
             <a:fld id="{497A2F7B-389D-F24D-A866-1BF8E02DC881}" type="datetime1">
               <a:rPr lang="en-US" smtClean="0"/>
-              <a:t>10/20/16</a:t>
+              <a:t>10/24/2016</a:t>
             </a:fld>
             <a:endParaRPr lang="en-US"/>
           </a:p>
@@ -8877,7 +8312,7 @@
           <a:p>
             <a:fld id="{538682A3-83C5-C34F-A375-7203F6739B3D}" type="datetime1">
               <a:rPr lang="en-US" smtClean="0"/>
-              <a:t>10/20/16</a:t>
+              <a:t>10/24/2016</a:t>
             </a:fld>
             <a:endParaRPr lang="en-US"/>
           </a:p>
@@ -9330,7 +8765,7 @@
           <a:p>
             <a:fld id="{BA9EB9CE-CCDB-9541-A870-C63113B07DDF}" type="datetime1">
               <a:rPr lang="en-US" smtClean="0"/>
-              <a:t>10/20/16</a:t>
+              <a:t>10/24/2016</a:t>
             </a:fld>
             <a:endParaRPr lang="en-US"/>
           </a:p>
@@ -9474,7 +8909,7 @@
           <a:p>
             <a:fld id="{F1F24F84-F9E9-7242-B73A-E59D1C8D255D}" type="datetime1">
               <a:rPr lang="en-US" smtClean="0"/>
-              <a:t>10/20/16</a:t>
+              <a:t>10/24/2016</a:t>
             </a:fld>
             <a:endParaRPr lang="en-US"/>
           </a:p>
@@ -9595,7 +9030,7 @@
           <a:p>
             <a:fld id="{E5D93FC6-EC37-9F4E-9948-902216038DF4}" type="datetime1">
               <a:rPr lang="en-US" smtClean="0"/>
-              <a:t>10/20/16</a:t>
+              <a:t>10/24/2016</a:t>
             </a:fld>
             <a:endParaRPr lang="en-US"/>
           </a:p>
@@ -9898,7 +9333,7 @@
           <a:p>
             <a:fld id="{09BC5155-2D17-5E44-9F89-16A5DB40FDBD}" type="datetime1">
               <a:rPr lang="en-US" smtClean="0"/>
-              <a:t>10/20/16</a:t>
+              <a:t>10/24/2016</a:t>
             </a:fld>
             <a:endParaRPr lang="en-US"/>
           </a:p>
@@ -10178,7 +9613,7 @@
           <a:p>
             <a:fld id="{2545C6EE-D3C6-D642-9A09-F06E87C0895D}" type="datetime1">
               <a:rPr lang="en-US" smtClean="0"/>
-              <a:t>10/20/16</a:t>
+              <a:t>10/24/2016</a:t>
             </a:fld>
             <a:endParaRPr lang="en-US"/>
           </a:p>
@@ -10307,14 +9742,14 @@
             <a:noFill/>
           </a:ln>
           <a:extLst>
-            <a:ext uri="{909E8E84-426E-40dd-AFC4-6F175D3DCCD1}">
+            <a:ext uri="{909E8E84-426E-40DD-AFC4-6F175D3DCCD1}">
               <a14:hiddenFill xmlns:a14="http://schemas.microsoft.com/office/drawing/2010/main">
                 <a:solidFill>
                   <a:srgbClr val="FFFFFF"/>
                 </a:solidFill>
               </a14:hiddenFill>
             </a:ext>
-            <a:ext uri="{91240B29-F687-4f45-9708-019B960494DF}">
+            <a:ext uri="{91240B29-F687-4F45-9708-019B960494DF}">
               <a14:hiddenLine xmlns:a14="http://schemas.microsoft.com/office/drawing/2010/main" w="9525">
                 <a:solidFill>
                   <a:srgbClr val="000000"/>
@@ -10325,7 +9760,7 @@
               </a14:hiddenLine>
             </a:ext>
             <a:ext uri="{FAA26D3D-D897-4be2-8F04-BA451C77F1D7}">
-              <ma14:placeholderFlag xmlns:ma14="http://schemas.microsoft.com/office/mac/drawingml/2011/main" val="1"/>
+              <ma14:placeholderFlag xmlns:ma14="http://schemas.microsoft.com/office/mac/drawingml/2011/main" xmlns="" val="1"/>
             </a:ext>
           </a:extLst>
         </p:spPr>
@@ -10368,14 +9803,14 @@
             <a:noFill/>
           </a:ln>
           <a:extLst>
-            <a:ext uri="{909E8E84-426E-40dd-AFC4-6F175D3DCCD1}">
+            <a:ext uri="{909E8E84-426E-40DD-AFC4-6F175D3DCCD1}">
               <a14:hiddenFill xmlns:a14="http://schemas.microsoft.com/office/drawing/2010/main">
                 <a:solidFill>
                   <a:srgbClr val="FFFFFF"/>
                 </a:solidFill>
               </a14:hiddenFill>
             </a:ext>
-            <a:ext uri="{91240B29-F687-4f45-9708-019B960494DF}">
+            <a:ext uri="{91240B29-F687-4F45-9708-019B960494DF}">
               <a14:hiddenLine xmlns:a14="http://schemas.microsoft.com/office/drawing/2010/main" w="9525">
                 <a:solidFill>
                   <a:srgbClr val="000000"/>
@@ -10386,7 +9821,7 @@
               </a14:hiddenLine>
             </a:ext>
             <a:ext uri="{FAA26D3D-D897-4be2-8F04-BA451C77F1D7}">
-              <ma14:placeholderFlag xmlns:ma14="http://schemas.microsoft.com/office/mac/drawingml/2011/main" val="1"/>
+              <ma14:placeholderFlag xmlns:ma14="http://schemas.microsoft.com/office/mac/drawingml/2011/main" xmlns="" val="1"/>
             </a:ext>
           </a:extLst>
         </p:spPr>
@@ -10477,7 +9912,7 @@
           <a:p>
             <a:fld id="{E4676E64-E1A4-454E-8982-AA2AEDF893D0}" type="datetime1">
               <a:rPr lang="en-US" smtClean="0"/>
-              <a:t>10/20/16</a:t>
+              <a:t>10/24/2016</a:t>
             </a:fld>
             <a:endParaRPr lang="en-US"/>
           </a:p>
@@ -10651,7 +10086,7 @@
             <a:tailEnd/>
           </a:ln>
           <a:extLst>
-            <a:ext uri="{909E8E84-426E-40dd-AFC4-6F175D3DCCD1}">
+            <a:ext uri="{909E8E84-426E-40DD-AFC4-6F175D3DCCD1}">
               <a14:hiddenFill xmlns:a14="http://schemas.microsoft.com/office/drawing/2010/main">
                 <a:solidFill>
                   <a:srgbClr val="FFFFFF"/>
@@ -10694,7 +10129,7 @@
             <a:tailEnd/>
           </a:ln>
           <a:extLst>
-            <a:ext uri="{909E8E84-426E-40dd-AFC4-6F175D3DCCD1}">
+            <a:ext uri="{909E8E84-426E-40DD-AFC4-6F175D3DCCD1}">
               <a14:hiddenFill xmlns:a14="http://schemas.microsoft.com/office/drawing/2010/main">
                 <a:noFill/>
               </a14:hiddenFill>
@@ -10731,7 +10166,7 @@
   <p:timing>
     <p:tnLst>
       <p:par>
-        <p:cTn xmlns:p14="http://schemas.microsoft.com/office/powerpoint/2010/main" id="1" dur="indefinite" restart="never" nodeType="tmRoot"/>
+        <p:cTn id="1" dur="indefinite" restart="never" nodeType="tmRoot"/>
       </p:par>
     </p:tnLst>
   </p:timing>
@@ -11345,7 +10780,7 @@
   <p:timing>
     <p:tnLst>
       <p:par>
-        <p:cTn xmlns:p14="http://schemas.microsoft.com/office/powerpoint/2010/main" id="1" dur="indefinite" restart="never" nodeType="tmRoot"/>
+        <p:cTn id="1" dur="indefinite" restart="never" nodeType="tmRoot"/>
       </p:par>
     </p:tnLst>
   </p:timing>
@@ -11409,14 +10844,14 @@
           <a:noFill/>
           <a:ln/>
           <a:extLst>
-            <a:ext uri="{909E8E84-426E-40dd-AFC4-6F175D3DCCD1}">
+            <a:ext uri="{909E8E84-426E-40DD-AFC4-6F175D3DCCD1}">
               <a14:hiddenFill xmlns:a14="http://schemas.microsoft.com/office/drawing/2010/main">
                 <a:solidFill>
                   <a:srgbClr val="FFFFFF"/>
                 </a:solidFill>
               </a14:hiddenFill>
             </a:ext>
-            <a:ext uri="{91240B29-F687-4f45-9708-019B960494DF}">
+            <a:ext uri="{91240B29-F687-4F45-9708-019B960494DF}">
               <a14:hiddenLine xmlns:a14="http://schemas.microsoft.com/office/drawing/2010/main" w="9525">
                 <a:solidFill>
                   <a:srgbClr val="000000"/>
@@ -11615,14 +11050,14 @@
           <a:noFill/>
           <a:ln/>
           <a:extLst>
-            <a:ext uri="{909E8E84-426E-40dd-AFC4-6F175D3DCCD1}">
+            <a:ext uri="{909E8E84-426E-40DD-AFC4-6F175D3DCCD1}">
               <a14:hiddenFill xmlns:a14="http://schemas.microsoft.com/office/drawing/2010/main">
                 <a:solidFill>
                   <a:srgbClr val="FFFFFF"/>
                 </a:solidFill>
               </a14:hiddenFill>
             </a:ext>
-            <a:ext uri="{91240B29-F687-4f45-9708-019B960494DF}">
+            <a:ext uri="{91240B29-F687-4F45-9708-019B960494DF}">
               <a14:hiddenLine xmlns:a14="http://schemas.microsoft.com/office/drawing/2010/main" w="9525">
                 <a:solidFill>
                   <a:srgbClr val="000000"/>
@@ -11729,7 +11164,7 @@
               <a:rPr lang="en-US" sz="1200" smtClean="0">
                 <a:latin typeface="Garamond" charset="0"/>
               </a:rPr>
-              <a:t>10/20/16</a:t>
+              <a:t>10/24/2016</a:t>
             </a:fld>
             <a:endParaRPr lang="en-US" sz="1200">
               <a:latin typeface="Garamond" charset="0"/>
@@ -11771,14 +11206,14 @@
             <a:noFill/>
           </a:ln>
           <a:extLst>
-            <a:ext uri="{909E8E84-426E-40dd-AFC4-6F175D3DCCD1}">
+            <a:ext uri="{909E8E84-426E-40DD-AFC4-6F175D3DCCD1}">
               <a14:hiddenFill xmlns:a14="http://schemas.microsoft.com/office/drawing/2010/main">
                 <a:solidFill>
                   <a:schemeClr val="accent1"/>
                 </a:solidFill>
               </a14:hiddenFill>
             </a:ext>
-            <a:ext uri="{91240B29-F687-4f45-9708-019B960494DF}">
+            <a:ext uri="{91240B29-F687-4F45-9708-019B960494DF}">
               <a14:hiddenLine xmlns:a14="http://schemas.microsoft.com/office/drawing/2010/main" w="9525">
                 <a:solidFill>
                   <a:schemeClr val="tx1"/>
@@ -11799,7 +11234,7 @@
   <p:timing>
     <p:tnLst>
       <p:par>
-        <p:cTn xmlns:p14="http://schemas.microsoft.com/office/powerpoint/2010/main" id="1" dur="indefinite" restart="never" nodeType="tmRoot"/>
+        <p:cTn id="1" dur="indefinite" restart="never" nodeType="tmRoot"/>
       </p:par>
     </p:tnLst>
   </p:timing>
@@ -11863,14 +11298,14 @@
           <a:noFill/>
           <a:ln/>
           <a:extLst>
-            <a:ext uri="{909E8E84-426E-40dd-AFC4-6F175D3DCCD1}">
+            <a:ext uri="{909E8E84-426E-40DD-AFC4-6F175D3DCCD1}">
               <a14:hiddenFill xmlns:a14="http://schemas.microsoft.com/office/drawing/2010/main">
                 <a:solidFill>
                   <a:srgbClr val="FFFFFF"/>
                 </a:solidFill>
               </a14:hiddenFill>
             </a:ext>
-            <a:ext uri="{91240B29-F687-4f45-9708-019B960494DF}">
+            <a:ext uri="{91240B29-F687-4F45-9708-019B960494DF}">
               <a14:hiddenLine xmlns:a14="http://schemas.microsoft.com/office/drawing/2010/main" w="9525">
                 <a:solidFill>
                   <a:srgbClr val="000000"/>
@@ -12087,14 +11522,14 @@
           </a:ln>
           <a:effectLst/>
           <a:extLst>
-            <a:ext uri="{909E8E84-426E-40dd-AFC4-6F175D3DCCD1}">
+            <a:ext uri="{909E8E84-426E-40DD-AFC4-6F175D3DCCD1}">
               <a14:hiddenFill xmlns:a14="http://schemas.microsoft.com/office/drawing/2010/main">
                 <a:solidFill>
                   <a:schemeClr val="accent1"/>
                 </a:solidFill>
               </a14:hiddenFill>
             </a:ext>
-            <a:ext uri="{91240B29-F687-4f45-9708-019B960494DF}">
+            <a:ext uri="{91240B29-F687-4F45-9708-019B960494DF}">
               <a14:hiddenLine xmlns:a14="http://schemas.microsoft.com/office/drawing/2010/main" w="9525">
                 <a:solidFill>
                   <a:schemeClr val="tx1"/>
@@ -12104,7 +11539,7 @@
                 <a:tailEnd/>
               </a14:hiddenLine>
             </a:ext>
-            <a:ext uri="{AF507438-7753-43e0-B8FC-AC1667EBCBE1}">
+            <a:ext uri="{AF507438-7753-43E0-B8FC-AC1667EBCBE1}">
               <a14:hiddenEffects xmlns:a14="http://schemas.microsoft.com/office/drawing/2010/main">
                 <a:effectLst>
                   <a:outerShdw blurRad="63500" dist="38099" dir="2700000" algn="ctr" rotWithShape="0">
@@ -12132,14 +11567,14 @@
           <a:noFill/>
           <a:ln/>
           <a:extLst>
-            <a:ext uri="{909E8E84-426E-40dd-AFC4-6F175D3DCCD1}">
+            <a:ext uri="{909E8E84-426E-40DD-AFC4-6F175D3DCCD1}">
               <a14:hiddenFill xmlns:a14="http://schemas.microsoft.com/office/drawing/2010/main">
                 <a:solidFill>
                   <a:srgbClr val="FFFFFF"/>
                 </a:solidFill>
               </a14:hiddenFill>
             </a:ext>
-            <a:ext uri="{91240B29-F687-4f45-9708-019B960494DF}">
+            <a:ext uri="{91240B29-F687-4F45-9708-019B960494DF}">
               <a14:hiddenLine xmlns:a14="http://schemas.microsoft.com/office/drawing/2010/main" w="9525">
                 <a:solidFill>
                   <a:srgbClr val="000000"/>
@@ -12246,7 +11681,7 @@
               <a:rPr lang="en-US" sz="1200" smtClean="0">
                 <a:latin typeface="Garamond" charset="0"/>
               </a:rPr>
-              <a:t>10/20/16</a:t>
+              <a:t>10/24/2016</a:t>
             </a:fld>
             <a:endParaRPr lang="en-US" sz="1200">
               <a:latin typeface="Garamond" charset="0"/>
@@ -12262,7 +11697,7 @@
   <p:timing>
     <p:tnLst>
       <p:par>
-        <p:cTn xmlns:p14="http://schemas.microsoft.com/office/powerpoint/2010/main" id="1" dur="indefinite" restart="never" nodeType="tmRoot"/>
+        <p:cTn id="1" dur="indefinite" restart="never" nodeType="tmRoot"/>
       </p:par>
     </p:tnLst>
   </p:timing>
@@ -12326,14 +11761,14 @@
           <a:noFill/>
           <a:ln/>
           <a:extLst>
-            <a:ext uri="{909E8E84-426E-40dd-AFC4-6F175D3DCCD1}">
+            <a:ext uri="{909E8E84-426E-40DD-AFC4-6F175D3DCCD1}">
               <a14:hiddenFill xmlns:a14="http://schemas.microsoft.com/office/drawing/2010/main">
                 <a:solidFill>
                   <a:srgbClr val="FFFFFF"/>
                 </a:solidFill>
               </a14:hiddenFill>
             </a:ext>
-            <a:ext uri="{91240B29-F687-4f45-9708-019B960494DF}">
+            <a:ext uri="{91240B29-F687-4F45-9708-019B960494DF}">
               <a14:hiddenLine xmlns:a14="http://schemas.microsoft.com/office/drawing/2010/main" w="9525">
                 <a:solidFill>
                   <a:srgbClr val="000000"/>
@@ -12609,14 +12044,14 @@
           <a:noFill/>
           <a:ln/>
           <a:extLst>
-            <a:ext uri="{909E8E84-426E-40dd-AFC4-6F175D3DCCD1}">
+            <a:ext uri="{909E8E84-426E-40DD-AFC4-6F175D3DCCD1}">
               <a14:hiddenFill xmlns:a14="http://schemas.microsoft.com/office/drawing/2010/main">
                 <a:solidFill>
                   <a:srgbClr val="FFFFFF"/>
                 </a:solidFill>
               </a14:hiddenFill>
             </a:ext>
-            <a:ext uri="{91240B29-F687-4f45-9708-019B960494DF}">
+            <a:ext uri="{91240B29-F687-4F45-9708-019B960494DF}">
               <a14:hiddenLine xmlns:a14="http://schemas.microsoft.com/office/drawing/2010/main" w="9525">
                 <a:solidFill>
                   <a:srgbClr val="000000"/>
@@ -12723,7 +12158,7 @@
               <a:rPr lang="en-US" sz="1200" smtClean="0">
                 <a:latin typeface="Garamond" charset="0"/>
               </a:rPr>
-              <a:t>10/20/16</a:t>
+              <a:t>10/24/2016</a:t>
             </a:fld>
             <a:endParaRPr lang="en-US" sz="1200">
               <a:latin typeface="Garamond" charset="0"/>
@@ -12765,14 +12200,14 @@
             <a:noFill/>
           </a:ln>
           <a:extLst>
-            <a:ext uri="{909E8E84-426E-40dd-AFC4-6F175D3DCCD1}">
+            <a:ext uri="{909E8E84-426E-40DD-AFC4-6F175D3DCCD1}">
               <a14:hiddenFill xmlns:a14="http://schemas.microsoft.com/office/drawing/2010/main">
                 <a:solidFill>
                   <a:schemeClr val="accent1"/>
                 </a:solidFill>
               </a14:hiddenFill>
             </a:ext>
-            <a:ext uri="{91240B29-F687-4f45-9708-019B960494DF}">
+            <a:ext uri="{91240B29-F687-4F45-9708-019B960494DF}">
               <a14:hiddenLine xmlns:a14="http://schemas.microsoft.com/office/drawing/2010/main" w="9525">
                 <a:solidFill>
                   <a:schemeClr val="tx1"/>
@@ -12793,7 +12228,7 @@
   <p:timing>
     <p:tnLst>
       <p:par>
-        <p:cTn xmlns:p14="http://schemas.microsoft.com/office/powerpoint/2010/main" id="1" dur="indefinite" restart="never" nodeType="tmRoot"/>
+        <p:cTn id="1" dur="indefinite" restart="never" nodeType="tmRoot"/>
       </p:par>
     </p:tnLst>
   </p:timing>
@@ -12857,14 +12292,14 @@
           <a:noFill/>
           <a:ln/>
           <a:extLst>
-            <a:ext uri="{909E8E84-426E-40dd-AFC4-6F175D3DCCD1}">
+            <a:ext uri="{909E8E84-426E-40DD-AFC4-6F175D3DCCD1}">
               <a14:hiddenFill xmlns:a14="http://schemas.microsoft.com/office/drawing/2010/main">
                 <a:solidFill>
                   <a:srgbClr val="FFFFFF"/>
                 </a:solidFill>
               </a14:hiddenFill>
             </a:ext>
-            <a:ext uri="{91240B29-F687-4f45-9708-019B960494DF}">
+            <a:ext uri="{91240B29-F687-4F45-9708-019B960494DF}">
               <a14:hiddenLine xmlns:a14="http://schemas.microsoft.com/office/drawing/2010/main" w="9525">
                 <a:solidFill>
                   <a:srgbClr val="000000"/>
@@ -13159,14 +12594,14 @@
           <a:noFill/>
           <a:ln/>
           <a:extLst>
-            <a:ext uri="{909E8E84-426E-40dd-AFC4-6F175D3DCCD1}">
+            <a:ext uri="{909E8E84-426E-40DD-AFC4-6F175D3DCCD1}">
               <a14:hiddenFill xmlns:a14="http://schemas.microsoft.com/office/drawing/2010/main">
                 <a:solidFill>
                   <a:srgbClr val="FFFFFF"/>
                 </a:solidFill>
               </a14:hiddenFill>
             </a:ext>
-            <a:ext uri="{91240B29-F687-4f45-9708-019B960494DF}">
+            <a:ext uri="{91240B29-F687-4F45-9708-019B960494DF}">
               <a14:hiddenLine xmlns:a14="http://schemas.microsoft.com/office/drawing/2010/main" w="9525">
                 <a:solidFill>
                   <a:srgbClr val="000000"/>
@@ -13273,7 +12708,7 @@
               <a:rPr lang="en-US" sz="1200" smtClean="0">
                 <a:latin typeface="Garamond" charset="0"/>
               </a:rPr>
-              <a:t>10/20/16</a:t>
+              <a:t>10/24/2016</a:t>
             </a:fld>
             <a:endParaRPr lang="en-US" sz="1200">
               <a:latin typeface="Garamond" charset="0"/>
@@ -13315,14 +12750,14 @@
             <a:noFill/>
           </a:ln>
           <a:extLst>
-            <a:ext uri="{909E8E84-426E-40dd-AFC4-6F175D3DCCD1}">
+            <a:ext uri="{909E8E84-426E-40DD-AFC4-6F175D3DCCD1}">
               <a14:hiddenFill xmlns:a14="http://schemas.microsoft.com/office/drawing/2010/main">
                 <a:solidFill>
                   <a:schemeClr val="accent1"/>
                 </a:solidFill>
               </a14:hiddenFill>
             </a:ext>
-            <a:ext uri="{91240B29-F687-4f45-9708-019B960494DF}">
+            <a:ext uri="{91240B29-F687-4F45-9708-019B960494DF}">
               <a14:hiddenLine xmlns:a14="http://schemas.microsoft.com/office/drawing/2010/main" w="9525">
                 <a:solidFill>
                   <a:schemeClr val="tx1"/>
@@ -13343,7 +12778,7 @@
   <p:timing>
     <p:tnLst>
       <p:par>
-        <p:cTn xmlns:p14="http://schemas.microsoft.com/office/powerpoint/2010/main" id="1" dur="indefinite" restart="never" nodeType="tmRoot"/>
+        <p:cTn id="1" dur="indefinite" restart="never" nodeType="tmRoot"/>
       </p:par>
     </p:tnLst>
   </p:timing>
@@ -13618,14 +13053,14 @@
           <a:noFill/>
           <a:ln/>
           <a:extLst>
-            <a:ext uri="{909E8E84-426E-40dd-AFC4-6F175D3DCCD1}">
+            <a:ext uri="{909E8E84-426E-40DD-AFC4-6F175D3DCCD1}">
               <a14:hiddenFill xmlns:a14="http://schemas.microsoft.com/office/drawing/2010/main">
                 <a:solidFill>
                   <a:srgbClr val="FFFFFF"/>
                 </a:solidFill>
               </a14:hiddenFill>
             </a:ext>
-            <a:ext uri="{91240B29-F687-4f45-9708-019B960494DF}">
+            <a:ext uri="{91240B29-F687-4F45-9708-019B960494DF}">
               <a14:hiddenLine xmlns:a14="http://schemas.microsoft.com/office/drawing/2010/main" w="9525">
                 <a:solidFill>
                   <a:srgbClr val="000000"/>
@@ -13732,7 +13167,7 @@
               <a:rPr lang="en-US" sz="1200" smtClean="0">
                 <a:latin typeface="Garamond" charset="0"/>
               </a:rPr>
-              <a:t>10/20/16</a:t>
+              <a:t>10/24/2016</a:t>
             </a:fld>
             <a:endParaRPr lang="en-US" sz="1200">
               <a:latin typeface="Garamond" charset="0"/>
@@ -13780,14 +13215,14 @@
           <a:noFill/>
           <a:ln/>
           <a:extLst>
-            <a:ext uri="{909E8E84-426E-40dd-AFC4-6F175D3DCCD1}">
+            <a:ext uri="{909E8E84-426E-40DD-AFC4-6F175D3DCCD1}">
               <a14:hiddenFill xmlns:a14="http://schemas.microsoft.com/office/drawing/2010/main">
                 <a:solidFill>
                   <a:srgbClr val="FFFFFF"/>
                 </a:solidFill>
               </a14:hiddenFill>
             </a:ext>
-            <a:ext uri="{91240B29-F687-4f45-9708-019B960494DF}">
+            <a:ext uri="{91240B29-F687-4F45-9708-019B960494DF}">
               <a14:hiddenLine xmlns:a14="http://schemas.microsoft.com/office/drawing/2010/main" w="9525">
                 <a:solidFill>
                   <a:srgbClr val="000000"/>
@@ -13911,7 +13346,7 @@
   <p:timing>
     <p:tnLst>
       <p:par>
-        <p:cTn xmlns:p14="http://schemas.microsoft.com/office/powerpoint/2010/main" id="1" dur="indefinite" restart="never" nodeType="tmRoot"/>
+        <p:cTn id="1" dur="indefinite" restart="never" nodeType="tmRoot"/>
       </p:par>
     </p:tnLst>
   </p:timing>
@@ -13937,7 +13372,7 @@
       </p:grpSpPr>
       <p:sp>
         <p:nvSpPr>
-          <p:cNvPr id="6" name="Footer Placeholder 4"/>
+          <p:cNvPr id="6" name="Footer Placeholder 5"/>
           <p:cNvSpPr>
             <a:spLocks noGrp="1"/>
           </p:cNvSpPr>
@@ -13963,7 +13398,7 @@
       </p:sp>
       <p:sp>
         <p:nvSpPr>
-          <p:cNvPr id="18435" name="Slide Number Placeholder 5"/>
+          <p:cNvPr id="19459" name="Slide Number Placeholder 6"/>
           <p:cNvSpPr>
             <a:spLocks noGrp="1"/>
           </p:cNvSpPr>
@@ -13975,14 +13410,14 @@
           <a:noFill/>
           <a:ln/>
           <a:extLst>
-            <a:ext uri="{909E8E84-426E-40dd-AFC4-6F175D3DCCD1}">
+            <a:ext uri="{909E8E84-426E-40DD-AFC4-6F175D3DCCD1}">
               <a14:hiddenFill xmlns:a14="http://schemas.microsoft.com/office/drawing/2010/main">
                 <a:solidFill>
                   <a:srgbClr val="FFFFFF"/>
                 </a:solidFill>
               </a14:hiddenFill>
             </a:ext>
-            <a:ext uri="{91240B29-F687-4f45-9708-019B960494DF}">
+            <a:ext uri="{91240B29-F687-4F45-9708-019B960494DF}">
               <a14:hiddenLine xmlns:a14="http://schemas.microsoft.com/office/drawing/2010/main" w="9525">
                 <a:solidFill>
                   <a:srgbClr val="000000"/>
@@ -14085,7 +13520,7 @@
             </a:lvl9pPr>
           </a:lstStyle>
           <a:p>
-            <a:fld id="{1737E3D1-7FDA-C444-A490-0C64D72F793B}" type="slidenum">
+            <a:fld id="{B52F6728-CB52-F54D-9E15-E7B1DAAC79FD}" type="slidenum">
               <a:rPr lang="en-US" sz="1200">
                 <a:latin typeface="Garamond" charset="0"/>
               </a:rPr>
@@ -14100,7 +13535,7 @@
       </p:sp>
       <p:sp>
         <p:nvSpPr>
-          <p:cNvPr id="18436" name="Rectangle 2"/>
+          <p:cNvPr id="19460" name="Rectangle 2"/>
           <p:cNvSpPr>
             <a:spLocks noGrp="1" noChangeArrowheads="1"/>
           </p:cNvSpPr>
@@ -14108,7 +13543,12 @@
             <p:ph type="title"/>
           </p:nvPr>
         </p:nvSpPr>
-        <p:spPr/>
+        <p:spPr>
+          <a:xfrm>
+            <a:off x="457200" y="228600"/>
+            <a:ext cx="8486775" cy="1143000"/>
+          </a:xfrm>
+        </p:spPr>
         <p:txBody>
           <a:bodyPr/>
           <a:lstStyle/>
@@ -14117,176 +13557,152 @@
               <a:rPr lang="en-US">
                 <a:latin typeface="Garamond" charset="0"/>
               </a:rPr>
-              <a:t>PCL and PCLATH</a:t>
-            </a:r>
-          </a:p>
-        </p:txBody>
-      </p:sp>
-      <p:sp>
-        <p:nvSpPr>
-          <p:cNvPr id="18437" name="Rectangle 3"/>
+              <a:t>STATUS register</a:t>
+            </a:r>
+          </a:p>
+        </p:txBody>
+      </p:sp>
+      <p:sp>
+        <p:nvSpPr>
+          <p:cNvPr id="19461" name="Rectangle 3"/>
           <p:cNvSpPr>
             <a:spLocks noGrp="1" noChangeArrowheads="1"/>
           </p:cNvSpPr>
           <p:nvPr>
-            <p:ph type="body" idx="1"/>
+            <p:ph type="body" sz="half" idx="1"/>
           </p:nvPr>
         </p:nvSpPr>
         <p:spPr>
           <a:xfrm>
-            <a:off x="4724400" y="1143000"/>
-            <a:ext cx="4267200" cy="4837113"/>
+            <a:off x="533400" y="1295400"/>
+            <a:ext cx="8077200" cy="4191000"/>
           </a:xfrm>
         </p:spPr>
         <p:txBody>
           <a:bodyPr/>
           <a:lstStyle/>
           <a:p>
-            <a:pPr>
-              <a:lnSpc>
-                <a:spcPct val="90000"/>
-              </a:lnSpc>
-            </a:pPr>
-            <a:r>
-              <a:rPr lang="en-US" sz="2400">
+            <a:r>
+              <a:rPr lang="en-US" sz="2600">
                 <a:solidFill>
                   <a:srgbClr val="A50021"/>
                 </a:solidFill>
                 <a:latin typeface="Arial" charset="0"/>
               </a:rPr>
-              <a:t>PC:</a:t>
-            </a:r>
-            <a:r>
-              <a:rPr lang="en-US" sz="2400">
-                <a:latin typeface="Arial" charset="0"/>
-              </a:rPr>
-              <a:t> Program Counter, 15 bits</a:t>
-            </a:r>
-          </a:p>
-          <a:p>
-            <a:pPr>
-              <a:lnSpc>
-                <a:spcPct val="90000"/>
-              </a:lnSpc>
-            </a:pPr>
-            <a:r>
-              <a:rPr lang="en-US" sz="2400">
-                <a:solidFill>
-                  <a:srgbClr val="A50021"/>
-                </a:solidFill>
-                <a:latin typeface="Arial" charset="0"/>
-              </a:rPr>
-              <a:t>PCL (02h):</a:t>
-            </a:r>
-            <a:r>
-              <a:rPr lang="en-US" sz="2400">
-                <a:latin typeface="Arial" charset="0"/>
-              </a:rPr>
-              <a:t> 8 bits, the lower 8 bits of PC</a:t>
-            </a:r>
-          </a:p>
-          <a:p>
-            <a:pPr>
-              <a:lnSpc>
-                <a:spcPct val="90000"/>
-              </a:lnSpc>
-            </a:pPr>
-            <a:r>
-              <a:rPr lang="en-US" sz="2400">
-                <a:solidFill>
-                  <a:srgbClr val="A50021"/>
-                </a:solidFill>
-                <a:latin typeface="Arial" charset="0"/>
-              </a:rPr>
-              <a:t>PCLATH (0Ah):</a:t>
-            </a:r>
-            <a:r>
-              <a:rPr lang="en-US" sz="2400">
-                <a:latin typeface="Arial" charset="0"/>
-              </a:rPr>
-              <a:t> PC Latch, provides the upper 7 bits of PC when PCL is written</a:t>
-            </a:r>
-          </a:p>
-          <a:p>
-            <a:pPr>
-              <a:lnSpc>
-                <a:spcPct val="90000"/>
-              </a:lnSpc>
-            </a:pPr>
-            <a:r>
-              <a:rPr lang="en-US" sz="2400">
-                <a:latin typeface="Arial" charset="0"/>
-              </a:rPr>
-              <a:t>Can change by</a:t>
-            </a:r>
-          </a:p>
-          <a:p>
-            <a:pPr lvl="1">
-              <a:lnSpc>
-                <a:spcPct val="90000"/>
-              </a:lnSpc>
-            </a:pPr>
-            <a:r>
-              <a:rPr lang="en-US" sz="2000">
-                <a:latin typeface="Arial" charset="0"/>
-              </a:rPr>
-              <a:t>Writing PCL directly</a:t>
-            </a:r>
-          </a:p>
-          <a:p>
-            <a:pPr lvl="1">
-              <a:lnSpc>
-                <a:spcPct val="90000"/>
-              </a:lnSpc>
-            </a:pPr>
-            <a:r>
-              <a:rPr lang="en-US" sz="2000">
-                <a:latin typeface="Arial" charset="0"/>
-              </a:rPr>
-              <a:t>Jump (GOTO)</a:t>
-            </a:r>
-          </a:p>
-          <a:p>
-            <a:pPr lvl="1">
-              <a:lnSpc>
-                <a:spcPct val="90000"/>
-              </a:lnSpc>
-            </a:pPr>
-            <a:r>
-              <a:rPr lang="en-US" sz="2000">
-                <a:latin typeface="Arial" charset="0"/>
-              </a:rPr>
-              <a:t>Calling function (CALL, CALLW)</a:t>
-            </a:r>
-          </a:p>
-          <a:p>
-            <a:pPr lvl="1">
-              <a:lnSpc>
-                <a:spcPct val="90000"/>
-              </a:lnSpc>
-            </a:pPr>
-            <a:r>
-              <a:rPr lang="en-US" sz="2000">
-                <a:latin typeface="Arial" charset="0"/>
-              </a:rPr>
-              <a:t>Relative branches (BRA/BRW)</a:t>
-            </a:r>
-          </a:p>
-          <a:p>
-            <a:pPr>
-              <a:lnSpc>
-                <a:spcPct val="90000"/>
-              </a:lnSpc>
-            </a:pPr>
-            <a:endParaRPr lang="en-US" sz="2400">
+              <a:t>STATUS</a:t>
+            </a:r>
+          </a:p>
+          <a:p>
+            <a:endParaRPr lang="en-US" sz="2200">
               <a:latin typeface="Arial" charset="0"/>
             </a:endParaRPr>
           </a:p>
-        </p:txBody>
-      </p:sp>
-      <p:sp>
-        <p:nvSpPr>
-          <p:cNvPr id="18438" name="Date Placeholder 1"/>
+          <a:p>
+            <a:endParaRPr lang="en-US" sz="2200">
+              <a:latin typeface="Arial" charset="0"/>
+            </a:endParaRPr>
+          </a:p>
+          <a:p>
+            <a:pPr lvl="1"/>
+            <a:endParaRPr lang="en-US" sz="1800">
+              <a:latin typeface="Arial" charset="0"/>
+            </a:endParaRPr>
+          </a:p>
+          <a:p>
+            <a:pPr lvl="1"/>
+            <a:r>
+              <a:rPr lang="en-US" sz="1800">
+                <a:solidFill>
+                  <a:srgbClr val="000099"/>
+                </a:solidFill>
+                <a:latin typeface="Arial" charset="0"/>
+              </a:rPr>
+              <a:t>NOT_TO</a:t>
+            </a:r>
+            <a:r>
+              <a:rPr lang="en-US" sz="1800">
+                <a:latin typeface="Arial" charset="0"/>
+              </a:rPr>
+              <a:t>: Time Out bit, reset status bit</a:t>
+            </a:r>
+          </a:p>
+          <a:p>
+            <a:pPr lvl="1"/>
+            <a:r>
+              <a:rPr lang="en-US" sz="1800">
+                <a:solidFill>
+                  <a:srgbClr val="000099"/>
+                </a:solidFill>
+                <a:latin typeface="Arial" charset="0"/>
+              </a:rPr>
+              <a:t>NOT_PD</a:t>
+            </a:r>
+            <a:r>
+              <a:rPr lang="en-US" sz="1800">
+                <a:latin typeface="Arial" charset="0"/>
+              </a:rPr>
+              <a:t>: Power-Down bit, reset status bit</a:t>
+            </a:r>
+          </a:p>
+          <a:p>
+            <a:pPr lvl="1"/>
+            <a:r>
+              <a:rPr lang="en-US" sz="1800">
+                <a:solidFill>
+                  <a:srgbClr val="000099"/>
+                </a:solidFill>
+                <a:latin typeface="Arial" charset="0"/>
+              </a:rPr>
+              <a:t>Z</a:t>
+            </a:r>
+            <a:r>
+              <a:rPr lang="en-US" sz="1800">
+                <a:latin typeface="Arial" charset="0"/>
+              </a:rPr>
+              <a:t>: Zero bit ~ ZF in x86</a:t>
+            </a:r>
+          </a:p>
+          <a:p>
+            <a:pPr lvl="1"/>
+            <a:r>
+              <a:rPr lang="en-US" sz="1800">
+                <a:solidFill>
+                  <a:srgbClr val="000099"/>
+                </a:solidFill>
+                <a:latin typeface="Arial" charset="0"/>
+              </a:rPr>
+              <a:t>DC</a:t>
+            </a:r>
+            <a:r>
+              <a:rPr lang="en-US" sz="1800">
+                <a:latin typeface="Arial" charset="0"/>
+              </a:rPr>
+              <a:t>: Digital Carry bit  ~  AF in x86</a:t>
+            </a:r>
+          </a:p>
+          <a:p>
+            <a:pPr lvl="1"/>
+            <a:r>
+              <a:rPr lang="en-US" sz="1800">
+                <a:solidFill>
+                  <a:srgbClr val="0000CC"/>
+                </a:solidFill>
+                <a:latin typeface="Arial" charset="0"/>
+              </a:rPr>
+              <a:t>C</a:t>
+            </a:r>
+            <a:r>
+              <a:rPr lang="en-US" sz="1800">
+                <a:latin typeface="Arial" charset="0"/>
+              </a:rPr>
+              <a:t>: Carry bit ~ CF in x86  (note: for subtraction, borrow is opposite)</a:t>
+            </a:r>
+          </a:p>
+        </p:txBody>
+      </p:sp>
+      <p:sp>
+        <p:nvSpPr>
+          <p:cNvPr id="19462" name="Date Placeholder 1"/>
           <p:cNvSpPr>
             <a:spLocks noGrp="1"/>
           </p:cNvSpPr>
@@ -14298,14 +13714,14 @@
           <a:noFill/>
           <a:ln/>
           <a:extLst>
-            <a:ext uri="{909E8E84-426E-40dd-AFC4-6F175D3DCCD1}">
+            <a:ext uri="{909E8E84-426E-40DD-AFC4-6F175D3DCCD1}">
               <a14:hiddenFill xmlns:a14="http://schemas.microsoft.com/office/drawing/2010/main">
                 <a:solidFill>
                   <a:srgbClr val="FFFFFF"/>
                 </a:solidFill>
               </a14:hiddenFill>
             </a:ext>
-            <a:ext uri="{91240B29-F687-4f45-9708-019B960494DF}">
+            <a:ext uri="{91240B29-F687-4F45-9708-019B960494DF}">
               <a14:hiddenLine xmlns:a14="http://schemas.microsoft.com/office/drawing/2010/main" w="9525">
                 <a:solidFill>
                   <a:srgbClr val="000000"/>
@@ -14408,563 +13824,11 @@
             </a:lvl9pPr>
           </a:lstStyle>
           <a:p>
-            <a:fld id="{7A00D60F-54EF-254D-9D03-6C066841C17B}" type="datetime1">
-              <a:rPr lang="en-US" sz="1200" smtClean="0">
-                <a:latin typeface="Garamond" charset="0"/>
-              </a:rPr>
-              <a:t>10/20/16</a:t>
-            </a:fld>
-            <a:endParaRPr lang="en-US" sz="1200">
-              <a:latin typeface="Garamond" charset="0"/>
-            </a:endParaRPr>
-          </a:p>
-        </p:txBody>
-      </p:sp>
-      <p:pic>
-        <p:nvPicPr>
-          <p:cNvPr id="18439" name="Picture 8"/>
-          <p:cNvPicPr>
-            <a:picLocks noChangeAspect="1" noChangeArrowheads="1"/>
-          </p:cNvPicPr>
-          <p:nvPr/>
-        </p:nvPicPr>
-        <p:blipFill>
-          <a:blip r:embed="rId3">
-            <a:extLst>
-              <a:ext uri="{28A0092B-C50C-407E-A947-70E740481C1C}">
-                <a14:useLocalDpi xmlns:a14="http://schemas.microsoft.com/office/drawing/2010/main" val="0"/>
-              </a:ext>
-            </a:extLst>
-          </a:blip>
-          <a:srcRect/>
-          <a:stretch>
-            <a:fillRect/>
-          </a:stretch>
-        </p:blipFill>
-        <p:spPr bwMode="auto">
-          <a:xfrm>
-            <a:off x="639763" y="914400"/>
-            <a:ext cx="3779837" cy="5578475"/>
-          </a:xfrm>
-          <a:prstGeom prst="rect">
-            <a:avLst/>
-          </a:prstGeom>
-          <a:noFill/>
-          <a:ln>
-            <a:noFill/>
-          </a:ln>
-          <a:extLst>
-            <a:ext uri="{909E8E84-426E-40dd-AFC4-6F175D3DCCD1}">
-              <a14:hiddenFill xmlns:a14="http://schemas.microsoft.com/office/drawing/2010/main">
-                <a:solidFill>
-                  <a:schemeClr val="accent1"/>
-                </a:solidFill>
-              </a14:hiddenFill>
-            </a:ext>
-            <a:ext uri="{91240B29-F687-4f45-9708-019B960494DF}">
-              <a14:hiddenLine xmlns:a14="http://schemas.microsoft.com/office/drawing/2010/main" w="9525">
-                <a:solidFill>
-                  <a:schemeClr val="tx1"/>
-                </a:solidFill>
-                <a:miter lim="800000"/>
-                <a:headEnd/>
-                <a:tailEnd/>
-              </a14:hiddenLine>
-            </a:ext>
-          </a:extLst>
-        </p:spPr>
-      </p:pic>
-    </p:spTree>
-  </p:cSld>
-  <p:clrMapOvr>
-    <a:masterClrMapping/>
-  </p:clrMapOvr>
-  <p:timing>
-    <p:tnLst>
-      <p:par>
-        <p:cTn xmlns:p14="http://schemas.microsoft.com/office/powerpoint/2010/main" id="1" dur="indefinite" restart="never" nodeType="tmRoot"/>
-      </p:par>
-    </p:tnLst>
-  </p:timing>
-</p:sld>
-</file>
-
-<file path=ppt/slides/slide16.xml><?xml version="1.0" encoding="utf-8"?>
-<p:sld xmlns:a="http://schemas.openxmlformats.org/drawingml/2006/main" xmlns:r="http://schemas.openxmlformats.org/officeDocument/2006/relationships" xmlns:p="http://schemas.openxmlformats.org/presentationml/2006/main">
-  <p:cSld>
-    <p:spTree>
-      <p:nvGrpSpPr>
-        <p:cNvPr id="1" name=""/>
-        <p:cNvGrpSpPr/>
-        <p:nvPr/>
-      </p:nvGrpSpPr>
-      <p:grpSpPr>
-        <a:xfrm>
-          <a:off x="0" y="0"/>
-          <a:ext cx="0" cy="0"/>
-          <a:chOff x="0" y="0"/>
-          <a:chExt cx="0" cy="0"/>
-        </a:xfrm>
-      </p:grpSpPr>
-      <p:sp>
-        <p:nvSpPr>
-          <p:cNvPr id="6" name="Footer Placeholder 5"/>
-          <p:cNvSpPr>
-            <a:spLocks noGrp="1"/>
-          </p:cNvSpPr>
-          <p:nvPr>
-            <p:ph type="ftr" sz="quarter" idx="11"/>
-          </p:nvPr>
-        </p:nvSpPr>
-        <p:spPr/>
-        <p:txBody>
-          <a:bodyPr/>
-          <a:lstStyle/>
-          <a:p>
-            <a:pPr>
-              <a:defRPr/>
-            </a:pPr>
-            <a:r>
-              <a:rPr lang="en-US" smtClean="0"/>
-              <a:t>Microprocessors I: Lecture 19</a:t>
-            </a:r>
-            <a:endParaRPr lang="en-US"/>
-          </a:p>
-        </p:txBody>
-      </p:sp>
-      <p:sp>
-        <p:nvSpPr>
-          <p:cNvPr id="19459" name="Slide Number Placeholder 6"/>
-          <p:cNvSpPr>
-            <a:spLocks noGrp="1"/>
-          </p:cNvSpPr>
-          <p:nvPr>
-            <p:ph type="sldNum" sz="quarter" idx="12"/>
-          </p:nvPr>
-        </p:nvSpPr>
-        <p:spPr>
-          <a:noFill/>
-          <a:ln/>
-          <a:extLst>
-            <a:ext uri="{909E8E84-426E-40dd-AFC4-6F175D3DCCD1}">
-              <a14:hiddenFill xmlns:a14="http://schemas.microsoft.com/office/drawing/2010/main">
-                <a:solidFill>
-                  <a:srgbClr val="FFFFFF"/>
-                </a:solidFill>
-              </a14:hiddenFill>
-            </a:ext>
-            <a:ext uri="{91240B29-F687-4f45-9708-019B960494DF}">
-              <a14:hiddenLine xmlns:a14="http://schemas.microsoft.com/office/drawing/2010/main" w="9525">
-                <a:solidFill>
-                  <a:srgbClr val="000000"/>
-                </a:solidFill>
-                <a:miter lim="800000"/>
-                <a:headEnd/>
-                <a:tailEnd/>
-              </a14:hiddenLine>
-            </a:ext>
-          </a:extLst>
-        </p:spPr>
-        <p:txBody>
-          <a:bodyPr/>
-          <a:lstStyle>
-            <a:lvl1pPr>
-              <a:defRPr sz="3000">
-                <a:solidFill>
-                  <a:schemeClr val="tx1"/>
-                </a:solidFill>
-                <a:latin typeface="Arial" charset="0"/>
-                <a:ea typeface="ＭＳ Ｐゴシック" charset="0"/>
-                <a:cs typeface="ＭＳ Ｐゴシック" charset="0"/>
-              </a:defRPr>
-            </a:lvl1pPr>
-            <a:lvl2pPr marL="742950" indent="-285750">
-              <a:defRPr sz="2600">
-                <a:solidFill>
-                  <a:schemeClr val="tx1"/>
-                </a:solidFill>
-                <a:latin typeface="Arial" charset="0"/>
-                <a:ea typeface="ＭＳ Ｐゴシック" charset="0"/>
-              </a:defRPr>
-            </a:lvl2pPr>
-            <a:lvl3pPr marL="1143000" indent="-228600">
-              <a:defRPr sz="2200">
-                <a:solidFill>
-                  <a:schemeClr val="tx1"/>
-                </a:solidFill>
-                <a:latin typeface="Arial" charset="0"/>
-                <a:ea typeface="ＭＳ Ｐゴシック" charset="0"/>
-              </a:defRPr>
-            </a:lvl3pPr>
-            <a:lvl4pPr marL="1600200" indent="-228600">
-              <a:defRPr sz="2000">
-                <a:solidFill>
-                  <a:schemeClr val="tx1"/>
-                </a:solidFill>
-                <a:latin typeface="Arial" charset="0"/>
-                <a:ea typeface="ＭＳ Ｐゴシック" charset="0"/>
-              </a:defRPr>
-            </a:lvl4pPr>
-            <a:lvl5pPr marL="2057400" indent="-228600">
-              <a:defRPr sz="2000">
-                <a:solidFill>
-                  <a:schemeClr val="tx1"/>
-                </a:solidFill>
-                <a:latin typeface="Arial" charset="0"/>
-                <a:ea typeface="ＭＳ Ｐゴシック" charset="0"/>
-              </a:defRPr>
-            </a:lvl5pPr>
-            <a:lvl6pPr marL="2514600" indent="-228600" eaLnBrk="0" hangingPunct="0">
-              <a:buFont typeface="Wingdings" charset="0"/>
-              <a:defRPr sz="2000">
-                <a:solidFill>
-                  <a:schemeClr val="tx1"/>
-                </a:solidFill>
-                <a:latin typeface="Arial" charset="0"/>
-                <a:ea typeface="ＭＳ Ｐゴシック" charset="0"/>
-              </a:defRPr>
-            </a:lvl6pPr>
-            <a:lvl7pPr marL="2971800" indent="-228600" eaLnBrk="0" hangingPunct="0">
-              <a:buFont typeface="Wingdings" charset="0"/>
-              <a:defRPr sz="2000">
-                <a:solidFill>
-                  <a:schemeClr val="tx1"/>
-                </a:solidFill>
-                <a:latin typeface="Arial" charset="0"/>
-                <a:ea typeface="ＭＳ Ｐゴシック" charset="0"/>
-              </a:defRPr>
-            </a:lvl7pPr>
-            <a:lvl8pPr marL="3429000" indent="-228600" eaLnBrk="0" hangingPunct="0">
-              <a:buFont typeface="Wingdings" charset="0"/>
-              <a:defRPr sz="2000">
-                <a:solidFill>
-                  <a:schemeClr val="tx1"/>
-                </a:solidFill>
-                <a:latin typeface="Arial" charset="0"/>
-                <a:ea typeface="ＭＳ Ｐゴシック" charset="0"/>
-              </a:defRPr>
-            </a:lvl8pPr>
-            <a:lvl9pPr marL="3886200" indent="-228600" eaLnBrk="0" hangingPunct="0">
-              <a:buFont typeface="Wingdings" charset="0"/>
-              <a:defRPr sz="2000">
-                <a:solidFill>
-                  <a:schemeClr val="tx1"/>
-                </a:solidFill>
-                <a:latin typeface="Arial" charset="0"/>
-                <a:ea typeface="ＭＳ Ｐゴシック" charset="0"/>
-              </a:defRPr>
-            </a:lvl9pPr>
-          </a:lstStyle>
-          <a:p>
-            <a:fld id="{B52F6728-CB52-F54D-9E15-E7B1DAAC79FD}" type="slidenum">
-              <a:rPr lang="en-US" sz="1200">
-                <a:latin typeface="Garamond" charset="0"/>
-              </a:rPr>
-              <a:pPr/>
-              <a:t>16</a:t>
-            </a:fld>
-            <a:endParaRPr lang="en-US" sz="1200">
-              <a:latin typeface="Garamond" charset="0"/>
-            </a:endParaRPr>
-          </a:p>
-        </p:txBody>
-      </p:sp>
-      <p:sp>
-        <p:nvSpPr>
-          <p:cNvPr id="19460" name="Rectangle 2"/>
-          <p:cNvSpPr>
-            <a:spLocks noGrp="1" noChangeArrowheads="1"/>
-          </p:cNvSpPr>
-          <p:nvPr>
-            <p:ph type="title"/>
-          </p:nvPr>
-        </p:nvSpPr>
-        <p:spPr>
-          <a:xfrm>
-            <a:off x="457200" y="228600"/>
-            <a:ext cx="8486775" cy="1143000"/>
-          </a:xfrm>
-        </p:spPr>
-        <p:txBody>
-          <a:bodyPr/>
-          <a:lstStyle/>
-          <a:p>
-            <a:r>
-              <a:rPr lang="en-US">
-                <a:latin typeface="Garamond" charset="0"/>
-              </a:rPr>
-              <a:t>STATUS register</a:t>
-            </a:r>
-          </a:p>
-        </p:txBody>
-      </p:sp>
-      <p:sp>
-        <p:nvSpPr>
-          <p:cNvPr id="19461" name="Rectangle 3"/>
-          <p:cNvSpPr>
-            <a:spLocks noGrp="1" noChangeArrowheads="1"/>
-          </p:cNvSpPr>
-          <p:nvPr>
-            <p:ph type="body" sz="half" idx="1"/>
-          </p:nvPr>
-        </p:nvSpPr>
-        <p:spPr>
-          <a:xfrm>
-            <a:off x="533400" y="1295400"/>
-            <a:ext cx="8077200" cy="4191000"/>
-          </a:xfrm>
-        </p:spPr>
-        <p:txBody>
-          <a:bodyPr/>
-          <a:lstStyle/>
-          <a:p>
-            <a:r>
-              <a:rPr lang="en-US" sz="2600">
-                <a:solidFill>
-                  <a:srgbClr val="A50021"/>
-                </a:solidFill>
-                <a:latin typeface="Arial" charset="0"/>
-              </a:rPr>
-              <a:t>STATUS</a:t>
-            </a:r>
-          </a:p>
-          <a:p>
-            <a:endParaRPr lang="en-US" sz="2200">
-              <a:latin typeface="Arial" charset="0"/>
-            </a:endParaRPr>
-          </a:p>
-          <a:p>
-            <a:endParaRPr lang="en-US" sz="2200">
-              <a:latin typeface="Arial" charset="0"/>
-            </a:endParaRPr>
-          </a:p>
-          <a:p>
-            <a:pPr lvl="1"/>
-            <a:endParaRPr lang="en-US" sz="1800">
-              <a:latin typeface="Arial" charset="0"/>
-            </a:endParaRPr>
-          </a:p>
-          <a:p>
-            <a:pPr lvl="1"/>
-            <a:r>
-              <a:rPr lang="en-US" sz="1800">
-                <a:solidFill>
-                  <a:srgbClr val="000099"/>
-                </a:solidFill>
-                <a:latin typeface="Arial" charset="0"/>
-              </a:rPr>
-              <a:t>NOT_TO</a:t>
-            </a:r>
-            <a:r>
-              <a:rPr lang="en-US" sz="1800">
-                <a:latin typeface="Arial" charset="0"/>
-              </a:rPr>
-              <a:t>: Time Out bit, reset status bit</a:t>
-            </a:r>
-          </a:p>
-          <a:p>
-            <a:pPr lvl="1"/>
-            <a:r>
-              <a:rPr lang="en-US" sz="1800">
-                <a:solidFill>
-                  <a:srgbClr val="000099"/>
-                </a:solidFill>
-                <a:latin typeface="Arial" charset="0"/>
-              </a:rPr>
-              <a:t>NOT_PD</a:t>
-            </a:r>
-            <a:r>
-              <a:rPr lang="en-US" sz="1800">
-                <a:latin typeface="Arial" charset="0"/>
-              </a:rPr>
-              <a:t>: Power-Down bit, reset status bit</a:t>
-            </a:r>
-          </a:p>
-          <a:p>
-            <a:pPr lvl="1"/>
-            <a:r>
-              <a:rPr lang="en-US" sz="1800">
-                <a:solidFill>
-                  <a:srgbClr val="000099"/>
-                </a:solidFill>
-                <a:latin typeface="Arial" charset="0"/>
-              </a:rPr>
-              <a:t>Z</a:t>
-            </a:r>
-            <a:r>
-              <a:rPr lang="en-US" sz="1800">
-                <a:latin typeface="Arial" charset="0"/>
-              </a:rPr>
-              <a:t>: Zero bit ~ ZF in x86</a:t>
-            </a:r>
-          </a:p>
-          <a:p>
-            <a:pPr lvl="1"/>
-            <a:r>
-              <a:rPr lang="en-US" sz="1800">
-                <a:solidFill>
-                  <a:srgbClr val="000099"/>
-                </a:solidFill>
-                <a:latin typeface="Arial" charset="0"/>
-              </a:rPr>
-              <a:t>DC</a:t>
-            </a:r>
-            <a:r>
-              <a:rPr lang="en-US" sz="1800">
-                <a:latin typeface="Arial" charset="0"/>
-              </a:rPr>
-              <a:t>: Digital Carry bit  ~  AF in x86</a:t>
-            </a:r>
-          </a:p>
-          <a:p>
-            <a:pPr lvl="1"/>
-            <a:r>
-              <a:rPr lang="en-US" sz="1800">
-                <a:solidFill>
-                  <a:srgbClr val="0000CC"/>
-                </a:solidFill>
-                <a:latin typeface="Arial" charset="0"/>
-              </a:rPr>
-              <a:t>C</a:t>
-            </a:r>
-            <a:r>
-              <a:rPr lang="en-US" sz="1800">
-                <a:latin typeface="Arial" charset="0"/>
-              </a:rPr>
-              <a:t>: Carry bit ~ CF in x86  (note: for subtraction, borrow is opposite)</a:t>
-            </a:r>
-          </a:p>
-        </p:txBody>
-      </p:sp>
-      <p:sp>
-        <p:nvSpPr>
-          <p:cNvPr id="19462" name="Date Placeholder 1"/>
-          <p:cNvSpPr>
-            <a:spLocks noGrp="1"/>
-          </p:cNvSpPr>
-          <p:nvPr>
-            <p:ph type="dt" sz="quarter" idx="10"/>
-          </p:nvPr>
-        </p:nvSpPr>
-        <p:spPr>
-          <a:noFill/>
-          <a:ln/>
-          <a:extLst>
-            <a:ext uri="{909E8E84-426E-40dd-AFC4-6F175D3DCCD1}">
-              <a14:hiddenFill xmlns:a14="http://schemas.microsoft.com/office/drawing/2010/main">
-                <a:solidFill>
-                  <a:srgbClr val="FFFFFF"/>
-                </a:solidFill>
-              </a14:hiddenFill>
-            </a:ext>
-            <a:ext uri="{91240B29-F687-4f45-9708-019B960494DF}">
-              <a14:hiddenLine xmlns:a14="http://schemas.microsoft.com/office/drawing/2010/main" w="9525">
-                <a:solidFill>
-                  <a:srgbClr val="000000"/>
-                </a:solidFill>
-                <a:miter lim="800000"/>
-                <a:headEnd/>
-                <a:tailEnd/>
-              </a14:hiddenLine>
-            </a:ext>
-          </a:extLst>
-        </p:spPr>
-        <p:txBody>
-          <a:bodyPr/>
-          <a:lstStyle>
-            <a:lvl1pPr>
-              <a:defRPr sz="3000">
-                <a:solidFill>
-                  <a:schemeClr val="tx1"/>
-                </a:solidFill>
-                <a:latin typeface="Arial" charset="0"/>
-                <a:ea typeface="ＭＳ Ｐゴシック" charset="0"/>
-                <a:cs typeface="ＭＳ Ｐゴシック" charset="0"/>
-              </a:defRPr>
-            </a:lvl1pPr>
-            <a:lvl2pPr marL="742950" indent="-285750">
-              <a:defRPr sz="2600">
-                <a:solidFill>
-                  <a:schemeClr val="tx1"/>
-                </a:solidFill>
-                <a:latin typeface="Arial" charset="0"/>
-                <a:ea typeface="ＭＳ Ｐゴシック" charset="0"/>
-              </a:defRPr>
-            </a:lvl2pPr>
-            <a:lvl3pPr marL="1143000" indent="-228600">
-              <a:defRPr sz="2200">
-                <a:solidFill>
-                  <a:schemeClr val="tx1"/>
-                </a:solidFill>
-                <a:latin typeface="Arial" charset="0"/>
-                <a:ea typeface="ＭＳ Ｐゴシック" charset="0"/>
-              </a:defRPr>
-            </a:lvl3pPr>
-            <a:lvl4pPr marL="1600200" indent="-228600">
-              <a:defRPr sz="2000">
-                <a:solidFill>
-                  <a:schemeClr val="tx1"/>
-                </a:solidFill>
-                <a:latin typeface="Arial" charset="0"/>
-                <a:ea typeface="ＭＳ Ｐゴシック" charset="0"/>
-              </a:defRPr>
-            </a:lvl4pPr>
-            <a:lvl5pPr marL="2057400" indent="-228600">
-              <a:defRPr sz="2000">
-                <a:solidFill>
-                  <a:schemeClr val="tx1"/>
-                </a:solidFill>
-                <a:latin typeface="Arial" charset="0"/>
-                <a:ea typeface="ＭＳ Ｐゴシック" charset="0"/>
-              </a:defRPr>
-            </a:lvl5pPr>
-            <a:lvl6pPr marL="2514600" indent="-228600" eaLnBrk="0" hangingPunct="0">
-              <a:buFont typeface="Wingdings" charset="0"/>
-              <a:defRPr sz="2000">
-                <a:solidFill>
-                  <a:schemeClr val="tx1"/>
-                </a:solidFill>
-                <a:latin typeface="Arial" charset="0"/>
-                <a:ea typeface="ＭＳ Ｐゴシック" charset="0"/>
-              </a:defRPr>
-            </a:lvl6pPr>
-            <a:lvl7pPr marL="2971800" indent="-228600" eaLnBrk="0" hangingPunct="0">
-              <a:buFont typeface="Wingdings" charset="0"/>
-              <a:defRPr sz="2000">
-                <a:solidFill>
-                  <a:schemeClr val="tx1"/>
-                </a:solidFill>
-                <a:latin typeface="Arial" charset="0"/>
-                <a:ea typeface="ＭＳ Ｐゴシック" charset="0"/>
-              </a:defRPr>
-            </a:lvl7pPr>
-            <a:lvl8pPr marL="3429000" indent="-228600" eaLnBrk="0" hangingPunct="0">
-              <a:buFont typeface="Wingdings" charset="0"/>
-              <a:defRPr sz="2000">
-                <a:solidFill>
-                  <a:schemeClr val="tx1"/>
-                </a:solidFill>
-                <a:latin typeface="Arial" charset="0"/>
-                <a:ea typeface="ＭＳ Ｐゴシック" charset="0"/>
-              </a:defRPr>
-            </a:lvl8pPr>
-            <a:lvl9pPr marL="3886200" indent="-228600" eaLnBrk="0" hangingPunct="0">
-              <a:buFont typeface="Wingdings" charset="0"/>
-              <a:defRPr sz="2000">
-                <a:solidFill>
-                  <a:schemeClr val="tx1"/>
-                </a:solidFill>
-                <a:latin typeface="Arial" charset="0"/>
-                <a:ea typeface="ＭＳ Ｐゴシック" charset="0"/>
-              </a:defRPr>
-            </a:lvl9pPr>
-          </a:lstStyle>
-          <a:p>
             <a:fld id="{84A46819-3362-CD48-AEF4-65E115DF33D0}" type="datetime1">
               <a:rPr lang="en-US" sz="1200" smtClean="0">
                 <a:latin typeface="Garamond" charset="0"/>
               </a:rPr>
-              <a:t>10/20/16</a:t>
+              <a:t>10/24/2016</a:t>
             </a:fld>
             <a:endParaRPr lang="en-US" sz="1200">
               <a:latin typeface="Garamond" charset="0"/>
@@ -15006,14 +13870,14 @@
             <a:noFill/>
           </a:ln>
           <a:extLst>
-            <a:ext uri="{909E8E84-426E-40dd-AFC4-6F175D3DCCD1}">
+            <a:ext uri="{909E8E84-426E-40DD-AFC4-6F175D3DCCD1}">
               <a14:hiddenFill xmlns:a14="http://schemas.microsoft.com/office/drawing/2010/main">
                 <a:solidFill>
                   <a:schemeClr val="accent1"/>
                 </a:solidFill>
               </a14:hiddenFill>
             </a:ext>
-            <a:ext uri="{91240B29-F687-4f45-9708-019B960494DF}">
+            <a:ext uri="{91240B29-F687-4F45-9708-019B960494DF}">
               <a14:hiddenLine xmlns:a14="http://schemas.microsoft.com/office/drawing/2010/main" w="9525">
                 <a:solidFill>
                   <a:schemeClr val="tx1"/>
@@ -15034,7 +13898,471 @@
   <p:timing>
     <p:tnLst>
       <p:par>
-        <p:cTn xmlns:p14="http://schemas.microsoft.com/office/powerpoint/2010/main" id="1" dur="indefinite" restart="never" nodeType="tmRoot"/>
+        <p:cTn id="1" dur="indefinite" restart="never" nodeType="tmRoot"/>
+      </p:par>
+    </p:tnLst>
+  </p:timing>
+</p:sld>
+</file>
+
+<file path=ppt/slides/slide16.xml><?xml version="1.0" encoding="utf-8"?>
+<p:sld xmlns:a="http://schemas.openxmlformats.org/drawingml/2006/main" xmlns:r="http://schemas.openxmlformats.org/officeDocument/2006/relationships" xmlns:p="http://schemas.openxmlformats.org/presentationml/2006/main">
+  <p:cSld>
+    <p:spTree>
+      <p:nvGrpSpPr>
+        <p:cNvPr id="1" name=""/>
+        <p:cNvGrpSpPr/>
+        <p:nvPr/>
+      </p:nvGrpSpPr>
+      <p:grpSpPr>
+        <a:xfrm>
+          <a:off x="0" y="0"/>
+          <a:ext cx="0" cy="0"/>
+          <a:chOff x="0" y="0"/>
+          <a:chExt cx="0" cy="0"/>
+        </a:xfrm>
+      </p:grpSpPr>
+      <p:sp>
+        <p:nvSpPr>
+          <p:cNvPr id="20482" name="Rectangle 2"/>
+          <p:cNvSpPr>
+            <a:spLocks noGrp="1" noChangeArrowheads="1"/>
+          </p:cNvSpPr>
+          <p:nvPr>
+            <p:ph type="title"/>
+          </p:nvPr>
+        </p:nvSpPr>
+        <p:spPr/>
+        <p:txBody>
+          <a:bodyPr/>
+          <a:lstStyle/>
+          <a:p>
+            <a:r>
+              <a:rPr lang="en-US">
+                <a:latin typeface="Garamond" charset="0"/>
+              </a:rPr>
+              <a:t>Stack</a:t>
+            </a:r>
+          </a:p>
+        </p:txBody>
+      </p:sp>
+      <p:sp>
+        <p:nvSpPr>
+          <p:cNvPr id="20483" name="Rectangle 3"/>
+          <p:cNvSpPr>
+            <a:spLocks noGrp="1" noChangeArrowheads="1"/>
+          </p:cNvSpPr>
+          <p:nvPr>
+            <p:ph idx="1"/>
+          </p:nvPr>
+        </p:nvSpPr>
+        <p:spPr/>
+        <p:txBody>
+          <a:bodyPr/>
+          <a:lstStyle/>
+          <a:p>
+            <a:r>
+              <a:rPr lang="en-US" sz="2000">
+                <a:latin typeface="Arial" charset="0"/>
+              </a:rPr>
+              <a:t>16-level deep x 15-bit wide hardware stack </a:t>
+            </a:r>
+          </a:p>
+          <a:p>
+            <a:r>
+              <a:rPr lang="en-US" sz="2000">
+                <a:latin typeface="Arial" charset="0"/>
+              </a:rPr>
+              <a:t>The stack space is not part of either program or data space </a:t>
+            </a:r>
+          </a:p>
+          <a:p>
+            <a:r>
+              <a:rPr lang="en-US" sz="2000">
+                <a:latin typeface="Arial" charset="0"/>
+              </a:rPr>
+              <a:t>The PC is “PUSHed” onto the stack when a CALL instruction is executed, or an interrupt causes a branch. </a:t>
+            </a:r>
+          </a:p>
+          <a:p>
+            <a:r>
+              <a:rPr lang="en-US" sz="2000">
+                <a:latin typeface="Arial" charset="0"/>
+              </a:rPr>
+              <a:t>The stack is “POPed” in the event of a RETURN, RETLW or a RETFIE instruction execution.</a:t>
+            </a:r>
+          </a:p>
+          <a:p>
+            <a:r>
+              <a:rPr lang="en-US" sz="2000">
+                <a:latin typeface="Arial" charset="0"/>
+              </a:rPr>
+              <a:t>However, </a:t>
+            </a:r>
+            <a:r>
+              <a:rPr lang="en-US" sz="2000">
+                <a:solidFill>
+                  <a:schemeClr val="hlink"/>
+                </a:solidFill>
+                <a:latin typeface="Arial" charset="0"/>
+              </a:rPr>
+              <a:t>NO PUSH or POP instructions</a:t>
+            </a:r>
+            <a:r>
+              <a:rPr lang="en-US" sz="2000">
+                <a:latin typeface="Arial" charset="0"/>
+              </a:rPr>
+              <a:t> !</a:t>
+            </a:r>
+          </a:p>
+          <a:p>
+            <a:r>
+              <a:rPr lang="en-US" sz="2000">
+                <a:latin typeface="Arial" charset="0"/>
+              </a:rPr>
+              <a:t>The stack operates as a circular buffer:</a:t>
+            </a:r>
+          </a:p>
+          <a:p>
+            <a:pPr lvl="1"/>
+            <a:r>
+              <a:rPr lang="en-US" sz="1800">
+                <a:latin typeface="Arial" charset="0"/>
+              </a:rPr>
+              <a:t>After the stack has been PUSHed 16 times, the 17</a:t>
+            </a:r>
+            <a:r>
+              <a:rPr lang="en-US" sz="1800" baseline="30000">
+                <a:latin typeface="Arial" charset="0"/>
+              </a:rPr>
+              <a:t>th</a:t>
+            </a:r>
+            <a:r>
+              <a:rPr lang="en-US" sz="1800">
+                <a:latin typeface="Arial" charset="0"/>
+              </a:rPr>
+              <a:t> push overwrites the value that was stored from the first push. </a:t>
+            </a:r>
+          </a:p>
+          <a:p>
+            <a:pPr lvl="1"/>
+            <a:r>
+              <a:rPr lang="en-US" sz="1800">
+                <a:latin typeface="Arial" charset="0"/>
+              </a:rPr>
+              <a:t>Can track stack overflow/underflow to handle such conitions</a:t>
+            </a:r>
+          </a:p>
+        </p:txBody>
+      </p:sp>
+      <p:sp>
+        <p:nvSpPr>
+          <p:cNvPr id="20484" name="Date Placeholder 1"/>
+          <p:cNvSpPr>
+            <a:spLocks noGrp="1"/>
+          </p:cNvSpPr>
+          <p:nvPr>
+            <p:ph type="dt" sz="quarter" idx="10"/>
+          </p:nvPr>
+        </p:nvSpPr>
+        <p:spPr>
+          <a:noFill/>
+          <a:ln/>
+          <a:extLst>
+            <a:ext uri="{909E8E84-426E-40DD-AFC4-6F175D3DCCD1}">
+              <a14:hiddenFill xmlns:a14="http://schemas.microsoft.com/office/drawing/2010/main">
+                <a:solidFill>
+                  <a:srgbClr val="FFFFFF"/>
+                </a:solidFill>
+              </a14:hiddenFill>
+            </a:ext>
+            <a:ext uri="{91240B29-F687-4F45-9708-019B960494DF}">
+              <a14:hiddenLine xmlns:a14="http://schemas.microsoft.com/office/drawing/2010/main" w="9525">
+                <a:solidFill>
+                  <a:srgbClr val="000000"/>
+                </a:solidFill>
+                <a:miter lim="800000"/>
+                <a:headEnd/>
+                <a:tailEnd/>
+              </a14:hiddenLine>
+            </a:ext>
+          </a:extLst>
+        </p:spPr>
+        <p:txBody>
+          <a:bodyPr/>
+          <a:lstStyle>
+            <a:lvl1pPr>
+              <a:defRPr sz="3000">
+                <a:solidFill>
+                  <a:schemeClr val="tx1"/>
+                </a:solidFill>
+                <a:latin typeface="Arial" charset="0"/>
+                <a:ea typeface="ＭＳ Ｐゴシック" charset="0"/>
+                <a:cs typeface="ＭＳ Ｐゴシック" charset="0"/>
+              </a:defRPr>
+            </a:lvl1pPr>
+            <a:lvl2pPr marL="742950" indent="-285750">
+              <a:defRPr sz="2600">
+                <a:solidFill>
+                  <a:schemeClr val="tx1"/>
+                </a:solidFill>
+                <a:latin typeface="Arial" charset="0"/>
+                <a:ea typeface="ＭＳ Ｐゴシック" charset="0"/>
+              </a:defRPr>
+            </a:lvl2pPr>
+            <a:lvl3pPr marL="1143000" indent="-228600">
+              <a:defRPr sz="2200">
+                <a:solidFill>
+                  <a:schemeClr val="tx1"/>
+                </a:solidFill>
+                <a:latin typeface="Arial" charset="0"/>
+                <a:ea typeface="ＭＳ Ｐゴシック" charset="0"/>
+              </a:defRPr>
+            </a:lvl3pPr>
+            <a:lvl4pPr marL="1600200" indent="-228600">
+              <a:defRPr sz="2000">
+                <a:solidFill>
+                  <a:schemeClr val="tx1"/>
+                </a:solidFill>
+                <a:latin typeface="Arial" charset="0"/>
+                <a:ea typeface="ＭＳ Ｐゴシック" charset="0"/>
+              </a:defRPr>
+            </a:lvl4pPr>
+            <a:lvl5pPr marL="2057400" indent="-228600">
+              <a:defRPr sz="2000">
+                <a:solidFill>
+                  <a:schemeClr val="tx1"/>
+                </a:solidFill>
+                <a:latin typeface="Arial" charset="0"/>
+                <a:ea typeface="ＭＳ Ｐゴシック" charset="0"/>
+              </a:defRPr>
+            </a:lvl5pPr>
+            <a:lvl6pPr marL="2514600" indent="-228600" eaLnBrk="0" hangingPunct="0">
+              <a:buFont typeface="Wingdings" charset="0"/>
+              <a:defRPr sz="2000">
+                <a:solidFill>
+                  <a:schemeClr val="tx1"/>
+                </a:solidFill>
+                <a:latin typeface="Arial" charset="0"/>
+                <a:ea typeface="ＭＳ Ｐゴシック" charset="0"/>
+              </a:defRPr>
+            </a:lvl6pPr>
+            <a:lvl7pPr marL="2971800" indent="-228600" eaLnBrk="0" hangingPunct="0">
+              <a:buFont typeface="Wingdings" charset="0"/>
+              <a:defRPr sz="2000">
+                <a:solidFill>
+                  <a:schemeClr val="tx1"/>
+                </a:solidFill>
+                <a:latin typeface="Arial" charset="0"/>
+                <a:ea typeface="ＭＳ Ｐゴシック" charset="0"/>
+              </a:defRPr>
+            </a:lvl7pPr>
+            <a:lvl8pPr marL="3429000" indent="-228600" eaLnBrk="0" hangingPunct="0">
+              <a:buFont typeface="Wingdings" charset="0"/>
+              <a:defRPr sz="2000">
+                <a:solidFill>
+                  <a:schemeClr val="tx1"/>
+                </a:solidFill>
+                <a:latin typeface="Arial" charset="0"/>
+                <a:ea typeface="ＭＳ Ｐゴシック" charset="0"/>
+              </a:defRPr>
+            </a:lvl8pPr>
+            <a:lvl9pPr marL="3886200" indent="-228600" eaLnBrk="0" hangingPunct="0">
+              <a:buFont typeface="Wingdings" charset="0"/>
+              <a:defRPr sz="2000">
+                <a:solidFill>
+                  <a:schemeClr val="tx1"/>
+                </a:solidFill>
+                <a:latin typeface="Arial" charset="0"/>
+                <a:ea typeface="ＭＳ Ｐゴシック" charset="0"/>
+              </a:defRPr>
+            </a:lvl9pPr>
+          </a:lstStyle>
+          <a:p>
+            <a:fld id="{376E2BC1-237F-5A45-9BD3-5D024AF7549D}" type="datetime1">
+              <a:rPr lang="en-US" sz="1200" smtClean="0">
+                <a:latin typeface="Garamond" charset="0"/>
+              </a:rPr>
+              <a:t>10/24/2016</a:t>
+            </a:fld>
+            <a:endParaRPr lang="en-US" sz="1200">
+              <a:latin typeface="Garamond" charset="0"/>
+            </a:endParaRPr>
+          </a:p>
+        </p:txBody>
+      </p:sp>
+      <p:sp>
+        <p:nvSpPr>
+          <p:cNvPr id="6" name="Footer Placeholder 4"/>
+          <p:cNvSpPr>
+            <a:spLocks noGrp="1"/>
+          </p:cNvSpPr>
+          <p:nvPr>
+            <p:ph type="ftr" sz="quarter" idx="11"/>
+          </p:nvPr>
+        </p:nvSpPr>
+        <p:spPr/>
+        <p:txBody>
+          <a:bodyPr/>
+          <a:lstStyle/>
+          <a:p>
+            <a:pPr>
+              <a:defRPr/>
+            </a:pPr>
+            <a:r>
+              <a:rPr lang="en-US" smtClean="0"/>
+              <a:t>Microprocessors I: Lecture 19</a:t>
+            </a:r>
+            <a:endParaRPr lang="en-US"/>
+          </a:p>
+        </p:txBody>
+      </p:sp>
+      <p:sp>
+        <p:nvSpPr>
+          <p:cNvPr id="20486" name="Slide Number Placeholder 5"/>
+          <p:cNvSpPr>
+            <a:spLocks noGrp="1"/>
+          </p:cNvSpPr>
+          <p:nvPr>
+            <p:ph type="sldNum" sz="quarter" idx="12"/>
+          </p:nvPr>
+        </p:nvSpPr>
+        <p:spPr>
+          <a:noFill/>
+          <a:ln/>
+          <a:extLst>
+            <a:ext uri="{909E8E84-426E-40DD-AFC4-6F175D3DCCD1}">
+              <a14:hiddenFill xmlns:a14="http://schemas.microsoft.com/office/drawing/2010/main">
+                <a:solidFill>
+                  <a:srgbClr val="FFFFFF"/>
+                </a:solidFill>
+              </a14:hiddenFill>
+            </a:ext>
+            <a:ext uri="{91240B29-F687-4F45-9708-019B960494DF}">
+              <a14:hiddenLine xmlns:a14="http://schemas.microsoft.com/office/drawing/2010/main" w="9525">
+                <a:solidFill>
+                  <a:srgbClr val="000000"/>
+                </a:solidFill>
+                <a:miter lim="800000"/>
+                <a:headEnd/>
+                <a:tailEnd/>
+              </a14:hiddenLine>
+            </a:ext>
+          </a:extLst>
+        </p:spPr>
+        <p:txBody>
+          <a:bodyPr/>
+          <a:lstStyle>
+            <a:lvl1pPr>
+              <a:defRPr sz="3000">
+                <a:solidFill>
+                  <a:schemeClr val="tx1"/>
+                </a:solidFill>
+                <a:latin typeface="Arial" charset="0"/>
+                <a:ea typeface="ＭＳ Ｐゴシック" charset="0"/>
+                <a:cs typeface="ＭＳ Ｐゴシック" charset="0"/>
+              </a:defRPr>
+            </a:lvl1pPr>
+            <a:lvl2pPr marL="742950" indent="-285750">
+              <a:defRPr sz="2600">
+                <a:solidFill>
+                  <a:schemeClr val="tx1"/>
+                </a:solidFill>
+                <a:latin typeface="Arial" charset="0"/>
+                <a:ea typeface="ＭＳ Ｐゴシック" charset="0"/>
+              </a:defRPr>
+            </a:lvl2pPr>
+            <a:lvl3pPr marL="1143000" indent="-228600">
+              <a:defRPr sz="2200">
+                <a:solidFill>
+                  <a:schemeClr val="tx1"/>
+                </a:solidFill>
+                <a:latin typeface="Arial" charset="0"/>
+                <a:ea typeface="ＭＳ Ｐゴシック" charset="0"/>
+              </a:defRPr>
+            </a:lvl3pPr>
+            <a:lvl4pPr marL="1600200" indent="-228600">
+              <a:defRPr sz="2000">
+                <a:solidFill>
+                  <a:schemeClr val="tx1"/>
+                </a:solidFill>
+                <a:latin typeface="Arial" charset="0"/>
+                <a:ea typeface="ＭＳ Ｐゴシック" charset="0"/>
+              </a:defRPr>
+            </a:lvl4pPr>
+            <a:lvl5pPr marL="2057400" indent="-228600">
+              <a:defRPr sz="2000">
+                <a:solidFill>
+                  <a:schemeClr val="tx1"/>
+                </a:solidFill>
+                <a:latin typeface="Arial" charset="0"/>
+                <a:ea typeface="ＭＳ Ｐゴシック" charset="0"/>
+              </a:defRPr>
+            </a:lvl5pPr>
+            <a:lvl6pPr marL="2514600" indent="-228600" eaLnBrk="0" hangingPunct="0">
+              <a:buFont typeface="Wingdings" charset="0"/>
+              <a:defRPr sz="2000">
+                <a:solidFill>
+                  <a:schemeClr val="tx1"/>
+                </a:solidFill>
+                <a:latin typeface="Arial" charset="0"/>
+                <a:ea typeface="ＭＳ Ｐゴシック" charset="0"/>
+              </a:defRPr>
+            </a:lvl6pPr>
+            <a:lvl7pPr marL="2971800" indent="-228600" eaLnBrk="0" hangingPunct="0">
+              <a:buFont typeface="Wingdings" charset="0"/>
+              <a:defRPr sz="2000">
+                <a:solidFill>
+                  <a:schemeClr val="tx1"/>
+                </a:solidFill>
+                <a:latin typeface="Arial" charset="0"/>
+                <a:ea typeface="ＭＳ Ｐゴシック" charset="0"/>
+              </a:defRPr>
+            </a:lvl7pPr>
+            <a:lvl8pPr marL="3429000" indent="-228600" eaLnBrk="0" hangingPunct="0">
+              <a:buFont typeface="Wingdings" charset="0"/>
+              <a:defRPr sz="2000">
+                <a:solidFill>
+                  <a:schemeClr val="tx1"/>
+                </a:solidFill>
+                <a:latin typeface="Arial" charset="0"/>
+                <a:ea typeface="ＭＳ Ｐゴシック" charset="0"/>
+              </a:defRPr>
+            </a:lvl8pPr>
+            <a:lvl9pPr marL="3886200" indent="-228600" eaLnBrk="0" hangingPunct="0">
+              <a:buFont typeface="Wingdings" charset="0"/>
+              <a:defRPr sz="2000">
+                <a:solidFill>
+                  <a:schemeClr val="tx1"/>
+                </a:solidFill>
+                <a:latin typeface="Arial" charset="0"/>
+                <a:ea typeface="ＭＳ Ｐゴシック" charset="0"/>
+              </a:defRPr>
+            </a:lvl9pPr>
+          </a:lstStyle>
+          <a:p>
+            <a:fld id="{44F466BF-4C10-E649-95B2-17944D082914}" type="slidenum">
+              <a:rPr lang="en-US" sz="1200">
+                <a:latin typeface="Garamond" charset="0"/>
+              </a:rPr>
+              <a:pPr/>
+              <a:t>16</a:t>
+            </a:fld>
+            <a:endParaRPr lang="en-US" sz="1200">
+              <a:latin typeface="Garamond" charset="0"/>
+            </a:endParaRPr>
+          </a:p>
+        </p:txBody>
+      </p:sp>
+    </p:spTree>
+  </p:cSld>
+  <p:clrMapOvr>
+    <a:masterClrMapping/>
+  </p:clrMapOvr>
+  <p:timing>
+    <p:tnLst>
+      <p:par>
+        <p:cTn id="1" dur="indefinite" restart="never" nodeType="tmRoot"/>
       </p:par>
     </p:tnLst>
   </p:timing>
@@ -15060,7 +14388,7 @@
       </p:grpSpPr>
       <p:sp>
         <p:nvSpPr>
-          <p:cNvPr id="20482" name="Rectangle 2"/>
+          <p:cNvPr id="21506" name="Rectangle 2"/>
           <p:cNvSpPr>
             <a:spLocks noGrp="1" noChangeArrowheads="1"/>
           </p:cNvSpPr>
@@ -15077,19 +14405,19 @@
               <a:rPr lang="en-US">
                 <a:latin typeface="Garamond" charset="0"/>
               </a:rPr>
-              <a:t>Stack</a:t>
-            </a:r>
-          </a:p>
-        </p:txBody>
-      </p:sp>
-      <p:sp>
-        <p:nvSpPr>
-          <p:cNvPr id="20483" name="Rectangle 3"/>
+              <a:t>Banking</a:t>
+            </a:r>
+          </a:p>
+        </p:txBody>
+      </p:sp>
+      <p:sp>
+        <p:nvSpPr>
+          <p:cNvPr id="21507" name="Rectangle 3"/>
           <p:cNvSpPr>
             <a:spLocks noGrp="1" noChangeArrowheads="1"/>
           </p:cNvSpPr>
           <p:nvPr>
-            <p:ph idx="1"/>
+            <p:ph type="body" idx="1"/>
           </p:nvPr>
         </p:nvSpPr>
         <p:spPr/>
@@ -15098,102 +14426,78 @@
           <a:lstStyle/>
           <a:p>
             <a:r>
-              <a:rPr lang="en-US" sz="2000">
+              <a:rPr lang="en-US">
                 <a:latin typeface="Arial" charset="0"/>
               </a:rPr>
-              <a:t>16-level deep x 15-bit wide hardware stack </a:t>
-            </a:r>
-          </a:p>
-          <a:p>
-            <a:r>
-              <a:rPr lang="en-US" sz="2000">
+              <a:t>Data memory is partitioned into banks</a:t>
+            </a:r>
+          </a:p>
+          <a:p>
+            <a:r>
+              <a:rPr lang="en-US">
                 <a:latin typeface="Arial" charset="0"/>
               </a:rPr>
-              <a:t>The stack space is not part of either program or data space </a:t>
-            </a:r>
-          </a:p>
-          <a:p>
-            <a:r>
-              <a:rPr lang="en-US" sz="2000">
+              <a:t>In this PIC family, each bank holds 128 bytes (max offset = 7Fh)</a:t>
+            </a:r>
+          </a:p>
+          <a:p>
+            <a:pPr lvl="1"/>
+            <a:r>
+              <a:rPr lang="en-US">
                 <a:latin typeface="Arial" charset="0"/>
               </a:rPr>
-              <a:t>The PC is “PUSHed” onto the stack when a CALL instruction is executed, or an interrupt causes a branch. </a:t>
-            </a:r>
-          </a:p>
-          <a:p>
-            <a:r>
-              <a:rPr lang="en-US" sz="2000">
+              <a:t>16F1829 has 32 banks (bank 0-bank 31)</a:t>
+            </a:r>
+          </a:p>
+          <a:p>
+            <a:pPr lvl="1"/>
+            <a:r>
+              <a:rPr lang="en-US">
                 <a:latin typeface="Arial" charset="0"/>
               </a:rPr>
-              <a:t>The stack is “POPed” in the event of a RETURN, RETLW or a RETFIE instruction execution.</a:t>
-            </a:r>
-          </a:p>
-          <a:p>
-            <a:r>
-              <a:rPr lang="en-US" sz="2000">
+              <a:t>Total data memory: 32 * 128 = 4096 = 4 KB</a:t>
+            </a:r>
+          </a:p>
+          <a:p>
+            <a:r>
+              <a:rPr lang="en-US">
                 <a:latin typeface="Arial" charset="0"/>
               </a:rPr>
-              <a:t>However, </a:t>
-            </a:r>
-            <a:r>
-              <a:rPr lang="en-US" sz="2000">
-                <a:solidFill>
-                  <a:schemeClr val="hlink"/>
-                </a:solidFill>
+              <a:t>Overall data memory address: 12 bits</a:t>
+            </a:r>
+          </a:p>
+          <a:p>
+            <a:pPr lvl="1"/>
+            <a:r>
+              <a:rPr lang="en-US">
                 <a:latin typeface="Arial" charset="0"/>
               </a:rPr>
-              <a:t>NO PUSH or POP instructions</a:t>
-            </a:r>
-            <a:r>
-              <a:rPr lang="en-US" sz="2000">
+              <a:t>Upper 5 bits: bits 4:0 from BSR (bank select)</a:t>
+            </a:r>
+          </a:p>
+          <a:p>
+            <a:pPr lvl="2"/>
+            <a:r>
+              <a:rPr lang="en-US">
                 <a:latin typeface="Arial" charset="0"/>
               </a:rPr>
-              <a:t> !</a:t>
-            </a:r>
-          </a:p>
-          <a:p>
-            <a:r>
-              <a:rPr lang="en-US" sz="2000">
+              <a:t>To switch banks, simply write new bank number to BSR</a:t>
+            </a:r>
+          </a:p>
+          <a:p>
+            <a:pPr lvl="1"/>
+            <a:r>
+              <a:rPr lang="en-US">
                 <a:latin typeface="Arial" charset="0"/>
               </a:rPr>
-              <a:t>The stack operates as a circular buffer:</a:t>
-            </a:r>
-          </a:p>
-          <a:p>
-            <a:pPr lvl="1"/>
-            <a:r>
-              <a:rPr lang="en-US" sz="1800">
-                <a:latin typeface="Arial" charset="0"/>
-              </a:rPr>
-              <a:t>After the stack has been PUSHed 16 times, the 17</a:t>
-            </a:r>
-            <a:r>
-              <a:rPr lang="en-US" sz="1800" baseline="30000">
-                <a:latin typeface="Arial" charset="0"/>
-              </a:rPr>
-              <a:t>th</a:t>
-            </a:r>
-            <a:r>
-              <a:rPr lang="en-US" sz="1800">
-                <a:latin typeface="Arial" charset="0"/>
-              </a:rPr>
-              <a:t> push overwrites the value that was stored from the first push. </a:t>
-            </a:r>
-          </a:p>
-          <a:p>
-            <a:pPr lvl="1"/>
-            <a:r>
-              <a:rPr lang="en-US" sz="1800">
-                <a:latin typeface="Arial" charset="0"/>
-              </a:rPr>
-              <a:t>Can track stack overflow/underflow to handle such conitions</a:t>
-            </a:r>
-          </a:p>
-        </p:txBody>
-      </p:sp>
-      <p:sp>
-        <p:nvSpPr>
-          <p:cNvPr id="20484" name="Date Placeholder 1"/>
+              <a:t>Lower 7 bits: bits 6:0 from instruction</a:t>
+            </a:r>
+          </a:p>
+        </p:txBody>
+      </p:sp>
+      <p:sp>
+        <p:nvSpPr>
+          <p:cNvPr id="21508" name="Date Placeholder 1"/>
           <p:cNvSpPr>
             <a:spLocks noGrp="1"/>
           </p:cNvSpPr>
@@ -15205,14 +14509,14 @@
           <a:noFill/>
           <a:ln/>
           <a:extLst>
-            <a:ext uri="{909E8E84-426E-40dd-AFC4-6F175D3DCCD1}">
+            <a:ext uri="{909E8E84-426E-40DD-AFC4-6F175D3DCCD1}">
               <a14:hiddenFill xmlns:a14="http://schemas.microsoft.com/office/drawing/2010/main">
                 <a:solidFill>
                   <a:srgbClr val="FFFFFF"/>
                 </a:solidFill>
               </a14:hiddenFill>
             </a:ext>
-            <a:ext uri="{91240B29-F687-4f45-9708-019B960494DF}">
+            <a:ext uri="{91240B29-F687-4F45-9708-019B960494DF}">
               <a14:hiddenLine xmlns:a14="http://schemas.microsoft.com/office/drawing/2010/main" w="9525">
                 <a:solidFill>
                   <a:srgbClr val="000000"/>
@@ -15315,11 +14619,11 @@
             </a:lvl9pPr>
           </a:lstStyle>
           <a:p>
-            <a:fld id="{376E2BC1-237F-5A45-9BD3-5D024AF7549D}" type="datetime1">
+            <a:fld id="{46E677F5-7A19-D846-BFD0-C59BADA912DA}" type="datetime1">
               <a:rPr lang="en-US" sz="1200" smtClean="0">
                 <a:latin typeface="Garamond" charset="0"/>
               </a:rPr>
-              <a:t>10/20/16</a:t>
+              <a:t>10/24/2016</a:t>
             </a:fld>
             <a:endParaRPr lang="en-US" sz="1200">
               <a:latin typeface="Garamond" charset="0"/>
@@ -15329,7 +14633,7 @@
       </p:sp>
       <p:sp>
         <p:nvSpPr>
-          <p:cNvPr id="6" name="Footer Placeholder 4"/>
+          <p:cNvPr id="5" name="Footer Placeholder 4"/>
           <p:cNvSpPr>
             <a:spLocks noGrp="1"/>
           </p:cNvSpPr>
@@ -15355,7 +14659,7 @@
       </p:sp>
       <p:sp>
         <p:nvSpPr>
-          <p:cNvPr id="20486" name="Slide Number Placeholder 5"/>
+          <p:cNvPr id="21510" name="Slide Number Placeholder 5"/>
           <p:cNvSpPr>
             <a:spLocks noGrp="1"/>
           </p:cNvSpPr>
@@ -15367,14 +14671,14 @@
           <a:noFill/>
           <a:ln/>
           <a:extLst>
-            <a:ext uri="{909E8E84-426E-40dd-AFC4-6F175D3DCCD1}">
+            <a:ext uri="{909E8E84-426E-40DD-AFC4-6F175D3DCCD1}">
               <a14:hiddenFill xmlns:a14="http://schemas.microsoft.com/office/drawing/2010/main">
                 <a:solidFill>
                   <a:srgbClr val="FFFFFF"/>
                 </a:solidFill>
               </a14:hiddenFill>
             </a:ext>
-            <a:ext uri="{91240B29-F687-4f45-9708-019B960494DF}">
+            <a:ext uri="{91240B29-F687-4F45-9708-019B960494DF}">
               <a14:hiddenLine xmlns:a14="http://schemas.microsoft.com/office/drawing/2010/main" w="9525">
                 <a:solidFill>
                   <a:srgbClr val="000000"/>
@@ -15477,7 +14781,7 @@
             </a:lvl9pPr>
           </a:lstStyle>
           <a:p>
-            <a:fld id="{44F466BF-4C10-E649-95B2-17944D082914}" type="slidenum">
+            <a:fld id="{9AE34BDE-6F75-9E4D-B76E-0929CFA0641D}" type="slidenum">
               <a:rPr lang="en-US" sz="1200">
                 <a:latin typeface="Garamond" charset="0"/>
               </a:rPr>
@@ -15498,7 +14802,7 @@
   <p:timing>
     <p:tnLst>
       <p:par>
-        <p:cTn xmlns:p14="http://schemas.microsoft.com/office/powerpoint/2010/main" id="1" dur="indefinite" restart="never" nodeType="tmRoot"/>
+        <p:cTn id="1" dur="indefinite" restart="never" nodeType="tmRoot"/>
       </p:par>
     </p:tnLst>
   </p:timing>
@@ -15524,9 +14828,9 @@
       </p:grpSpPr>
       <p:sp>
         <p:nvSpPr>
-          <p:cNvPr id="21506" name="Rectangle 2"/>
-          <p:cNvSpPr>
-            <a:spLocks noGrp="1" noChangeArrowheads="1"/>
+          <p:cNvPr id="23554" name="Title 1"/>
+          <p:cNvSpPr>
+            <a:spLocks noGrp="1"/>
           </p:cNvSpPr>
           <p:nvPr>
             <p:ph type="title"/>
@@ -15541,19 +14845,19 @@
               <a:rPr lang="en-US">
                 <a:latin typeface="Garamond" charset="0"/>
               </a:rPr>
-              <a:t>Banking</a:t>
-            </a:r>
-          </a:p>
-        </p:txBody>
-      </p:sp>
-      <p:sp>
-        <p:nvSpPr>
-          <p:cNvPr id="21507" name="Rectangle 3"/>
-          <p:cNvSpPr>
-            <a:spLocks noGrp="1" noChangeArrowheads="1"/>
-          </p:cNvSpPr>
-          <p:nvPr>
-            <p:ph type="body" idx="1"/>
+              <a:t>Final notes</a:t>
+            </a:r>
+          </a:p>
+        </p:txBody>
+      </p:sp>
+      <p:sp>
+        <p:nvSpPr>
+          <p:cNvPr id="23555" name="Content Placeholder 2"/>
+          <p:cNvSpPr>
+            <a:spLocks noGrp="1"/>
+          </p:cNvSpPr>
+          <p:nvPr>
+            <p:ph idx="1"/>
           </p:nvPr>
         </p:nvSpPr>
         <p:spPr/>
@@ -15562,78 +14866,64 @@
           <a:lstStyle/>
           <a:p>
             <a:r>
+              <a:rPr lang="en-US" dirty="0">
+                <a:latin typeface="Arial" charset="0"/>
+              </a:rPr>
+              <a:t>Next time: </a:t>
+            </a:r>
+          </a:p>
+          <a:p>
+            <a:pPr lvl="1"/>
+            <a:r>
+              <a:rPr lang="en-US" dirty="0">
+                <a:latin typeface="Arial" charset="0"/>
+              </a:rPr>
+              <a:t>Start discussing PIC instruction set</a:t>
+            </a:r>
+          </a:p>
+          <a:p>
+            <a:r>
+              <a:rPr lang="en-US" dirty="0">
+                <a:latin typeface="Arial" charset="0"/>
+              </a:rPr>
+              <a:t>Reminders:</a:t>
+            </a:r>
+          </a:p>
+          <a:p>
+            <a:pPr lvl="1"/>
+            <a:r>
+              <a:rPr lang="en-US" dirty="0">
+                <a:latin typeface="Arial" charset="0"/>
+              </a:rPr>
+              <a:t>HW 5 due 2:00 PM, 10/</a:t>
+            </a:r>
+            <a:r>
+              <a:rPr lang="en-US" dirty="0" smtClean="0">
+                <a:latin typeface="Arial" charset="0"/>
+              </a:rPr>
+              <a:t>26</a:t>
+            </a:r>
+          </a:p>
+          <a:p>
+            <a:pPr lvl="1"/>
+            <a:r>
               <a:rPr lang="en-US">
                 <a:latin typeface="Arial" charset="0"/>
               </a:rPr>
-              <a:t>Data memory is partitioned into banks</a:t>
-            </a:r>
-          </a:p>
-          <a:p>
-            <a:r>
-              <a:rPr lang="en-US">
-                <a:latin typeface="Arial" charset="0"/>
-              </a:rPr>
-              <a:t>In this PIC family, each bank holds 128 bytes (max offset = 7Fh)</a:t>
+              <a:t>Advising period starts today</a:t>
             </a:r>
           </a:p>
           <a:p>
             <a:pPr lvl="1"/>
-            <a:r>
-              <a:rPr lang="en-US">
-                <a:latin typeface="Arial" charset="0"/>
-              </a:rPr>
-              <a:t>16F1829 has 32 banks (bank 0-bank 31)</a:t>
-            </a:r>
-          </a:p>
-          <a:p>
-            <a:pPr lvl="1"/>
-            <a:r>
-              <a:rPr lang="en-US">
-                <a:latin typeface="Arial" charset="0"/>
-              </a:rPr>
-              <a:t>Total data memory: 32 * 128 = 4096 = 4 KB</a:t>
-            </a:r>
-          </a:p>
-          <a:p>
-            <a:r>
-              <a:rPr lang="en-US">
-                <a:latin typeface="Arial" charset="0"/>
-              </a:rPr>
-              <a:t>Overall data memory address: 12 bits</a:t>
-            </a:r>
-          </a:p>
-          <a:p>
-            <a:pPr lvl="1"/>
-            <a:r>
-              <a:rPr lang="en-US">
-                <a:latin typeface="Arial" charset="0"/>
-              </a:rPr>
-              <a:t>Upper 5 bits: bits 4:0 from BSR (bank select)</a:t>
-            </a:r>
-          </a:p>
-          <a:p>
-            <a:pPr lvl="2"/>
-            <a:r>
-              <a:rPr lang="en-US">
-                <a:latin typeface="Arial" charset="0"/>
-              </a:rPr>
-              <a:t>To switch banks, simply write new bank number to BSR</a:t>
-            </a:r>
-          </a:p>
-          <a:p>
-            <a:pPr lvl="1"/>
-            <a:r>
-              <a:rPr lang="en-US">
-                <a:latin typeface="Arial" charset="0"/>
-              </a:rPr>
-              <a:t>Lower 7 bits: bits 6:0 from instruction</a:t>
-            </a:r>
-          </a:p>
-        </p:txBody>
-      </p:sp>
-      <p:sp>
-        <p:nvSpPr>
-          <p:cNvPr id="21508" name="Date Placeholder 1"/>
+            <a:endParaRPr lang="en-US" dirty="0">
+              <a:latin typeface="Arial" charset="0"/>
+            </a:endParaRPr>
+          </a:p>
+        </p:txBody>
+      </p:sp>
+      <p:sp>
+        <p:nvSpPr>
+          <p:cNvPr id="23556" name="Date Placeholder 3"/>
           <p:cNvSpPr>
             <a:spLocks noGrp="1"/>
           </p:cNvSpPr>
@@ -15645,14 +14935,14 @@
           <a:noFill/>
           <a:ln/>
           <a:extLst>
-            <a:ext uri="{909E8E84-426E-40dd-AFC4-6F175D3DCCD1}">
+            <a:ext uri="{909E8E84-426E-40DD-AFC4-6F175D3DCCD1}">
               <a14:hiddenFill xmlns:a14="http://schemas.microsoft.com/office/drawing/2010/main">
                 <a:solidFill>
                   <a:srgbClr val="FFFFFF"/>
                 </a:solidFill>
               </a14:hiddenFill>
             </a:ext>
-            <a:ext uri="{91240B29-F687-4f45-9708-019B960494DF}">
+            <a:ext uri="{91240B29-F687-4F45-9708-019B960494DF}">
               <a14:hiddenLine xmlns:a14="http://schemas.microsoft.com/office/drawing/2010/main" w="9525">
                 <a:solidFill>
                   <a:srgbClr val="000000"/>
@@ -15755,11 +15045,11 @@
             </a:lvl9pPr>
           </a:lstStyle>
           <a:p>
-            <a:fld id="{46E677F5-7A19-D846-BFD0-C59BADA912DA}" type="datetime1">
+            <a:fld id="{F80125BF-DBBB-1444-815E-82BBB3B68F19}" type="datetime1">
               <a:rPr lang="en-US" sz="1200" smtClean="0">
                 <a:latin typeface="Garamond" charset="0"/>
               </a:rPr>
-              <a:t>10/20/16</a:t>
+              <a:t>10/24/2016</a:t>
             </a:fld>
             <a:endParaRPr lang="en-US" sz="1200">
               <a:latin typeface="Garamond" charset="0"/>
@@ -15786,16 +15076,16 @@
               <a:defRPr/>
             </a:pPr>
             <a:r>
-              <a:rPr lang="en-US" smtClean="0"/>
+              <a:rPr lang="en-US" altLang="en-US" smtClean="0"/>
               <a:t>Microprocessors I: Lecture 19</a:t>
             </a:r>
-            <a:endParaRPr lang="en-US"/>
-          </a:p>
-        </p:txBody>
-      </p:sp>
-      <p:sp>
-        <p:nvSpPr>
-          <p:cNvPr id="21510" name="Slide Number Placeholder 5"/>
+            <a:endParaRPr lang="en-US" altLang="en-US"/>
+          </a:p>
+        </p:txBody>
+      </p:sp>
+      <p:sp>
+        <p:nvSpPr>
+          <p:cNvPr id="23558" name="Slide Number Placeholder 5"/>
           <p:cNvSpPr>
             <a:spLocks noGrp="1"/>
           </p:cNvSpPr>
@@ -15807,14 +15097,14 @@
           <a:noFill/>
           <a:ln/>
           <a:extLst>
-            <a:ext uri="{909E8E84-426E-40dd-AFC4-6F175D3DCCD1}">
+            <a:ext uri="{909E8E84-426E-40DD-AFC4-6F175D3DCCD1}">
               <a14:hiddenFill xmlns:a14="http://schemas.microsoft.com/office/drawing/2010/main">
                 <a:solidFill>
                   <a:srgbClr val="FFFFFF"/>
                 </a:solidFill>
               </a14:hiddenFill>
             </a:ext>
-            <a:ext uri="{91240B29-F687-4f45-9708-019B960494DF}">
+            <a:ext uri="{91240B29-F687-4F45-9708-019B960494DF}">
               <a14:hiddenLine xmlns:a14="http://schemas.microsoft.com/office/drawing/2010/main" w="9525">
                 <a:solidFill>
                   <a:srgbClr val="000000"/>
@@ -15917,7 +15207,7 @@
             </a:lvl9pPr>
           </a:lstStyle>
           <a:p>
-            <a:fld id="{9AE34BDE-6F75-9E4D-B76E-0929CFA0641D}" type="slidenum">
+            <a:fld id="{0FFE9541-42E4-234F-8509-01C1C4C942AB}" type="slidenum">
               <a:rPr lang="en-US" sz="1200">
                 <a:latin typeface="Garamond" charset="0"/>
               </a:rPr>
@@ -15938,433 +15228,7 @@
   <p:timing>
     <p:tnLst>
       <p:par>
-        <p:cTn xmlns:p14="http://schemas.microsoft.com/office/powerpoint/2010/main" id="1" dur="indefinite" restart="never" nodeType="tmRoot"/>
-      </p:par>
-    </p:tnLst>
-  </p:timing>
-</p:sld>
-</file>
-
-<file path=ppt/slides/slide19.xml><?xml version="1.0" encoding="utf-8"?>
-<p:sld xmlns:a="http://schemas.openxmlformats.org/drawingml/2006/main" xmlns:r="http://schemas.openxmlformats.org/officeDocument/2006/relationships" xmlns:p="http://schemas.openxmlformats.org/presentationml/2006/main">
-  <p:cSld>
-    <p:spTree>
-      <p:nvGrpSpPr>
-        <p:cNvPr id="1" name=""/>
-        <p:cNvGrpSpPr/>
-        <p:nvPr/>
-      </p:nvGrpSpPr>
-      <p:grpSpPr>
-        <a:xfrm>
-          <a:off x="0" y="0"/>
-          <a:ext cx="0" cy="0"/>
-          <a:chOff x="0" y="0"/>
-          <a:chExt cx="0" cy="0"/>
-        </a:xfrm>
-      </p:grpSpPr>
-      <p:sp>
-        <p:nvSpPr>
-          <p:cNvPr id="23554" name="Title 1"/>
-          <p:cNvSpPr>
-            <a:spLocks noGrp="1"/>
-          </p:cNvSpPr>
-          <p:nvPr>
-            <p:ph type="title"/>
-          </p:nvPr>
-        </p:nvSpPr>
-        <p:spPr/>
-        <p:txBody>
-          <a:bodyPr/>
-          <a:lstStyle/>
-          <a:p>
-            <a:r>
-              <a:rPr lang="en-US">
-                <a:latin typeface="Garamond" charset="0"/>
-              </a:rPr>
-              <a:t>Final notes</a:t>
-            </a:r>
-          </a:p>
-        </p:txBody>
-      </p:sp>
-      <p:sp>
-        <p:nvSpPr>
-          <p:cNvPr id="23555" name="Content Placeholder 2"/>
-          <p:cNvSpPr>
-            <a:spLocks noGrp="1"/>
-          </p:cNvSpPr>
-          <p:nvPr>
-            <p:ph idx="1"/>
-          </p:nvPr>
-        </p:nvSpPr>
-        <p:spPr/>
-        <p:txBody>
-          <a:bodyPr/>
-          <a:lstStyle/>
-          <a:p>
-            <a:r>
-              <a:rPr lang="en-US" dirty="0">
-                <a:latin typeface="Arial" charset="0"/>
-              </a:rPr>
-              <a:t>Next time: </a:t>
-            </a:r>
-          </a:p>
-          <a:p>
-            <a:pPr lvl="1"/>
-            <a:r>
-              <a:rPr lang="en-US" dirty="0">
-                <a:latin typeface="Arial" charset="0"/>
-              </a:rPr>
-              <a:t>Start discussing PIC instruction set</a:t>
-            </a:r>
-          </a:p>
-          <a:p>
-            <a:r>
-              <a:rPr lang="en-US" dirty="0">
-                <a:latin typeface="Arial" charset="0"/>
-              </a:rPr>
-              <a:t>Reminders:</a:t>
-            </a:r>
-          </a:p>
-          <a:p>
-            <a:pPr lvl="1"/>
-            <a:r>
-              <a:rPr lang="en-US" dirty="0">
-                <a:latin typeface="Arial" charset="0"/>
-              </a:rPr>
-              <a:t>HW 5 due 2:00 PM, 10/</a:t>
-            </a:r>
-            <a:r>
-              <a:rPr lang="en-US" dirty="0" smtClean="0">
-                <a:latin typeface="Arial" charset="0"/>
-              </a:rPr>
-              <a:t>26</a:t>
-            </a:r>
-          </a:p>
-          <a:p>
-            <a:pPr lvl="1"/>
-            <a:r>
-              <a:rPr lang="en-US">
-                <a:latin typeface="Arial" charset="0"/>
-              </a:rPr>
-              <a:t>Advising period starts today</a:t>
-            </a:r>
-          </a:p>
-          <a:p>
-            <a:pPr lvl="1"/>
-            <a:endParaRPr lang="en-US" dirty="0">
-              <a:latin typeface="Arial" charset="0"/>
-            </a:endParaRPr>
-          </a:p>
-        </p:txBody>
-      </p:sp>
-      <p:sp>
-        <p:nvSpPr>
-          <p:cNvPr id="23556" name="Date Placeholder 3"/>
-          <p:cNvSpPr>
-            <a:spLocks noGrp="1"/>
-          </p:cNvSpPr>
-          <p:nvPr>
-            <p:ph type="dt" sz="quarter" idx="10"/>
-          </p:nvPr>
-        </p:nvSpPr>
-        <p:spPr>
-          <a:noFill/>
-          <a:ln/>
-          <a:extLst>
-            <a:ext uri="{909E8E84-426E-40dd-AFC4-6F175D3DCCD1}">
-              <a14:hiddenFill xmlns:a14="http://schemas.microsoft.com/office/drawing/2010/main">
-                <a:solidFill>
-                  <a:srgbClr val="FFFFFF"/>
-                </a:solidFill>
-              </a14:hiddenFill>
-            </a:ext>
-            <a:ext uri="{91240B29-F687-4f45-9708-019B960494DF}">
-              <a14:hiddenLine xmlns:a14="http://schemas.microsoft.com/office/drawing/2010/main" w="9525">
-                <a:solidFill>
-                  <a:srgbClr val="000000"/>
-                </a:solidFill>
-                <a:miter lim="800000"/>
-                <a:headEnd/>
-                <a:tailEnd/>
-              </a14:hiddenLine>
-            </a:ext>
-          </a:extLst>
-        </p:spPr>
-        <p:txBody>
-          <a:bodyPr/>
-          <a:lstStyle>
-            <a:lvl1pPr>
-              <a:defRPr sz="3000">
-                <a:solidFill>
-                  <a:schemeClr val="tx1"/>
-                </a:solidFill>
-                <a:latin typeface="Arial" charset="0"/>
-                <a:ea typeface="ＭＳ Ｐゴシック" charset="0"/>
-                <a:cs typeface="ＭＳ Ｐゴシック" charset="0"/>
-              </a:defRPr>
-            </a:lvl1pPr>
-            <a:lvl2pPr marL="742950" indent="-285750">
-              <a:defRPr sz="2600">
-                <a:solidFill>
-                  <a:schemeClr val="tx1"/>
-                </a:solidFill>
-                <a:latin typeface="Arial" charset="0"/>
-                <a:ea typeface="ＭＳ Ｐゴシック" charset="0"/>
-              </a:defRPr>
-            </a:lvl2pPr>
-            <a:lvl3pPr marL="1143000" indent="-228600">
-              <a:defRPr sz="2200">
-                <a:solidFill>
-                  <a:schemeClr val="tx1"/>
-                </a:solidFill>
-                <a:latin typeface="Arial" charset="0"/>
-                <a:ea typeface="ＭＳ Ｐゴシック" charset="0"/>
-              </a:defRPr>
-            </a:lvl3pPr>
-            <a:lvl4pPr marL="1600200" indent="-228600">
-              <a:defRPr sz="2000">
-                <a:solidFill>
-                  <a:schemeClr val="tx1"/>
-                </a:solidFill>
-                <a:latin typeface="Arial" charset="0"/>
-                <a:ea typeface="ＭＳ Ｐゴシック" charset="0"/>
-              </a:defRPr>
-            </a:lvl4pPr>
-            <a:lvl5pPr marL="2057400" indent="-228600">
-              <a:defRPr sz="2000">
-                <a:solidFill>
-                  <a:schemeClr val="tx1"/>
-                </a:solidFill>
-                <a:latin typeface="Arial" charset="0"/>
-                <a:ea typeface="ＭＳ Ｐゴシック" charset="0"/>
-              </a:defRPr>
-            </a:lvl5pPr>
-            <a:lvl6pPr marL="2514600" indent="-228600" eaLnBrk="0" hangingPunct="0">
-              <a:buFont typeface="Wingdings" charset="0"/>
-              <a:defRPr sz="2000">
-                <a:solidFill>
-                  <a:schemeClr val="tx1"/>
-                </a:solidFill>
-                <a:latin typeface="Arial" charset="0"/>
-                <a:ea typeface="ＭＳ Ｐゴシック" charset="0"/>
-              </a:defRPr>
-            </a:lvl6pPr>
-            <a:lvl7pPr marL="2971800" indent="-228600" eaLnBrk="0" hangingPunct="0">
-              <a:buFont typeface="Wingdings" charset="0"/>
-              <a:defRPr sz="2000">
-                <a:solidFill>
-                  <a:schemeClr val="tx1"/>
-                </a:solidFill>
-                <a:latin typeface="Arial" charset="0"/>
-                <a:ea typeface="ＭＳ Ｐゴシック" charset="0"/>
-              </a:defRPr>
-            </a:lvl7pPr>
-            <a:lvl8pPr marL="3429000" indent="-228600" eaLnBrk="0" hangingPunct="0">
-              <a:buFont typeface="Wingdings" charset="0"/>
-              <a:defRPr sz="2000">
-                <a:solidFill>
-                  <a:schemeClr val="tx1"/>
-                </a:solidFill>
-                <a:latin typeface="Arial" charset="0"/>
-                <a:ea typeface="ＭＳ Ｐゴシック" charset="0"/>
-              </a:defRPr>
-            </a:lvl8pPr>
-            <a:lvl9pPr marL="3886200" indent="-228600" eaLnBrk="0" hangingPunct="0">
-              <a:buFont typeface="Wingdings" charset="0"/>
-              <a:defRPr sz="2000">
-                <a:solidFill>
-                  <a:schemeClr val="tx1"/>
-                </a:solidFill>
-                <a:latin typeface="Arial" charset="0"/>
-                <a:ea typeface="ＭＳ Ｐゴシック" charset="0"/>
-              </a:defRPr>
-            </a:lvl9pPr>
-          </a:lstStyle>
-          <a:p>
-            <a:fld id="{F80125BF-DBBB-1444-815E-82BBB3B68F19}" type="datetime1">
-              <a:rPr lang="en-US" sz="1200" smtClean="0">
-                <a:latin typeface="Garamond" charset="0"/>
-              </a:rPr>
-              <a:t>10/20/16</a:t>
-            </a:fld>
-            <a:endParaRPr lang="en-US" sz="1200">
-              <a:latin typeface="Garamond" charset="0"/>
-            </a:endParaRPr>
-          </a:p>
-        </p:txBody>
-      </p:sp>
-      <p:sp>
-        <p:nvSpPr>
-          <p:cNvPr id="5" name="Footer Placeholder 4"/>
-          <p:cNvSpPr>
-            <a:spLocks noGrp="1"/>
-          </p:cNvSpPr>
-          <p:nvPr>
-            <p:ph type="ftr" sz="quarter" idx="11"/>
-          </p:nvPr>
-        </p:nvSpPr>
-        <p:spPr/>
-        <p:txBody>
-          <a:bodyPr/>
-          <a:lstStyle/>
-          <a:p>
-            <a:pPr>
-              <a:defRPr/>
-            </a:pPr>
-            <a:r>
-              <a:rPr lang="en-US" altLang="en-US" smtClean="0"/>
-              <a:t>Microprocessors I: Lecture 19</a:t>
-            </a:r>
-            <a:endParaRPr lang="en-US" altLang="en-US"/>
-          </a:p>
-        </p:txBody>
-      </p:sp>
-      <p:sp>
-        <p:nvSpPr>
-          <p:cNvPr id="23558" name="Slide Number Placeholder 5"/>
-          <p:cNvSpPr>
-            <a:spLocks noGrp="1"/>
-          </p:cNvSpPr>
-          <p:nvPr>
-            <p:ph type="sldNum" sz="quarter" idx="12"/>
-          </p:nvPr>
-        </p:nvSpPr>
-        <p:spPr>
-          <a:noFill/>
-          <a:ln/>
-          <a:extLst>
-            <a:ext uri="{909E8E84-426E-40dd-AFC4-6F175D3DCCD1}">
-              <a14:hiddenFill xmlns:a14="http://schemas.microsoft.com/office/drawing/2010/main">
-                <a:solidFill>
-                  <a:srgbClr val="FFFFFF"/>
-                </a:solidFill>
-              </a14:hiddenFill>
-            </a:ext>
-            <a:ext uri="{91240B29-F687-4f45-9708-019B960494DF}">
-              <a14:hiddenLine xmlns:a14="http://schemas.microsoft.com/office/drawing/2010/main" w="9525">
-                <a:solidFill>
-                  <a:srgbClr val="000000"/>
-                </a:solidFill>
-                <a:miter lim="800000"/>
-                <a:headEnd/>
-                <a:tailEnd/>
-              </a14:hiddenLine>
-            </a:ext>
-          </a:extLst>
-        </p:spPr>
-        <p:txBody>
-          <a:bodyPr/>
-          <a:lstStyle>
-            <a:lvl1pPr>
-              <a:defRPr sz="3000">
-                <a:solidFill>
-                  <a:schemeClr val="tx1"/>
-                </a:solidFill>
-                <a:latin typeface="Arial" charset="0"/>
-                <a:ea typeface="ＭＳ Ｐゴシック" charset="0"/>
-                <a:cs typeface="ＭＳ Ｐゴシック" charset="0"/>
-              </a:defRPr>
-            </a:lvl1pPr>
-            <a:lvl2pPr marL="742950" indent="-285750">
-              <a:defRPr sz="2600">
-                <a:solidFill>
-                  <a:schemeClr val="tx1"/>
-                </a:solidFill>
-                <a:latin typeface="Arial" charset="0"/>
-                <a:ea typeface="ＭＳ Ｐゴシック" charset="0"/>
-              </a:defRPr>
-            </a:lvl2pPr>
-            <a:lvl3pPr marL="1143000" indent="-228600">
-              <a:defRPr sz="2200">
-                <a:solidFill>
-                  <a:schemeClr val="tx1"/>
-                </a:solidFill>
-                <a:latin typeface="Arial" charset="0"/>
-                <a:ea typeface="ＭＳ Ｐゴシック" charset="0"/>
-              </a:defRPr>
-            </a:lvl3pPr>
-            <a:lvl4pPr marL="1600200" indent="-228600">
-              <a:defRPr sz="2000">
-                <a:solidFill>
-                  <a:schemeClr val="tx1"/>
-                </a:solidFill>
-                <a:latin typeface="Arial" charset="0"/>
-                <a:ea typeface="ＭＳ Ｐゴシック" charset="0"/>
-              </a:defRPr>
-            </a:lvl4pPr>
-            <a:lvl5pPr marL="2057400" indent="-228600">
-              <a:defRPr sz="2000">
-                <a:solidFill>
-                  <a:schemeClr val="tx1"/>
-                </a:solidFill>
-                <a:latin typeface="Arial" charset="0"/>
-                <a:ea typeface="ＭＳ Ｐゴシック" charset="0"/>
-              </a:defRPr>
-            </a:lvl5pPr>
-            <a:lvl6pPr marL="2514600" indent="-228600" eaLnBrk="0" hangingPunct="0">
-              <a:buFont typeface="Wingdings" charset="0"/>
-              <a:defRPr sz="2000">
-                <a:solidFill>
-                  <a:schemeClr val="tx1"/>
-                </a:solidFill>
-                <a:latin typeface="Arial" charset="0"/>
-                <a:ea typeface="ＭＳ Ｐゴシック" charset="0"/>
-              </a:defRPr>
-            </a:lvl6pPr>
-            <a:lvl7pPr marL="2971800" indent="-228600" eaLnBrk="0" hangingPunct="0">
-              <a:buFont typeface="Wingdings" charset="0"/>
-              <a:defRPr sz="2000">
-                <a:solidFill>
-                  <a:schemeClr val="tx1"/>
-                </a:solidFill>
-                <a:latin typeface="Arial" charset="0"/>
-                <a:ea typeface="ＭＳ Ｐゴシック" charset="0"/>
-              </a:defRPr>
-            </a:lvl7pPr>
-            <a:lvl8pPr marL="3429000" indent="-228600" eaLnBrk="0" hangingPunct="0">
-              <a:buFont typeface="Wingdings" charset="0"/>
-              <a:defRPr sz="2000">
-                <a:solidFill>
-                  <a:schemeClr val="tx1"/>
-                </a:solidFill>
-                <a:latin typeface="Arial" charset="0"/>
-                <a:ea typeface="ＭＳ Ｐゴシック" charset="0"/>
-              </a:defRPr>
-            </a:lvl8pPr>
-            <a:lvl9pPr marL="3886200" indent="-228600" eaLnBrk="0" hangingPunct="0">
-              <a:buFont typeface="Wingdings" charset="0"/>
-              <a:defRPr sz="2000">
-                <a:solidFill>
-                  <a:schemeClr val="tx1"/>
-                </a:solidFill>
-                <a:latin typeface="Arial" charset="0"/>
-                <a:ea typeface="ＭＳ Ｐゴシック" charset="0"/>
-              </a:defRPr>
-            </a:lvl9pPr>
-          </a:lstStyle>
-          <a:p>
-            <a:fld id="{0FFE9541-42E4-234F-8509-01C1C4C942AB}" type="slidenum">
-              <a:rPr lang="en-US" sz="1200">
-                <a:latin typeface="Garamond" charset="0"/>
-              </a:rPr>
-              <a:pPr/>
-              <a:t>19</a:t>
-            </a:fld>
-            <a:endParaRPr lang="en-US" sz="1200">
-              <a:latin typeface="Garamond" charset="0"/>
-            </a:endParaRPr>
-          </a:p>
-        </p:txBody>
-      </p:sp>
-    </p:spTree>
-  </p:cSld>
-  <p:clrMapOvr>
-    <a:masterClrMapping/>
-  </p:clrMapOvr>
-  <p:timing>
-    <p:tnLst>
-      <p:par>
-        <p:cTn xmlns:p14="http://schemas.microsoft.com/office/powerpoint/2010/main" id="1" dur="indefinite" restart="never" nodeType="tmRoot"/>
+        <p:cTn id="1" dur="indefinite" restart="never" nodeType="tmRoot"/>
       </p:par>
     </p:tnLst>
   </p:timing>
@@ -16440,14 +15304,35 @@
               <a:rPr lang="en-US" dirty="0" smtClean="0">
                 <a:latin typeface="Arial" charset="0"/>
               </a:rPr>
-              <a:t>HW 5 due 2:00 PM, 10/</a:t>
+              <a:t>HW 5 due 2:00 PM, </a:t>
             </a:r>
             <a:r>
               <a:rPr lang="en-US" dirty="0" smtClean="0">
                 <a:latin typeface="Arial" charset="0"/>
               </a:rPr>
-              <a:t>26</a:t>
-            </a:r>
+              <a:t>10/26</a:t>
+            </a:r>
+          </a:p>
+          <a:p>
+            <a:pPr lvl="1"/>
+            <a:r>
+              <a:rPr lang="en-US" dirty="0" smtClean="0">
+                <a:latin typeface="Arial" charset="0"/>
+              </a:rPr>
+              <a:t>HW 6 to be posted; due 11/2</a:t>
+            </a:r>
+          </a:p>
+          <a:p>
+            <a:pPr lvl="1"/>
+            <a:r>
+              <a:rPr lang="en-US" dirty="0" smtClean="0">
+                <a:latin typeface="Arial" charset="0"/>
+              </a:rPr>
+              <a:t>Exam 2: 11/4, not 11/2</a:t>
+            </a:r>
+            <a:endParaRPr lang="en-US" dirty="0" smtClean="0">
+              <a:latin typeface="Arial" charset="0"/>
+            </a:endParaRPr>
           </a:p>
           <a:p>
             <a:pPr lvl="1"/>
@@ -16506,14 +15391,14 @@
           <a:noFill/>
           <a:ln/>
           <a:extLst>
-            <a:ext uri="{909E8E84-426E-40dd-AFC4-6F175D3DCCD1}">
+            <a:ext uri="{909E8E84-426E-40DD-AFC4-6F175D3DCCD1}">
               <a14:hiddenFill xmlns:a14="http://schemas.microsoft.com/office/drawing/2010/main">
                 <a:solidFill>
                   <a:srgbClr val="FFFFFF"/>
                 </a:solidFill>
               </a14:hiddenFill>
             </a:ext>
-            <a:ext uri="{91240B29-F687-4f45-9708-019B960494DF}">
+            <a:ext uri="{91240B29-F687-4F45-9708-019B960494DF}">
               <a14:hiddenLine xmlns:a14="http://schemas.microsoft.com/office/drawing/2010/main" w="9525">
                 <a:solidFill>
                   <a:srgbClr val="000000"/>
@@ -16620,7 +15505,7 @@
               <a:rPr lang="en-US" sz="1200" smtClean="0">
                 <a:latin typeface="Garamond" charset="0"/>
               </a:rPr>
-              <a:t>10/20/16</a:t>
+              <a:t>10/24/2016</a:t>
             </a:fld>
             <a:endParaRPr lang="en-US" sz="1200">
               <a:latin typeface="Garamond" charset="0"/>
@@ -16668,14 +15553,14 @@
           <a:noFill/>
           <a:ln/>
           <a:extLst>
-            <a:ext uri="{909E8E84-426E-40dd-AFC4-6F175D3DCCD1}">
+            <a:ext uri="{909E8E84-426E-40DD-AFC4-6F175D3DCCD1}">
               <a14:hiddenFill xmlns:a14="http://schemas.microsoft.com/office/drawing/2010/main">
                 <a:solidFill>
                   <a:srgbClr val="FFFFFF"/>
                 </a:solidFill>
               </a14:hiddenFill>
             </a:ext>
-            <a:ext uri="{91240B29-F687-4f45-9708-019B960494DF}">
+            <a:ext uri="{91240B29-F687-4F45-9708-019B960494DF}">
               <a14:hiddenLine xmlns:a14="http://schemas.microsoft.com/office/drawing/2010/main" w="9525">
                 <a:solidFill>
                   <a:srgbClr val="000000"/>
@@ -16799,7 +15684,7 @@
   <p:timing>
     <p:tnLst>
       <p:par>
-        <p:cTn xmlns:p14="http://schemas.microsoft.com/office/powerpoint/2010/main" id="1" dur="indefinite" restart="never" nodeType="tmRoot"/>
+        <p:cTn id="1" dur="indefinite" restart="never" nodeType="tmRoot"/>
       </p:par>
     </p:tnLst>
   </p:timing>
@@ -16863,14 +15748,14 @@
           <a:noFill/>
           <a:ln/>
           <a:extLst>
-            <a:ext uri="{909E8E84-426E-40dd-AFC4-6F175D3DCCD1}">
+            <a:ext uri="{909E8E84-426E-40DD-AFC4-6F175D3DCCD1}">
               <a14:hiddenFill xmlns:a14="http://schemas.microsoft.com/office/drawing/2010/main">
                 <a:solidFill>
                   <a:srgbClr val="FFFFFF"/>
                 </a:solidFill>
               </a14:hiddenFill>
             </a:ext>
-            <a:ext uri="{91240B29-F687-4f45-9708-019B960494DF}">
+            <a:ext uri="{91240B29-F687-4F45-9708-019B960494DF}">
               <a14:hiddenLine xmlns:a14="http://schemas.microsoft.com/office/drawing/2010/main" w="9525">
                 <a:solidFill>
                   <a:srgbClr val="000000"/>
@@ -17056,7 +15941,7 @@
           <p:nvPr/>
         </p:nvPicPr>
         <p:blipFill>
-          <a:blip r:embed="rId3">
+          <a:blip r:embed="rId3" cstate="email">
             <a:extLst>
               <a:ext uri="{28A0092B-C50C-407E-A947-70E740481C1C}">
                 <a14:useLocalDpi xmlns:a14="http://schemas.microsoft.com/office/drawing/2010/main" val="0"/>
@@ -17081,14 +15966,14 @@
             <a:noFill/>
           </a:ln>
           <a:extLst>
-            <a:ext uri="{909E8E84-426E-40dd-AFC4-6F175D3DCCD1}">
+            <a:ext uri="{909E8E84-426E-40DD-AFC4-6F175D3DCCD1}">
               <a14:hiddenFill xmlns:a14="http://schemas.microsoft.com/office/drawing/2010/main">
                 <a:solidFill>
                   <a:srgbClr val="FFFFFF"/>
                 </a:solidFill>
               </a14:hiddenFill>
             </a:ext>
-            <a:ext uri="{91240B29-F687-4f45-9708-019B960494DF}">
+            <a:ext uri="{91240B29-F687-4F45-9708-019B960494DF}">
               <a14:hiddenLine xmlns:a14="http://schemas.microsoft.com/office/drawing/2010/main" w="9525">
                 <a:solidFill>
                   <a:srgbClr val="000000"/>
@@ -17123,14 +16008,14 @@
           </a:ln>
           <a:effectLst/>
           <a:extLst>
-            <a:ext uri="{909E8E84-426E-40dd-AFC4-6F175D3DCCD1}">
+            <a:ext uri="{909E8E84-426E-40DD-AFC4-6F175D3DCCD1}">
               <a14:hiddenFill xmlns:a14="http://schemas.microsoft.com/office/drawing/2010/main">
                 <a:solidFill>
                   <a:schemeClr val="accent1"/>
                 </a:solidFill>
               </a14:hiddenFill>
             </a:ext>
-            <a:ext uri="{91240B29-F687-4f45-9708-019B960494DF}">
+            <a:ext uri="{91240B29-F687-4F45-9708-019B960494DF}">
               <a14:hiddenLine xmlns:a14="http://schemas.microsoft.com/office/drawing/2010/main" w="9525">
                 <a:solidFill>
                   <a:schemeClr val="tx1"/>
@@ -17140,7 +16025,7 @@
                 <a:tailEnd/>
               </a14:hiddenLine>
             </a:ext>
-            <a:ext uri="{AF507438-7753-43e0-B8FC-AC1667EBCBE1}">
+            <a:ext uri="{AF507438-7753-43E0-B8FC-AC1667EBCBE1}">
               <a14:hiddenEffects xmlns:a14="http://schemas.microsoft.com/office/drawing/2010/main">
                 <a:effectLst>
                   <a:outerShdw blurRad="63500" dist="38099" dir="2700000" algn="ctr" rotWithShape="0">
@@ -17180,7 +16065,7 @@
           <p:nvPr/>
         </p:nvPicPr>
         <p:blipFill>
-          <a:blip r:embed="rId4">
+          <a:blip r:embed="rId4" cstate="email">
             <a:extLst>
               <a:ext uri="{28A0092B-C50C-407E-A947-70E740481C1C}">
                 <a14:useLocalDpi xmlns:a14="http://schemas.microsoft.com/office/drawing/2010/main" val="0"/>
@@ -17205,14 +16090,14 @@
             <a:noFill/>
           </a:ln>
           <a:extLst>
-            <a:ext uri="{909E8E84-426E-40dd-AFC4-6F175D3DCCD1}">
+            <a:ext uri="{909E8E84-426E-40DD-AFC4-6F175D3DCCD1}">
               <a14:hiddenFill xmlns:a14="http://schemas.microsoft.com/office/drawing/2010/main">
                 <a:solidFill>
                   <a:srgbClr val="FFFFFF"/>
                 </a:solidFill>
               </a14:hiddenFill>
             </a:ext>
-            <a:ext uri="{91240B29-F687-4f45-9708-019B960494DF}">
+            <a:ext uri="{91240B29-F687-4F45-9708-019B960494DF}">
               <a14:hiddenLine xmlns:a14="http://schemas.microsoft.com/office/drawing/2010/main" w="9525">
                 <a:solidFill>
                   <a:srgbClr val="000000"/>
@@ -17239,14 +16124,14 @@
           <a:noFill/>
           <a:ln/>
           <a:extLst>
-            <a:ext uri="{909E8E84-426E-40dd-AFC4-6F175D3DCCD1}">
+            <a:ext uri="{909E8E84-426E-40DD-AFC4-6F175D3DCCD1}">
               <a14:hiddenFill xmlns:a14="http://schemas.microsoft.com/office/drawing/2010/main">
                 <a:solidFill>
                   <a:srgbClr val="FFFFFF"/>
                 </a:solidFill>
               </a14:hiddenFill>
             </a:ext>
-            <a:ext uri="{91240B29-F687-4f45-9708-019B960494DF}">
+            <a:ext uri="{91240B29-F687-4F45-9708-019B960494DF}">
               <a14:hiddenLine xmlns:a14="http://schemas.microsoft.com/office/drawing/2010/main" w="9525">
                 <a:solidFill>
                   <a:srgbClr val="000000"/>
@@ -17353,7 +16238,7 @@
               <a:rPr lang="en-US" sz="1200" smtClean="0">
                 <a:latin typeface="Garamond" charset="0"/>
               </a:rPr>
-              <a:t>10/20/16</a:t>
+              <a:t>10/24/2016</a:t>
             </a:fld>
             <a:endParaRPr lang="en-US" sz="1200">
               <a:latin typeface="Garamond" charset="0"/>
@@ -17369,7 +16254,7 @@
   <p:timing>
     <p:tnLst>
       <p:par>
-        <p:cTn xmlns:p14="http://schemas.microsoft.com/office/powerpoint/2010/main" id="1" dur="indefinite" restart="never" nodeType="tmRoot"/>
+        <p:cTn id="1" dur="indefinite" restart="never" nodeType="tmRoot"/>
       </p:par>
     </p:tnLst>
   </p:timing>
@@ -17620,14 +16505,14 @@
           <a:noFill/>
           <a:ln/>
           <a:extLst>
-            <a:ext uri="{909E8E84-426E-40dd-AFC4-6F175D3DCCD1}">
+            <a:ext uri="{909E8E84-426E-40DD-AFC4-6F175D3DCCD1}">
               <a14:hiddenFill xmlns:a14="http://schemas.microsoft.com/office/drawing/2010/main">
                 <a:solidFill>
                   <a:srgbClr val="FFFFFF"/>
                 </a:solidFill>
               </a14:hiddenFill>
             </a:ext>
-            <a:ext uri="{91240B29-F687-4f45-9708-019B960494DF}">
+            <a:ext uri="{91240B29-F687-4F45-9708-019B960494DF}">
               <a14:hiddenLine xmlns:a14="http://schemas.microsoft.com/office/drawing/2010/main" w="9525">
                 <a:solidFill>
                   <a:srgbClr val="000000"/>
@@ -17734,7 +16619,7 @@
               <a:rPr lang="en-US" sz="1200" smtClean="0">
                 <a:latin typeface="Garamond" charset="0"/>
               </a:rPr>
-              <a:t>10/20/16</a:t>
+              <a:t>10/24/2016</a:t>
             </a:fld>
             <a:endParaRPr lang="en-US" sz="1200">
               <a:latin typeface="Garamond" charset="0"/>
@@ -17782,14 +16667,14 @@
           <a:noFill/>
           <a:ln/>
           <a:extLst>
-            <a:ext uri="{909E8E84-426E-40dd-AFC4-6F175D3DCCD1}">
+            <a:ext uri="{909E8E84-426E-40DD-AFC4-6F175D3DCCD1}">
               <a14:hiddenFill xmlns:a14="http://schemas.microsoft.com/office/drawing/2010/main">
                 <a:solidFill>
                   <a:srgbClr val="FFFFFF"/>
                 </a:solidFill>
               </a14:hiddenFill>
             </a:ext>
-            <a:ext uri="{91240B29-F687-4f45-9708-019B960494DF}">
+            <a:ext uri="{91240B29-F687-4F45-9708-019B960494DF}">
               <a14:hiddenLine xmlns:a14="http://schemas.microsoft.com/office/drawing/2010/main" w="9525">
                 <a:solidFill>
                   <a:srgbClr val="000000"/>
@@ -17913,7 +16798,7 @@
   <p:timing>
     <p:tnLst>
       <p:par>
-        <p:cTn xmlns:p14="http://schemas.microsoft.com/office/powerpoint/2010/main" id="1" dur="indefinite" restart="never" nodeType="tmRoot"/>
+        <p:cTn id="1" dur="indefinite" restart="never" nodeType="tmRoot"/>
       </p:par>
     </p:tnLst>
   </p:timing>
@@ -18144,14 +17029,14 @@
           <a:noFill/>
           <a:ln/>
           <a:extLst>
-            <a:ext uri="{909E8E84-426E-40dd-AFC4-6F175D3DCCD1}">
+            <a:ext uri="{909E8E84-426E-40DD-AFC4-6F175D3DCCD1}">
               <a14:hiddenFill xmlns:a14="http://schemas.microsoft.com/office/drawing/2010/main">
                 <a:solidFill>
                   <a:srgbClr val="FFFFFF"/>
                 </a:solidFill>
               </a14:hiddenFill>
             </a:ext>
-            <a:ext uri="{91240B29-F687-4f45-9708-019B960494DF}">
+            <a:ext uri="{91240B29-F687-4F45-9708-019B960494DF}">
               <a14:hiddenLine xmlns:a14="http://schemas.microsoft.com/office/drawing/2010/main" w="9525">
                 <a:solidFill>
                   <a:srgbClr val="000000"/>
@@ -18258,7 +17143,7 @@
               <a:rPr lang="en-US" sz="1200" smtClean="0">
                 <a:latin typeface="Garamond" charset="0"/>
               </a:rPr>
-              <a:t>10/20/16</a:t>
+              <a:t>10/24/2016</a:t>
             </a:fld>
             <a:endParaRPr lang="en-US" sz="1200">
               <a:latin typeface="Garamond" charset="0"/>
@@ -18306,14 +17191,14 @@
           <a:noFill/>
           <a:ln/>
           <a:extLst>
-            <a:ext uri="{909E8E84-426E-40dd-AFC4-6F175D3DCCD1}">
+            <a:ext uri="{909E8E84-426E-40DD-AFC4-6F175D3DCCD1}">
               <a14:hiddenFill xmlns:a14="http://schemas.microsoft.com/office/drawing/2010/main">
                 <a:solidFill>
                   <a:srgbClr val="FFFFFF"/>
                 </a:solidFill>
               </a14:hiddenFill>
             </a:ext>
-            <a:ext uri="{91240B29-F687-4f45-9708-019B960494DF}">
+            <a:ext uri="{91240B29-F687-4F45-9708-019B960494DF}">
               <a14:hiddenLine xmlns:a14="http://schemas.microsoft.com/office/drawing/2010/main" w="9525">
                 <a:solidFill>
                   <a:srgbClr val="000000"/>
@@ -18437,7 +17322,7 @@
   <p:timing>
     <p:tnLst>
       <p:par>
-        <p:cTn xmlns:p14="http://schemas.microsoft.com/office/powerpoint/2010/main" id="1" dur="indefinite" restart="never" nodeType="tmRoot"/>
+        <p:cTn id="1" dur="indefinite" restart="never" nodeType="tmRoot"/>
       </p:par>
     </p:tnLst>
   </p:timing>
@@ -18707,14 +17592,14 @@
           <a:noFill/>
           <a:ln/>
           <a:extLst>
-            <a:ext uri="{909E8E84-426E-40dd-AFC4-6F175D3DCCD1}">
+            <a:ext uri="{909E8E84-426E-40DD-AFC4-6F175D3DCCD1}">
               <a14:hiddenFill xmlns:a14="http://schemas.microsoft.com/office/drawing/2010/main">
                 <a:solidFill>
                   <a:srgbClr val="FFFFFF"/>
                 </a:solidFill>
               </a14:hiddenFill>
             </a:ext>
-            <a:ext uri="{91240B29-F687-4f45-9708-019B960494DF}">
+            <a:ext uri="{91240B29-F687-4F45-9708-019B960494DF}">
               <a14:hiddenLine xmlns:a14="http://schemas.microsoft.com/office/drawing/2010/main" w="9525">
                 <a:solidFill>
                   <a:srgbClr val="000000"/>
@@ -18821,7 +17706,7 @@
               <a:rPr lang="en-US" sz="1200" smtClean="0">
                 <a:latin typeface="Garamond" charset="0"/>
               </a:rPr>
-              <a:t>10/20/16</a:t>
+              <a:t>10/24/2016</a:t>
             </a:fld>
             <a:endParaRPr lang="en-US" sz="1200">
               <a:latin typeface="Garamond" charset="0"/>
@@ -18869,14 +17754,14 @@
           <a:noFill/>
           <a:ln/>
           <a:extLst>
-            <a:ext uri="{909E8E84-426E-40dd-AFC4-6F175D3DCCD1}">
+            <a:ext uri="{909E8E84-426E-40DD-AFC4-6F175D3DCCD1}">
               <a14:hiddenFill xmlns:a14="http://schemas.microsoft.com/office/drawing/2010/main">
                 <a:solidFill>
                   <a:srgbClr val="FFFFFF"/>
                 </a:solidFill>
               </a14:hiddenFill>
             </a:ext>
-            <a:ext uri="{91240B29-F687-4f45-9708-019B960494DF}">
+            <a:ext uri="{91240B29-F687-4F45-9708-019B960494DF}">
               <a14:hiddenLine xmlns:a14="http://schemas.microsoft.com/office/drawing/2010/main" w="9525">
                 <a:solidFill>
                   <a:srgbClr val="000000"/>
@@ -19000,7 +17885,7 @@
   <p:timing>
     <p:tnLst>
       <p:par>
-        <p:cTn xmlns:p14="http://schemas.microsoft.com/office/powerpoint/2010/main" id="1" dur="indefinite" restart="never" nodeType="tmRoot"/>
+        <p:cTn id="1" dur="indefinite" restart="never" nodeType="tmRoot"/>
       </p:par>
     </p:tnLst>
   </p:timing>
@@ -19260,14 +18145,14 @@
           <a:noFill/>
           <a:ln/>
           <a:extLst>
-            <a:ext uri="{909E8E84-426E-40dd-AFC4-6F175D3DCCD1}">
+            <a:ext uri="{909E8E84-426E-40DD-AFC4-6F175D3DCCD1}">
               <a14:hiddenFill xmlns:a14="http://schemas.microsoft.com/office/drawing/2010/main">
                 <a:solidFill>
                   <a:srgbClr val="FFFFFF"/>
                 </a:solidFill>
               </a14:hiddenFill>
             </a:ext>
-            <a:ext uri="{91240B29-F687-4f45-9708-019B960494DF}">
+            <a:ext uri="{91240B29-F687-4F45-9708-019B960494DF}">
               <a14:hiddenLine xmlns:a14="http://schemas.microsoft.com/office/drawing/2010/main" w="9525">
                 <a:solidFill>
                   <a:srgbClr val="000000"/>
@@ -19374,7 +18259,7 @@
               <a:rPr lang="en-US" sz="1200" smtClean="0">
                 <a:latin typeface="Garamond" charset="0"/>
               </a:rPr>
-              <a:t>10/20/16</a:t>
+              <a:t>10/24/2016</a:t>
             </a:fld>
             <a:endParaRPr lang="en-US" sz="1200">
               <a:latin typeface="Garamond" charset="0"/>
@@ -19422,14 +18307,14 @@
           <a:noFill/>
           <a:ln/>
           <a:extLst>
-            <a:ext uri="{909E8E84-426E-40dd-AFC4-6F175D3DCCD1}">
+            <a:ext uri="{909E8E84-426E-40DD-AFC4-6F175D3DCCD1}">
               <a14:hiddenFill xmlns:a14="http://schemas.microsoft.com/office/drawing/2010/main">
                 <a:solidFill>
                   <a:srgbClr val="FFFFFF"/>
                 </a:solidFill>
               </a14:hiddenFill>
             </a:ext>
-            <a:ext uri="{91240B29-F687-4f45-9708-019B960494DF}">
+            <a:ext uri="{91240B29-F687-4F45-9708-019B960494DF}">
               <a14:hiddenLine xmlns:a14="http://schemas.microsoft.com/office/drawing/2010/main" w="9525">
                 <a:solidFill>
                   <a:srgbClr val="000000"/>
@@ -19553,7 +18438,7 @@
   <p:timing>
     <p:tnLst>
       <p:par>
-        <p:cTn xmlns:p14="http://schemas.microsoft.com/office/powerpoint/2010/main" id="1" dur="indefinite" restart="never" nodeType="tmRoot"/>
+        <p:cTn id="1" dur="indefinite" restart="never" nodeType="tmRoot"/>
       </p:par>
     </p:tnLst>
   </p:timing>
@@ -19617,14 +18502,14 @@
           <a:noFill/>
           <a:ln/>
           <a:extLst>
-            <a:ext uri="{909E8E84-426E-40dd-AFC4-6F175D3DCCD1}">
+            <a:ext uri="{909E8E84-426E-40DD-AFC4-6F175D3DCCD1}">
               <a14:hiddenFill xmlns:a14="http://schemas.microsoft.com/office/drawing/2010/main">
                 <a:solidFill>
                   <a:srgbClr val="FFFFFF"/>
                 </a:solidFill>
               </a14:hiddenFill>
             </a:ext>
-            <a:ext uri="{91240B29-F687-4f45-9708-019B960494DF}">
+            <a:ext uri="{91240B29-F687-4F45-9708-019B960494DF}">
               <a14:hiddenLine xmlns:a14="http://schemas.microsoft.com/office/drawing/2010/main" w="9525">
                 <a:solidFill>
                   <a:srgbClr val="000000"/>
@@ -19778,14 +18663,14 @@
           <a:noFill/>
           <a:ln/>
           <a:extLst>
-            <a:ext uri="{909E8E84-426E-40dd-AFC4-6F175D3DCCD1}">
+            <a:ext uri="{909E8E84-426E-40DD-AFC4-6F175D3DCCD1}">
               <a14:hiddenFill xmlns:a14="http://schemas.microsoft.com/office/drawing/2010/main">
                 <a:solidFill>
                   <a:srgbClr val="FFFFFF"/>
                 </a:solidFill>
               </a14:hiddenFill>
             </a:ext>
-            <a:ext uri="{91240B29-F687-4f45-9708-019B960494DF}">
+            <a:ext uri="{91240B29-F687-4F45-9708-019B960494DF}">
               <a14:hiddenLine xmlns:a14="http://schemas.microsoft.com/office/drawing/2010/main" w="9525">
                 <a:solidFill>
                   <a:srgbClr val="000000"/>
@@ -19892,7 +18777,7 @@
               <a:rPr lang="en-US" sz="1200" smtClean="0">
                 <a:latin typeface="Garamond" charset="0"/>
               </a:rPr>
-              <a:t>10/20/16</a:t>
+              <a:t>10/24/2016</a:t>
             </a:fld>
             <a:endParaRPr lang="en-US" sz="1200">
               <a:latin typeface="Garamond" charset="0"/>
@@ -19934,14 +18819,14 @@
             <a:noFill/>
           </a:ln>
           <a:extLst>
-            <a:ext uri="{909E8E84-426E-40dd-AFC4-6F175D3DCCD1}">
+            <a:ext uri="{909E8E84-426E-40DD-AFC4-6F175D3DCCD1}">
               <a14:hiddenFill xmlns:a14="http://schemas.microsoft.com/office/drawing/2010/main">
                 <a:solidFill>
                   <a:schemeClr val="accent1"/>
                 </a:solidFill>
               </a14:hiddenFill>
             </a:ext>
-            <a:ext uri="{91240B29-F687-4f45-9708-019B960494DF}">
+            <a:ext uri="{91240B29-F687-4F45-9708-019B960494DF}">
               <a14:hiddenLine xmlns:a14="http://schemas.microsoft.com/office/drawing/2010/main" w="9525">
                 <a:solidFill>
                   <a:schemeClr val="tx1"/>
@@ -19962,7 +18847,7 @@
   <p:timing>
     <p:tnLst>
       <p:par>
-        <p:cTn xmlns:p14="http://schemas.microsoft.com/office/powerpoint/2010/main" id="1" dur="indefinite" restart="never" nodeType="tmRoot"/>
+        <p:cTn id="1" dur="indefinite" restart="never" nodeType="tmRoot"/>
       </p:par>
     </p:tnLst>
   </p:timing>
@@ -20024,14 +18909,14 @@
           <a:noFill/>
           <a:ln/>
           <a:extLst>
-            <a:ext uri="{909E8E84-426E-40dd-AFC4-6F175D3DCCD1}">
+            <a:ext uri="{909E8E84-426E-40DD-AFC4-6F175D3DCCD1}">
               <a14:hiddenFill xmlns:a14="http://schemas.microsoft.com/office/drawing/2010/main">
                 <a:solidFill>
                   <a:srgbClr val="FFFFFF"/>
                 </a:solidFill>
               </a14:hiddenFill>
             </a:ext>
-            <a:ext uri="{91240B29-F687-4f45-9708-019B960494DF}">
+            <a:ext uri="{91240B29-F687-4F45-9708-019B960494DF}">
               <a14:hiddenLine xmlns:a14="http://schemas.microsoft.com/office/drawing/2010/main" w="9525">
                 <a:solidFill>
                   <a:srgbClr val="000000"/>
@@ -20138,7 +19023,7 @@
               <a:rPr lang="en-US" sz="1200" smtClean="0">
                 <a:latin typeface="Garamond" charset="0"/>
               </a:rPr>
-              <a:t>10/20/16</a:t>
+              <a:t>10/24/2016</a:t>
             </a:fld>
             <a:endParaRPr lang="en-US" sz="1200">
               <a:latin typeface="Garamond" charset="0"/>
@@ -20186,14 +19071,14 @@
           <a:noFill/>
           <a:ln/>
           <a:extLst>
-            <a:ext uri="{909E8E84-426E-40dd-AFC4-6F175D3DCCD1}">
+            <a:ext uri="{909E8E84-426E-40DD-AFC4-6F175D3DCCD1}">
               <a14:hiddenFill xmlns:a14="http://schemas.microsoft.com/office/drawing/2010/main">
                 <a:solidFill>
                   <a:srgbClr val="FFFFFF"/>
                 </a:solidFill>
               </a14:hiddenFill>
             </a:ext>
-            <a:ext uri="{91240B29-F687-4f45-9708-019B960494DF}">
+            <a:ext uri="{91240B29-F687-4F45-9708-019B960494DF}">
               <a14:hiddenLine xmlns:a14="http://schemas.microsoft.com/office/drawing/2010/main" w="9525">
                 <a:solidFill>
                   <a:srgbClr val="000000"/>
@@ -20318,7 +19203,7 @@
           <p:nvPr/>
         </p:nvPicPr>
         <p:blipFill>
-          <a:blip r:embed="rId2">
+          <a:blip r:embed="rId2" cstate="email">
             <a:extLst>
               <a:ext uri="{28A0092B-C50C-407E-A947-70E740481C1C}">
                 <a14:useLocalDpi xmlns:a14="http://schemas.microsoft.com/office/drawing/2010/main" val="0"/>
@@ -20343,14 +19228,14 @@
             <a:noFill/>
           </a:ln>
           <a:extLst>
-            <a:ext uri="{909E8E84-426E-40dd-AFC4-6F175D3DCCD1}">
+            <a:ext uri="{909E8E84-426E-40DD-AFC4-6F175D3DCCD1}">
               <a14:hiddenFill xmlns:a14="http://schemas.microsoft.com/office/drawing/2010/main">
                 <a:solidFill>
                   <a:schemeClr val="accent1"/>
                 </a:solidFill>
               </a14:hiddenFill>
             </a:ext>
-            <a:ext uri="{91240B29-F687-4f45-9708-019B960494DF}">
+            <a:ext uri="{91240B29-F687-4F45-9708-019B960494DF}">
               <a14:hiddenLine xmlns:a14="http://schemas.microsoft.com/office/drawing/2010/main" w="9525">
                 <a:solidFill>
                   <a:schemeClr val="tx1"/>
@@ -20371,7 +19256,7 @@
   <p:timing>
     <p:tnLst>
       <p:par>
-        <p:cTn xmlns:p14="http://schemas.microsoft.com/office/powerpoint/2010/main" id="1" dur="indefinite" restart="never" nodeType="tmRoot"/>
+        <p:cTn id="1" dur="indefinite" restart="never" nodeType="tmRoot"/>
       </p:par>
     </p:tnLst>
   </p:timing>
